--- a/Photosynthesis.pptx
+++ b/Photosynthesis.pptx
@@ -14,7 +14,7 @@
     <p:sldId id="262" r:id="rId8"/>
     <p:sldId id="263" r:id="rId9"/>
     <p:sldId id="264" r:id="rId10"/>
-    <p:sldId id="266" r:id="rId11"/>
+    <p:sldId id="268" r:id="rId11"/>
     <p:sldId id="267" r:id="rId12"/>
   </p:sldIdLst>
   <p:sldSz cx="12192000" cy="6858000"/>
@@ -120,6 +120,2704 @@
     </p:ext>
   </p:extLst>
 </p:presentation>
+</file>
+
+<file path=ppt/revisionInfo.xml><?xml version="1.0" encoding="utf-8"?>
+<p1510:revInfo xmlns:a="http://schemas.openxmlformats.org/drawingml/2006/main" xmlns:r="http://schemas.openxmlformats.org/officeDocument/2006/relationships" xmlns:p1510="http://schemas.microsoft.com/office/powerpoint/2015/10/main">
+  <p1510:revLst>
+    <p1510:client id="{25C3BF9D-0C7E-554F-8DAC-30793D9F0756}" v="5" dt="2022-03-13T09:40:33.171"/>
+  </p1510:revLst>
+</p1510:revInfo>
+</file>
+
+<file path=ppt/diagrams/colors1.xml><?xml version="1.0" encoding="utf-8"?>
+<dgm:colorsDef xmlns:dgm="http://schemas.openxmlformats.org/drawingml/2006/diagram" xmlns:a="http://schemas.openxmlformats.org/drawingml/2006/main" uniqueId="urn:microsoft.com/office/officeart/2005/8/colors/colorful5">
+  <dgm:title val=""/>
+  <dgm:desc val=""/>
+  <dgm:catLst>
+    <dgm:cat type="colorful" pri="10500"/>
+  </dgm:catLst>
+  <dgm:styleLbl name="node0">
+    <dgm:fillClrLst meth="repeat">
+      <a:schemeClr val="accent4"/>
+    </dgm:fillClrLst>
+    <dgm:linClrLst meth="repeat">
+      <a:schemeClr val="lt1"/>
+    </dgm:linClrLst>
+    <dgm:effectClrLst/>
+    <dgm:txLinClrLst/>
+    <dgm:txFillClrLst/>
+    <dgm:txEffectClrLst/>
+  </dgm:styleLbl>
+  <dgm:styleLbl name="node1">
+    <dgm:fillClrLst>
+      <a:schemeClr val="accent5"/>
+      <a:schemeClr val="accent6"/>
+    </dgm:fillClrLst>
+    <dgm:linClrLst meth="repeat">
+      <a:schemeClr val="lt1"/>
+    </dgm:linClrLst>
+    <dgm:effectClrLst/>
+    <dgm:txLinClrLst/>
+    <dgm:txFillClrLst/>
+    <dgm:txEffectClrLst/>
+  </dgm:styleLbl>
+  <dgm:styleLbl name="alignNode1">
+    <dgm:fillClrLst>
+      <a:schemeClr val="accent5"/>
+      <a:schemeClr val="accent6"/>
+    </dgm:fillClrLst>
+    <dgm:linClrLst>
+      <a:schemeClr val="accent5"/>
+      <a:schemeClr val="accent6"/>
+    </dgm:linClrLst>
+    <dgm:effectClrLst/>
+    <dgm:txLinClrLst/>
+    <dgm:txFillClrLst/>
+    <dgm:txEffectClrLst/>
+  </dgm:styleLbl>
+  <dgm:styleLbl name="lnNode1">
+    <dgm:fillClrLst>
+      <a:schemeClr val="accent5"/>
+      <a:schemeClr val="accent6"/>
+    </dgm:fillClrLst>
+    <dgm:linClrLst meth="repeat">
+      <a:schemeClr val="lt1"/>
+    </dgm:linClrLst>
+    <dgm:effectClrLst/>
+    <dgm:txLinClrLst/>
+    <dgm:txFillClrLst/>
+    <dgm:txEffectClrLst/>
+  </dgm:styleLbl>
+  <dgm:styleLbl name="vennNode1">
+    <dgm:fillClrLst>
+      <a:schemeClr val="accent5">
+        <a:alpha val="50000"/>
+      </a:schemeClr>
+      <a:schemeClr val="accent6">
+        <a:alpha val="50000"/>
+      </a:schemeClr>
+    </dgm:fillClrLst>
+    <dgm:linClrLst meth="repeat">
+      <a:schemeClr val="lt1"/>
+    </dgm:linClrLst>
+    <dgm:effectClrLst/>
+    <dgm:txLinClrLst/>
+    <dgm:txFillClrLst/>
+    <dgm:txEffectClrLst/>
+  </dgm:styleLbl>
+  <dgm:styleLbl name="node2">
+    <dgm:fillClrLst>
+      <a:schemeClr val="accent6"/>
+    </dgm:fillClrLst>
+    <dgm:linClrLst meth="repeat">
+      <a:schemeClr val="lt1"/>
+    </dgm:linClrLst>
+    <dgm:effectClrLst/>
+    <dgm:txLinClrLst/>
+    <dgm:txFillClrLst/>
+    <dgm:txEffectClrLst/>
+  </dgm:styleLbl>
+  <dgm:styleLbl name="node3">
+    <dgm:fillClrLst>
+      <a:schemeClr val="accent1"/>
+    </dgm:fillClrLst>
+    <dgm:linClrLst meth="repeat">
+      <a:schemeClr val="lt1"/>
+    </dgm:linClrLst>
+    <dgm:effectClrLst/>
+    <dgm:txLinClrLst/>
+    <dgm:txFillClrLst/>
+    <dgm:txEffectClrLst/>
+  </dgm:styleLbl>
+  <dgm:styleLbl name="node4">
+    <dgm:fillClrLst>
+      <a:schemeClr val="accent2"/>
+    </dgm:fillClrLst>
+    <dgm:linClrLst meth="repeat">
+      <a:schemeClr val="lt1"/>
+    </dgm:linClrLst>
+    <dgm:effectClrLst/>
+    <dgm:txLinClrLst/>
+    <dgm:txFillClrLst/>
+    <dgm:txEffectClrLst/>
+  </dgm:styleLbl>
+  <dgm:styleLbl name="fgImgPlace1">
+    <dgm:fillClrLst>
+      <a:schemeClr val="accent5">
+        <a:tint val="50000"/>
+      </a:schemeClr>
+      <a:schemeClr val="accent6">
+        <a:tint val="50000"/>
+      </a:schemeClr>
+    </dgm:fillClrLst>
+    <dgm:linClrLst meth="repeat">
+      <a:schemeClr val="lt1"/>
+    </dgm:linClrLst>
+    <dgm:effectClrLst/>
+    <dgm:txLinClrLst/>
+    <dgm:txFillClrLst meth="repeat">
+      <a:schemeClr val="lt1"/>
+    </dgm:txFillClrLst>
+    <dgm:txEffectClrLst/>
+  </dgm:styleLbl>
+  <dgm:styleLbl name="alignImgPlace1">
+    <dgm:fillClrLst>
+      <a:schemeClr val="accent5">
+        <a:tint val="50000"/>
+      </a:schemeClr>
+      <a:schemeClr val="accent6">
+        <a:tint val="20000"/>
+      </a:schemeClr>
+    </dgm:fillClrLst>
+    <dgm:linClrLst meth="repeat">
+      <a:schemeClr val="lt1"/>
+    </dgm:linClrLst>
+    <dgm:effectClrLst/>
+    <dgm:txLinClrLst/>
+    <dgm:txFillClrLst meth="repeat">
+      <a:schemeClr val="lt1"/>
+    </dgm:txFillClrLst>
+    <dgm:txEffectClrLst/>
+  </dgm:styleLbl>
+  <dgm:styleLbl name="bgImgPlace1">
+    <dgm:fillClrLst>
+      <a:schemeClr val="accent5">
+        <a:tint val="50000"/>
+      </a:schemeClr>
+      <a:schemeClr val="accent6">
+        <a:tint val="20000"/>
+      </a:schemeClr>
+    </dgm:fillClrLst>
+    <dgm:linClrLst meth="repeat">
+      <a:schemeClr val="lt1"/>
+    </dgm:linClrLst>
+    <dgm:effectClrLst/>
+    <dgm:txLinClrLst/>
+    <dgm:txFillClrLst meth="repeat">
+      <a:schemeClr val="lt1"/>
+    </dgm:txFillClrLst>
+    <dgm:txEffectClrLst/>
+  </dgm:styleLbl>
+  <dgm:styleLbl name="sibTrans2D1">
+    <dgm:fillClrLst>
+      <a:schemeClr val="accent5"/>
+      <a:schemeClr val="accent6"/>
+    </dgm:fillClrLst>
+    <dgm:linClrLst meth="repeat">
+      <a:schemeClr val="lt1"/>
+    </dgm:linClrLst>
+    <dgm:effectClrLst/>
+    <dgm:txLinClrLst/>
+    <dgm:txFillClrLst/>
+    <dgm:txEffectClrLst/>
+  </dgm:styleLbl>
+  <dgm:styleLbl name="fgSibTrans2D1">
+    <dgm:fillClrLst>
+      <a:schemeClr val="accent5"/>
+      <a:schemeClr val="accent6"/>
+    </dgm:fillClrLst>
+    <dgm:linClrLst meth="repeat">
+      <a:schemeClr val="lt1"/>
+    </dgm:linClrLst>
+    <dgm:effectClrLst/>
+    <dgm:txLinClrLst/>
+    <dgm:txFillClrLst meth="repeat">
+      <a:schemeClr val="lt1"/>
+    </dgm:txFillClrLst>
+    <dgm:txEffectClrLst/>
+  </dgm:styleLbl>
+  <dgm:styleLbl name="bgSibTrans2D1">
+    <dgm:fillClrLst>
+      <a:schemeClr val="accent5"/>
+      <a:schemeClr val="accent6"/>
+    </dgm:fillClrLst>
+    <dgm:linClrLst meth="repeat">
+      <a:schemeClr val="lt1"/>
+    </dgm:linClrLst>
+    <dgm:effectClrLst/>
+    <dgm:txLinClrLst/>
+    <dgm:txFillClrLst meth="repeat">
+      <a:schemeClr val="lt1"/>
+    </dgm:txFillClrLst>
+    <dgm:txEffectClrLst/>
+  </dgm:styleLbl>
+  <dgm:styleLbl name="sibTrans1D1">
+    <dgm:fillClrLst/>
+    <dgm:linClrLst>
+      <a:schemeClr val="accent5"/>
+      <a:schemeClr val="accent6"/>
+    </dgm:linClrLst>
+    <dgm:effectClrLst/>
+    <dgm:txLinClrLst/>
+    <dgm:txFillClrLst meth="repeat">
+      <a:schemeClr val="tx1"/>
+    </dgm:txFillClrLst>
+    <dgm:txEffectClrLst/>
+  </dgm:styleLbl>
+  <dgm:styleLbl name="callout">
+    <dgm:fillClrLst meth="repeat">
+      <a:schemeClr val="accent5"/>
+    </dgm:fillClrLst>
+    <dgm:linClrLst meth="repeat">
+      <a:schemeClr val="accent5">
+        <a:tint val="50000"/>
+      </a:schemeClr>
+    </dgm:linClrLst>
+    <dgm:effectClrLst/>
+    <dgm:txLinClrLst/>
+    <dgm:txFillClrLst meth="repeat">
+      <a:schemeClr val="tx1"/>
+    </dgm:txFillClrLst>
+    <dgm:txEffectClrLst/>
+  </dgm:styleLbl>
+  <dgm:styleLbl name="asst0">
+    <dgm:fillClrLst meth="repeat">
+      <a:schemeClr val="accent5"/>
+    </dgm:fillClrLst>
+    <dgm:linClrLst meth="repeat">
+      <a:schemeClr val="lt1">
+        <a:shade val="80000"/>
+      </a:schemeClr>
+    </dgm:linClrLst>
+    <dgm:effectClrLst/>
+    <dgm:txLinClrLst/>
+    <dgm:txFillClrLst/>
+    <dgm:txEffectClrLst/>
+  </dgm:styleLbl>
+  <dgm:styleLbl name="asst1">
+    <dgm:fillClrLst meth="repeat">
+      <a:schemeClr val="accent6"/>
+    </dgm:fillClrLst>
+    <dgm:linClrLst meth="repeat">
+      <a:schemeClr val="lt1">
+        <a:shade val="80000"/>
+      </a:schemeClr>
+    </dgm:linClrLst>
+    <dgm:effectClrLst/>
+    <dgm:txLinClrLst/>
+    <dgm:txFillClrLst/>
+    <dgm:txEffectClrLst/>
+  </dgm:styleLbl>
+  <dgm:styleLbl name="asst2">
+    <dgm:fillClrLst>
+      <a:schemeClr val="accent1"/>
+    </dgm:fillClrLst>
+    <dgm:linClrLst meth="repeat">
+      <a:schemeClr val="lt1"/>
+    </dgm:linClrLst>
+    <dgm:effectClrLst/>
+    <dgm:txLinClrLst/>
+    <dgm:txFillClrLst/>
+    <dgm:txEffectClrLst/>
+  </dgm:styleLbl>
+  <dgm:styleLbl name="asst3">
+    <dgm:fillClrLst>
+      <a:schemeClr val="accent2"/>
+    </dgm:fillClrLst>
+    <dgm:linClrLst meth="repeat">
+      <a:schemeClr val="lt1"/>
+    </dgm:linClrLst>
+    <dgm:effectClrLst/>
+    <dgm:txLinClrLst/>
+    <dgm:txFillClrLst/>
+    <dgm:txEffectClrLst/>
+  </dgm:styleLbl>
+  <dgm:styleLbl name="asst4">
+    <dgm:fillClrLst>
+      <a:schemeClr val="accent3"/>
+    </dgm:fillClrLst>
+    <dgm:linClrLst meth="repeat">
+      <a:schemeClr val="lt1"/>
+    </dgm:linClrLst>
+    <dgm:effectClrLst/>
+    <dgm:txLinClrLst/>
+    <dgm:txFillClrLst/>
+    <dgm:txEffectClrLst/>
+  </dgm:styleLbl>
+  <dgm:styleLbl name="parChTrans2D1">
+    <dgm:fillClrLst meth="repeat">
+      <a:schemeClr val="accent5"/>
+    </dgm:fillClrLst>
+    <dgm:linClrLst meth="repeat">
+      <a:schemeClr val="lt1"/>
+    </dgm:linClrLst>
+    <dgm:effectClrLst/>
+    <dgm:txLinClrLst/>
+    <dgm:txFillClrLst meth="repeat">
+      <a:schemeClr val="lt1"/>
+    </dgm:txFillClrLst>
+    <dgm:txEffectClrLst/>
+  </dgm:styleLbl>
+  <dgm:styleLbl name="parChTrans2D2">
+    <dgm:fillClrLst meth="repeat">
+      <a:schemeClr val="accent6"/>
+    </dgm:fillClrLst>
+    <dgm:linClrLst meth="repeat">
+      <a:schemeClr val="lt1"/>
+    </dgm:linClrLst>
+    <dgm:effectClrLst/>
+    <dgm:txLinClrLst/>
+    <dgm:txFillClrLst/>
+    <dgm:txEffectClrLst/>
+  </dgm:styleLbl>
+  <dgm:styleLbl name="parChTrans2D3">
+    <dgm:fillClrLst meth="repeat">
+      <a:schemeClr val="accent6"/>
+    </dgm:fillClrLst>
+    <dgm:linClrLst meth="repeat">
+      <a:schemeClr val="lt1"/>
+    </dgm:linClrLst>
+    <dgm:effectClrLst/>
+    <dgm:txLinClrLst/>
+    <dgm:txFillClrLst/>
+    <dgm:txEffectClrLst/>
+  </dgm:styleLbl>
+  <dgm:styleLbl name="parChTrans2D4">
+    <dgm:fillClrLst meth="repeat">
+      <a:schemeClr val="accent1"/>
+    </dgm:fillClrLst>
+    <dgm:linClrLst meth="repeat">
+      <a:schemeClr val="lt1"/>
+    </dgm:linClrLst>
+    <dgm:effectClrLst/>
+    <dgm:txLinClrLst/>
+    <dgm:txFillClrLst meth="repeat">
+      <a:schemeClr val="lt1"/>
+    </dgm:txFillClrLst>
+    <dgm:txEffectClrLst/>
+  </dgm:styleLbl>
+  <dgm:styleLbl name="parChTrans1D1">
+    <dgm:fillClrLst meth="repeat">
+      <a:schemeClr val="accent5"/>
+    </dgm:fillClrLst>
+    <dgm:linClrLst meth="repeat">
+      <a:schemeClr val="accent5"/>
+    </dgm:linClrLst>
+    <dgm:effectClrLst/>
+    <dgm:txLinClrLst/>
+    <dgm:txFillClrLst meth="repeat">
+      <a:schemeClr val="tx1"/>
+    </dgm:txFillClrLst>
+    <dgm:txEffectClrLst/>
+  </dgm:styleLbl>
+  <dgm:styleLbl name="parChTrans1D2">
+    <dgm:fillClrLst meth="repeat">
+      <a:schemeClr val="accent6">
+        <a:tint val="90000"/>
+      </a:schemeClr>
+    </dgm:fillClrLst>
+    <dgm:linClrLst meth="repeat">
+      <a:schemeClr val="accent6"/>
+    </dgm:linClrLst>
+    <dgm:effectClrLst/>
+    <dgm:txLinClrLst/>
+    <dgm:txFillClrLst meth="repeat">
+      <a:schemeClr val="tx1"/>
+    </dgm:txFillClrLst>
+    <dgm:txEffectClrLst/>
+  </dgm:styleLbl>
+  <dgm:styleLbl name="parChTrans1D3">
+    <dgm:fillClrLst meth="repeat">
+      <a:schemeClr val="accent6">
+        <a:tint val="70000"/>
+      </a:schemeClr>
+    </dgm:fillClrLst>
+    <dgm:linClrLst meth="repeat">
+      <a:schemeClr val="accent1"/>
+    </dgm:linClrLst>
+    <dgm:effectClrLst/>
+    <dgm:txLinClrLst/>
+    <dgm:txFillClrLst meth="repeat">
+      <a:schemeClr val="tx1"/>
+    </dgm:txFillClrLst>
+    <dgm:txEffectClrLst/>
+  </dgm:styleLbl>
+  <dgm:styleLbl name="parChTrans1D4">
+    <dgm:fillClrLst meth="repeat">
+      <a:schemeClr val="accent6">
+        <a:tint val="50000"/>
+      </a:schemeClr>
+    </dgm:fillClrLst>
+    <dgm:linClrLst meth="repeat">
+      <a:schemeClr val="accent2"/>
+    </dgm:linClrLst>
+    <dgm:effectClrLst/>
+    <dgm:txLinClrLst/>
+    <dgm:txFillClrLst meth="repeat">
+      <a:schemeClr val="tx1"/>
+    </dgm:txFillClrLst>
+    <dgm:txEffectClrLst/>
+  </dgm:styleLbl>
+  <dgm:styleLbl name="fgAcc1">
+    <dgm:fillClrLst meth="repeat">
+      <a:schemeClr val="lt1">
+        <a:alpha val="90000"/>
+      </a:schemeClr>
+    </dgm:fillClrLst>
+    <dgm:linClrLst>
+      <a:schemeClr val="accent5"/>
+      <a:schemeClr val="accent6"/>
+    </dgm:linClrLst>
+    <dgm:effectClrLst/>
+    <dgm:txLinClrLst/>
+    <dgm:txFillClrLst meth="repeat">
+      <a:schemeClr val="dk1"/>
+    </dgm:txFillClrLst>
+    <dgm:txEffectClrLst/>
+  </dgm:styleLbl>
+  <dgm:styleLbl name="conFgAcc1">
+    <dgm:fillClrLst meth="repeat">
+      <a:schemeClr val="lt1">
+        <a:alpha val="90000"/>
+      </a:schemeClr>
+    </dgm:fillClrLst>
+    <dgm:linClrLst>
+      <a:schemeClr val="accent5"/>
+      <a:schemeClr val="accent6"/>
+    </dgm:linClrLst>
+    <dgm:effectClrLst/>
+    <dgm:txLinClrLst/>
+    <dgm:txFillClrLst meth="repeat">
+      <a:schemeClr val="dk1"/>
+    </dgm:txFillClrLst>
+    <dgm:txEffectClrLst/>
+  </dgm:styleLbl>
+  <dgm:styleLbl name="alignAcc1">
+    <dgm:fillClrLst meth="repeat">
+      <a:schemeClr val="lt1">
+        <a:alpha val="90000"/>
+      </a:schemeClr>
+    </dgm:fillClrLst>
+    <dgm:linClrLst>
+      <a:schemeClr val="accent5"/>
+      <a:schemeClr val="accent6"/>
+    </dgm:linClrLst>
+    <dgm:effectClrLst/>
+    <dgm:txLinClrLst/>
+    <dgm:txFillClrLst meth="repeat">
+      <a:schemeClr val="dk1"/>
+    </dgm:txFillClrLst>
+    <dgm:txEffectClrLst/>
+  </dgm:styleLbl>
+  <dgm:styleLbl name="trAlignAcc1">
+    <dgm:fillClrLst meth="repeat">
+      <a:schemeClr val="lt1">
+        <a:alpha val="40000"/>
+      </a:schemeClr>
+    </dgm:fillClrLst>
+    <dgm:linClrLst meth="repeat">
+      <a:schemeClr val="accent5"/>
+    </dgm:linClrLst>
+    <dgm:effectClrLst/>
+    <dgm:txLinClrLst/>
+    <dgm:txFillClrLst meth="repeat">
+      <a:schemeClr val="dk1"/>
+    </dgm:txFillClrLst>
+    <dgm:txEffectClrLst/>
+  </dgm:styleLbl>
+  <dgm:styleLbl name="bgAcc1">
+    <dgm:fillClrLst meth="repeat">
+      <a:schemeClr val="lt1">
+        <a:alpha val="90000"/>
+      </a:schemeClr>
+    </dgm:fillClrLst>
+    <dgm:linClrLst>
+      <a:schemeClr val="accent5"/>
+      <a:schemeClr val="accent6"/>
+    </dgm:linClrLst>
+    <dgm:effectClrLst/>
+    <dgm:txLinClrLst/>
+    <dgm:txFillClrLst meth="repeat">
+      <a:schemeClr val="dk1"/>
+    </dgm:txFillClrLst>
+    <dgm:txEffectClrLst/>
+  </dgm:styleLbl>
+  <dgm:styleLbl name="solidFgAcc1">
+    <dgm:fillClrLst meth="repeat">
+      <a:schemeClr val="lt1"/>
+    </dgm:fillClrLst>
+    <dgm:linClrLst>
+      <a:schemeClr val="accent5"/>
+      <a:schemeClr val="accent6"/>
+    </dgm:linClrLst>
+    <dgm:effectClrLst/>
+    <dgm:txLinClrLst/>
+    <dgm:txFillClrLst meth="repeat">
+      <a:schemeClr val="dk1"/>
+    </dgm:txFillClrLst>
+    <dgm:txEffectClrLst/>
+  </dgm:styleLbl>
+  <dgm:styleLbl name="solidAlignAcc1">
+    <dgm:fillClrLst meth="repeat">
+      <a:schemeClr val="lt1"/>
+    </dgm:fillClrLst>
+    <dgm:linClrLst>
+      <a:schemeClr val="accent5"/>
+      <a:schemeClr val="accent6"/>
+    </dgm:linClrLst>
+    <dgm:effectClrLst/>
+    <dgm:txLinClrLst/>
+    <dgm:txFillClrLst meth="repeat">
+      <a:schemeClr val="dk1"/>
+    </dgm:txFillClrLst>
+    <dgm:txEffectClrLst/>
+  </dgm:styleLbl>
+  <dgm:styleLbl name="solidBgAcc1">
+    <dgm:fillClrLst meth="repeat">
+      <a:schemeClr val="lt1"/>
+    </dgm:fillClrLst>
+    <dgm:linClrLst>
+      <a:schemeClr val="accent5"/>
+      <a:schemeClr val="accent6"/>
+    </dgm:linClrLst>
+    <dgm:effectClrLst/>
+    <dgm:txLinClrLst/>
+    <dgm:txFillClrLst meth="repeat">
+      <a:schemeClr val="dk1"/>
+    </dgm:txFillClrLst>
+    <dgm:txEffectClrLst/>
+  </dgm:styleLbl>
+  <dgm:styleLbl name="fgAccFollowNode1">
+    <dgm:fillClrLst>
+      <a:schemeClr val="accent5">
+        <a:tint val="40000"/>
+        <a:alpha val="90000"/>
+      </a:schemeClr>
+      <a:schemeClr val="accent6">
+        <a:tint val="40000"/>
+        <a:alpha val="90000"/>
+      </a:schemeClr>
+    </dgm:fillClrLst>
+    <dgm:linClrLst>
+      <a:schemeClr val="accent5">
+        <a:tint val="40000"/>
+        <a:alpha val="90000"/>
+      </a:schemeClr>
+      <a:schemeClr val="accent5">
+        <a:tint val="40000"/>
+        <a:alpha val="90000"/>
+      </a:schemeClr>
+    </dgm:linClrLst>
+    <dgm:effectClrLst/>
+    <dgm:txLinClrLst/>
+    <dgm:txFillClrLst meth="repeat">
+      <a:schemeClr val="dk1"/>
+    </dgm:txFillClrLst>
+    <dgm:txEffectClrLst/>
+  </dgm:styleLbl>
+  <dgm:styleLbl name="alignAccFollowNode1">
+    <dgm:fillClrLst>
+      <a:schemeClr val="accent5">
+        <a:tint val="40000"/>
+        <a:alpha val="90000"/>
+      </a:schemeClr>
+      <a:schemeClr val="accent6">
+        <a:tint val="40000"/>
+        <a:alpha val="90000"/>
+      </a:schemeClr>
+    </dgm:fillClrLst>
+    <dgm:linClrLst>
+      <a:schemeClr val="accent5">
+        <a:tint val="40000"/>
+        <a:alpha val="90000"/>
+      </a:schemeClr>
+      <a:schemeClr val="accent6">
+        <a:tint val="40000"/>
+        <a:alpha val="90000"/>
+      </a:schemeClr>
+    </dgm:linClrLst>
+    <dgm:effectClrLst/>
+    <dgm:txLinClrLst/>
+    <dgm:txFillClrLst meth="repeat">
+      <a:schemeClr val="dk1"/>
+    </dgm:txFillClrLst>
+    <dgm:txEffectClrLst/>
+  </dgm:styleLbl>
+  <dgm:styleLbl name="bgAccFollowNode1">
+    <dgm:fillClrLst>
+      <a:schemeClr val="accent5">
+        <a:tint val="40000"/>
+        <a:alpha val="90000"/>
+      </a:schemeClr>
+      <a:schemeClr val="accent6">
+        <a:tint val="40000"/>
+        <a:alpha val="90000"/>
+      </a:schemeClr>
+    </dgm:fillClrLst>
+    <dgm:linClrLst>
+      <a:schemeClr val="accent5">
+        <a:tint val="40000"/>
+        <a:alpha val="90000"/>
+      </a:schemeClr>
+      <a:schemeClr val="accent6">
+        <a:tint val="40000"/>
+        <a:alpha val="90000"/>
+      </a:schemeClr>
+    </dgm:linClrLst>
+    <dgm:effectClrLst/>
+    <dgm:txLinClrLst/>
+    <dgm:txFillClrLst meth="repeat">
+      <a:schemeClr val="dk1"/>
+    </dgm:txFillClrLst>
+    <dgm:txEffectClrLst/>
+  </dgm:styleLbl>
+  <dgm:styleLbl name="fgAcc0">
+    <dgm:fillClrLst meth="repeat">
+      <a:schemeClr val="lt1">
+        <a:alpha val="90000"/>
+      </a:schemeClr>
+    </dgm:fillClrLst>
+    <dgm:linClrLst>
+      <a:schemeClr val="accent4"/>
+    </dgm:linClrLst>
+    <dgm:effectClrLst/>
+    <dgm:txLinClrLst/>
+    <dgm:txFillClrLst meth="repeat">
+      <a:schemeClr val="dk1"/>
+    </dgm:txFillClrLst>
+    <dgm:txEffectClrLst/>
+  </dgm:styleLbl>
+  <dgm:styleLbl name="fgAcc2">
+    <dgm:fillClrLst meth="repeat">
+      <a:schemeClr val="lt1">
+        <a:alpha val="90000"/>
+      </a:schemeClr>
+    </dgm:fillClrLst>
+    <dgm:linClrLst>
+      <a:schemeClr val="accent6"/>
+    </dgm:linClrLst>
+    <dgm:effectClrLst/>
+    <dgm:txLinClrLst/>
+    <dgm:txFillClrLst meth="repeat">
+      <a:schemeClr val="dk1"/>
+    </dgm:txFillClrLst>
+    <dgm:txEffectClrLst/>
+  </dgm:styleLbl>
+  <dgm:styleLbl name="fgAcc3">
+    <dgm:fillClrLst meth="repeat">
+      <a:schemeClr val="lt1">
+        <a:alpha val="90000"/>
+      </a:schemeClr>
+    </dgm:fillClrLst>
+    <dgm:linClrLst>
+      <a:schemeClr val="accent1"/>
+    </dgm:linClrLst>
+    <dgm:effectClrLst/>
+    <dgm:txLinClrLst/>
+    <dgm:txFillClrLst meth="repeat">
+      <a:schemeClr val="dk1"/>
+    </dgm:txFillClrLst>
+    <dgm:txEffectClrLst/>
+  </dgm:styleLbl>
+  <dgm:styleLbl name="fgAcc4">
+    <dgm:fillClrLst meth="repeat">
+      <a:schemeClr val="lt1">
+        <a:alpha val="90000"/>
+      </a:schemeClr>
+    </dgm:fillClrLst>
+    <dgm:linClrLst>
+      <a:schemeClr val="accent2"/>
+    </dgm:linClrLst>
+    <dgm:effectClrLst/>
+    <dgm:txLinClrLst/>
+    <dgm:txFillClrLst meth="repeat">
+      <a:schemeClr val="dk1"/>
+    </dgm:txFillClrLst>
+    <dgm:txEffectClrLst/>
+  </dgm:styleLbl>
+  <dgm:styleLbl name="bgShp">
+    <dgm:fillClrLst meth="repeat">
+      <a:schemeClr val="accent5">
+        <a:tint val="40000"/>
+      </a:schemeClr>
+    </dgm:fillClrLst>
+    <dgm:linClrLst meth="repeat">
+      <a:schemeClr val="dk1"/>
+    </dgm:linClrLst>
+    <dgm:effectClrLst/>
+    <dgm:txLinClrLst/>
+    <dgm:txFillClrLst meth="repeat">
+      <a:schemeClr val="dk1"/>
+    </dgm:txFillClrLst>
+    <dgm:txEffectClrLst/>
+  </dgm:styleLbl>
+  <dgm:styleLbl name="dkBgShp">
+    <dgm:fillClrLst meth="repeat">
+      <a:schemeClr val="accent5">
+        <a:shade val="90000"/>
+      </a:schemeClr>
+    </dgm:fillClrLst>
+    <dgm:linClrLst meth="repeat">
+      <a:schemeClr val="dk1"/>
+    </dgm:linClrLst>
+    <dgm:effectClrLst/>
+    <dgm:txLinClrLst/>
+    <dgm:txFillClrLst meth="repeat">
+      <a:schemeClr val="lt1"/>
+    </dgm:txFillClrLst>
+    <dgm:txEffectClrLst/>
+  </dgm:styleLbl>
+  <dgm:styleLbl name="trBgShp">
+    <dgm:fillClrLst meth="repeat">
+      <a:schemeClr val="accent5">
+        <a:tint val="50000"/>
+        <a:alpha val="40000"/>
+      </a:schemeClr>
+    </dgm:fillClrLst>
+    <dgm:linClrLst meth="repeat">
+      <a:schemeClr val="accent5"/>
+    </dgm:linClrLst>
+    <dgm:effectClrLst/>
+    <dgm:txLinClrLst/>
+    <dgm:txFillClrLst meth="repeat">
+      <a:schemeClr val="lt1"/>
+    </dgm:txFillClrLst>
+    <dgm:txEffectClrLst/>
+  </dgm:styleLbl>
+  <dgm:styleLbl name="fgShp">
+    <dgm:fillClrLst meth="repeat">
+      <a:schemeClr val="accent5">
+        <a:tint val="40000"/>
+      </a:schemeClr>
+    </dgm:fillClrLst>
+    <dgm:linClrLst meth="repeat">
+      <a:schemeClr val="lt1"/>
+    </dgm:linClrLst>
+    <dgm:effectClrLst/>
+    <dgm:txLinClrLst/>
+    <dgm:txFillClrLst meth="repeat">
+      <a:schemeClr val="dk1"/>
+    </dgm:txFillClrLst>
+    <dgm:txEffectClrLst/>
+  </dgm:styleLbl>
+  <dgm:styleLbl name="revTx">
+    <dgm:fillClrLst meth="repeat">
+      <a:schemeClr val="lt1">
+        <a:alpha val="0"/>
+      </a:schemeClr>
+    </dgm:fillClrLst>
+    <dgm:linClrLst meth="repeat">
+      <a:schemeClr val="dk1">
+        <a:alpha val="0"/>
+      </a:schemeClr>
+    </dgm:linClrLst>
+    <dgm:effectClrLst/>
+    <dgm:txLinClrLst/>
+    <dgm:txFillClrLst meth="repeat">
+      <a:schemeClr val="tx1"/>
+    </dgm:txFillClrLst>
+    <dgm:txEffectClrLst/>
+  </dgm:styleLbl>
+</dgm:colorsDef>
+</file>
+
+<file path=ppt/diagrams/data1.xml><?xml version="1.0" encoding="utf-8"?>
+<dgm:dataModel xmlns:dgm="http://schemas.openxmlformats.org/drawingml/2006/diagram" xmlns:a="http://schemas.openxmlformats.org/drawingml/2006/main">
+  <dgm:ptLst>
+    <dgm:pt modelId="{31A868C9-D252-466E-8C56-A23C7F9B2AB5}" type="doc">
+      <dgm:prSet loTypeId="urn:microsoft.com/office/officeart/2005/8/layout/vList2" loCatId="list" qsTypeId="urn:microsoft.com/office/officeart/2005/8/quickstyle/simple1" qsCatId="simple" csTypeId="urn:microsoft.com/office/officeart/2005/8/colors/colorful5" csCatId="colorful"/>
+      <dgm:spPr/>
+      <dgm:t>
+        <a:bodyPr/>
+        <a:lstStyle/>
+        <a:p>
+          <a:endParaRPr lang="en-US"/>
+        </a:p>
+      </dgm:t>
+    </dgm:pt>
+    <dgm:pt modelId="{E45CD055-F506-4AF5-BE69-CAD76F41729E}">
+      <dgm:prSet/>
+      <dgm:spPr/>
+      <dgm:t>
+        <a:bodyPr/>
+        <a:lstStyle/>
+        <a:p>
+          <a:r>
+            <a:rPr lang="en-US" dirty="0"/>
+            <a:t>Chlorophyll: This is the sugars produced by the plant.</a:t>
+          </a:r>
+        </a:p>
+      </dgm:t>
+    </dgm:pt>
+    <dgm:pt modelId="{623DB874-83B4-4158-B286-8C0EAB8AB1D6}" type="parTrans" cxnId="{ECE48A7F-4F8C-4599-9CA5-72699245416B}">
+      <dgm:prSet/>
+      <dgm:spPr/>
+      <dgm:t>
+        <a:bodyPr/>
+        <a:lstStyle/>
+        <a:p>
+          <a:endParaRPr lang="en-US"/>
+        </a:p>
+      </dgm:t>
+    </dgm:pt>
+    <dgm:pt modelId="{E27A39B0-7149-4EBF-B8EC-53E8380F5165}" type="sibTrans" cxnId="{ECE48A7F-4F8C-4599-9CA5-72699245416B}">
+      <dgm:prSet/>
+      <dgm:spPr/>
+      <dgm:t>
+        <a:bodyPr/>
+        <a:lstStyle/>
+        <a:p>
+          <a:endParaRPr lang="en-US"/>
+        </a:p>
+      </dgm:t>
+    </dgm:pt>
+    <dgm:pt modelId="{BF66D11C-722A-4206-AA4F-C6F61B3364CC}">
+      <dgm:prSet/>
+      <dgm:spPr/>
+      <dgm:t>
+        <a:bodyPr/>
+        <a:lstStyle/>
+        <a:p>
+          <a:r>
+            <a:rPr lang="en-AU"/>
+            <a:t>Cellulose: The main substance for plant cell walls and of vegetable fibres such as cotton.</a:t>
+          </a:r>
+          <a:endParaRPr lang="en-US"/>
+        </a:p>
+      </dgm:t>
+    </dgm:pt>
+    <dgm:pt modelId="{139CADA3-AE9B-4CAF-A3B5-45FDDEE97B4D}" type="parTrans" cxnId="{431DED45-DE32-4EA3-96E9-35D5CEAC660B}">
+      <dgm:prSet/>
+      <dgm:spPr/>
+      <dgm:t>
+        <a:bodyPr/>
+        <a:lstStyle/>
+        <a:p>
+          <a:endParaRPr lang="en-US"/>
+        </a:p>
+      </dgm:t>
+    </dgm:pt>
+    <dgm:pt modelId="{4FE41F8A-C28F-455F-B071-992921BC4BC4}" type="sibTrans" cxnId="{431DED45-DE32-4EA3-96E9-35D5CEAC660B}">
+      <dgm:prSet/>
+      <dgm:spPr/>
+      <dgm:t>
+        <a:bodyPr/>
+        <a:lstStyle/>
+        <a:p>
+          <a:endParaRPr lang="en-US"/>
+        </a:p>
+      </dgm:t>
+    </dgm:pt>
+    <dgm:pt modelId="{6BAF1EDF-2294-4946-B92C-7E6ED2278D39}">
+      <dgm:prSet/>
+      <dgm:spPr/>
+      <dgm:t>
+        <a:bodyPr/>
+        <a:lstStyle/>
+        <a:p>
+          <a:r>
+            <a:rPr lang="en-AU"/>
+            <a:t>Starch: Tasteless white substance occurring widely in plant tissue and obtained chiefly from cereals and potatoes.</a:t>
+          </a:r>
+          <a:endParaRPr lang="en-US"/>
+        </a:p>
+      </dgm:t>
+    </dgm:pt>
+    <dgm:pt modelId="{C4EF8DE2-583C-4216-BD01-AE8920878EFA}" type="parTrans" cxnId="{85060445-03C2-4FF6-A3EC-C99A06F29632}">
+      <dgm:prSet/>
+      <dgm:spPr/>
+      <dgm:t>
+        <a:bodyPr/>
+        <a:lstStyle/>
+        <a:p>
+          <a:endParaRPr lang="en-US"/>
+        </a:p>
+      </dgm:t>
+    </dgm:pt>
+    <dgm:pt modelId="{9CD8F333-0B34-41B7-8E30-26A78CFD7524}" type="sibTrans" cxnId="{85060445-03C2-4FF6-A3EC-C99A06F29632}">
+      <dgm:prSet/>
+      <dgm:spPr/>
+      <dgm:t>
+        <a:bodyPr/>
+        <a:lstStyle/>
+        <a:p>
+          <a:endParaRPr lang="en-US"/>
+        </a:p>
+      </dgm:t>
+    </dgm:pt>
+    <dgm:pt modelId="{2CFC6099-756D-4545-ADB0-DF50BD71AC38}">
+      <dgm:prSet/>
+      <dgm:spPr/>
+      <dgm:t>
+        <a:bodyPr/>
+        <a:lstStyle/>
+        <a:p>
+          <a:r>
+            <a:rPr lang="en-AU"/>
+            <a:t>Electrons: A stable subatomic particle with a charge of negative electricity, found in all atoms and acting as the primary carrier of electricity in solids.</a:t>
+          </a:r>
+          <a:endParaRPr lang="en-US"/>
+        </a:p>
+      </dgm:t>
+    </dgm:pt>
+    <dgm:pt modelId="{3AF0DEFD-7BB7-4EDB-8EC7-94C614DB3344}" type="parTrans" cxnId="{52A05FF9-E953-4207-8E54-CF9B30752A32}">
+      <dgm:prSet/>
+      <dgm:spPr/>
+      <dgm:t>
+        <a:bodyPr/>
+        <a:lstStyle/>
+        <a:p>
+          <a:endParaRPr lang="en-US"/>
+        </a:p>
+      </dgm:t>
+    </dgm:pt>
+    <dgm:pt modelId="{086B34B2-7F96-40A2-9464-A7316BEFA4AE}" type="sibTrans" cxnId="{52A05FF9-E953-4207-8E54-CF9B30752A32}">
+      <dgm:prSet/>
+      <dgm:spPr/>
+      <dgm:t>
+        <a:bodyPr/>
+        <a:lstStyle/>
+        <a:p>
+          <a:endParaRPr lang="en-US"/>
+        </a:p>
+      </dgm:t>
+    </dgm:pt>
+    <dgm:pt modelId="{57B8A637-63BC-42F6-9338-913A2397EC06}">
+      <dgm:prSet/>
+      <dgm:spPr/>
+      <dgm:t>
+        <a:bodyPr/>
+        <a:lstStyle/>
+        <a:p>
+          <a:r>
+            <a:rPr lang="en-AU" dirty="0"/>
+            <a:t>Molecules: A  group of atoms bonded together, representing the smallest fundamental unit of a chemical compound that can take part in a chemical reaction.</a:t>
+          </a:r>
+          <a:endParaRPr lang="en-US" dirty="0"/>
+        </a:p>
+      </dgm:t>
+    </dgm:pt>
+    <dgm:pt modelId="{275C5216-BD5E-423F-B1AD-117CEC9FB712}" type="parTrans" cxnId="{7C61F4BE-295E-4BC9-A244-C38F71E3EA2A}">
+      <dgm:prSet/>
+      <dgm:spPr/>
+      <dgm:t>
+        <a:bodyPr/>
+        <a:lstStyle/>
+        <a:p>
+          <a:endParaRPr lang="en-US"/>
+        </a:p>
+      </dgm:t>
+    </dgm:pt>
+    <dgm:pt modelId="{A316C72C-81FA-42A0-8CC7-F9600B775DBF}" type="sibTrans" cxnId="{7C61F4BE-295E-4BC9-A244-C38F71E3EA2A}">
+      <dgm:prSet/>
+      <dgm:spPr/>
+      <dgm:t>
+        <a:bodyPr/>
+        <a:lstStyle/>
+        <a:p>
+          <a:endParaRPr lang="en-US"/>
+        </a:p>
+      </dgm:t>
+    </dgm:pt>
+    <dgm:pt modelId="{9C07133B-17A0-8E40-9C0C-CD427F4641B8}" type="pres">
+      <dgm:prSet presAssocID="{31A868C9-D252-466E-8C56-A23C7F9B2AB5}" presName="linear" presStyleCnt="0">
+        <dgm:presLayoutVars>
+          <dgm:animLvl val="lvl"/>
+          <dgm:resizeHandles val="exact"/>
+        </dgm:presLayoutVars>
+      </dgm:prSet>
+      <dgm:spPr/>
+    </dgm:pt>
+    <dgm:pt modelId="{2A4CC7B5-F8E1-0648-8400-06F8C540EB58}" type="pres">
+      <dgm:prSet presAssocID="{E45CD055-F506-4AF5-BE69-CAD76F41729E}" presName="parentText" presStyleLbl="node1" presStyleIdx="0" presStyleCnt="5">
+        <dgm:presLayoutVars>
+          <dgm:chMax val="0"/>
+          <dgm:bulletEnabled val="1"/>
+        </dgm:presLayoutVars>
+      </dgm:prSet>
+      <dgm:spPr/>
+    </dgm:pt>
+    <dgm:pt modelId="{B703AC90-CD93-8F4A-907B-5B9269DBC013}" type="pres">
+      <dgm:prSet presAssocID="{E27A39B0-7149-4EBF-B8EC-53E8380F5165}" presName="spacer" presStyleCnt="0"/>
+      <dgm:spPr/>
+    </dgm:pt>
+    <dgm:pt modelId="{D462FD05-A047-1D42-9EAD-D5F5958CE92E}" type="pres">
+      <dgm:prSet presAssocID="{BF66D11C-722A-4206-AA4F-C6F61B3364CC}" presName="parentText" presStyleLbl="node1" presStyleIdx="1" presStyleCnt="5">
+        <dgm:presLayoutVars>
+          <dgm:chMax val="0"/>
+          <dgm:bulletEnabled val="1"/>
+        </dgm:presLayoutVars>
+      </dgm:prSet>
+      <dgm:spPr/>
+    </dgm:pt>
+    <dgm:pt modelId="{F5F47599-30D1-ED4C-AE03-ABEEB03ED58C}" type="pres">
+      <dgm:prSet presAssocID="{4FE41F8A-C28F-455F-B071-992921BC4BC4}" presName="spacer" presStyleCnt="0"/>
+      <dgm:spPr/>
+    </dgm:pt>
+    <dgm:pt modelId="{7355A7D4-27BD-6948-889B-BAB769BCD171}" type="pres">
+      <dgm:prSet presAssocID="{6BAF1EDF-2294-4946-B92C-7E6ED2278D39}" presName="parentText" presStyleLbl="node1" presStyleIdx="2" presStyleCnt="5">
+        <dgm:presLayoutVars>
+          <dgm:chMax val="0"/>
+          <dgm:bulletEnabled val="1"/>
+        </dgm:presLayoutVars>
+      </dgm:prSet>
+      <dgm:spPr/>
+    </dgm:pt>
+    <dgm:pt modelId="{A97E3A62-B4B5-5143-977F-921F8C4540FB}" type="pres">
+      <dgm:prSet presAssocID="{9CD8F333-0B34-41B7-8E30-26A78CFD7524}" presName="spacer" presStyleCnt="0"/>
+      <dgm:spPr/>
+    </dgm:pt>
+    <dgm:pt modelId="{F0EEE78E-D31D-7746-A8FD-FA2419C47756}" type="pres">
+      <dgm:prSet presAssocID="{2CFC6099-756D-4545-ADB0-DF50BD71AC38}" presName="parentText" presStyleLbl="node1" presStyleIdx="3" presStyleCnt="5">
+        <dgm:presLayoutVars>
+          <dgm:chMax val="0"/>
+          <dgm:bulletEnabled val="1"/>
+        </dgm:presLayoutVars>
+      </dgm:prSet>
+      <dgm:spPr/>
+    </dgm:pt>
+    <dgm:pt modelId="{35333333-7133-C848-B511-A5F497F9C8D4}" type="pres">
+      <dgm:prSet presAssocID="{086B34B2-7F96-40A2-9464-A7316BEFA4AE}" presName="spacer" presStyleCnt="0"/>
+      <dgm:spPr/>
+    </dgm:pt>
+    <dgm:pt modelId="{2EEFDD71-AB6A-F740-B72D-A8F2684C6279}" type="pres">
+      <dgm:prSet presAssocID="{57B8A637-63BC-42F6-9338-913A2397EC06}" presName="parentText" presStyleLbl="node1" presStyleIdx="4" presStyleCnt="5">
+        <dgm:presLayoutVars>
+          <dgm:chMax val="0"/>
+          <dgm:bulletEnabled val="1"/>
+        </dgm:presLayoutVars>
+      </dgm:prSet>
+      <dgm:spPr/>
+    </dgm:pt>
+  </dgm:ptLst>
+  <dgm:cxnLst>
+    <dgm:cxn modelId="{392AF616-03F3-5F48-B397-F334D5E15359}" type="presOf" srcId="{31A868C9-D252-466E-8C56-A23C7F9B2AB5}" destId="{9C07133B-17A0-8E40-9C0C-CD427F4641B8}" srcOrd="0" destOrd="0" presId="urn:microsoft.com/office/officeart/2005/8/layout/vList2"/>
+    <dgm:cxn modelId="{54B5F617-8CD1-FB45-AB1D-A667931563DB}" type="presOf" srcId="{6BAF1EDF-2294-4946-B92C-7E6ED2278D39}" destId="{7355A7D4-27BD-6948-889B-BAB769BCD171}" srcOrd="0" destOrd="0" presId="urn:microsoft.com/office/officeart/2005/8/layout/vList2"/>
+    <dgm:cxn modelId="{85060445-03C2-4FF6-A3EC-C99A06F29632}" srcId="{31A868C9-D252-466E-8C56-A23C7F9B2AB5}" destId="{6BAF1EDF-2294-4946-B92C-7E6ED2278D39}" srcOrd="2" destOrd="0" parTransId="{C4EF8DE2-583C-4216-BD01-AE8920878EFA}" sibTransId="{9CD8F333-0B34-41B7-8E30-26A78CFD7524}"/>
+    <dgm:cxn modelId="{431DED45-DE32-4EA3-96E9-35D5CEAC660B}" srcId="{31A868C9-D252-466E-8C56-A23C7F9B2AB5}" destId="{BF66D11C-722A-4206-AA4F-C6F61B3364CC}" srcOrd="1" destOrd="0" parTransId="{139CADA3-AE9B-4CAF-A3B5-45FDDEE97B4D}" sibTransId="{4FE41F8A-C28F-455F-B071-992921BC4BC4}"/>
+    <dgm:cxn modelId="{36AC987D-59F5-8D48-B821-DF1E4AD7E06F}" type="presOf" srcId="{57B8A637-63BC-42F6-9338-913A2397EC06}" destId="{2EEFDD71-AB6A-F740-B72D-A8F2684C6279}" srcOrd="0" destOrd="0" presId="urn:microsoft.com/office/officeart/2005/8/layout/vList2"/>
+    <dgm:cxn modelId="{ECE48A7F-4F8C-4599-9CA5-72699245416B}" srcId="{31A868C9-D252-466E-8C56-A23C7F9B2AB5}" destId="{E45CD055-F506-4AF5-BE69-CAD76F41729E}" srcOrd="0" destOrd="0" parTransId="{623DB874-83B4-4158-B286-8C0EAB8AB1D6}" sibTransId="{E27A39B0-7149-4EBF-B8EC-53E8380F5165}"/>
+    <dgm:cxn modelId="{04F21491-1CBD-9544-BCCF-2EB464E61AF7}" type="presOf" srcId="{E45CD055-F506-4AF5-BE69-CAD76F41729E}" destId="{2A4CC7B5-F8E1-0648-8400-06F8C540EB58}" srcOrd="0" destOrd="0" presId="urn:microsoft.com/office/officeart/2005/8/layout/vList2"/>
+    <dgm:cxn modelId="{99498BAA-86A1-4041-B1CB-720476FC273A}" type="presOf" srcId="{BF66D11C-722A-4206-AA4F-C6F61B3364CC}" destId="{D462FD05-A047-1D42-9EAD-D5F5958CE92E}" srcOrd="0" destOrd="0" presId="urn:microsoft.com/office/officeart/2005/8/layout/vList2"/>
+    <dgm:cxn modelId="{0B14C3BA-D82C-D044-B053-24B094127747}" type="presOf" srcId="{2CFC6099-756D-4545-ADB0-DF50BD71AC38}" destId="{F0EEE78E-D31D-7746-A8FD-FA2419C47756}" srcOrd="0" destOrd="0" presId="urn:microsoft.com/office/officeart/2005/8/layout/vList2"/>
+    <dgm:cxn modelId="{7C61F4BE-295E-4BC9-A244-C38F71E3EA2A}" srcId="{31A868C9-D252-466E-8C56-A23C7F9B2AB5}" destId="{57B8A637-63BC-42F6-9338-913A2397EC06}" srcOrd="4" destOrd="0" parTransId="{275C5216-BD5E-423F-B1AD-117CEC9FB712}" sibTransId="{A316C72C-81FA-42A0-8CC7-F9600B775DBF}"/>
+    <dgm:cxn modelId="{52A05FF9-E953-4207-8E54-CF9B30752A32}" srcId="{31A868C9-D252-466E-8C56-A23C7F9B2AB5}" destId="{2CFC6099-756D-4545-ADB0-DF50BD71AC38}" srcOrd="3" destOrd="0" parTransId="{3AF0DEFD-7BB7-4EDB-8EC7-94C614DB3344}" sibTransId="{086B34B2-7F96-40A2-9464-A7316BEFA4AE}"/>
+    <dgm:cxn modelId="{B3687B79-6462-E04B-8517-7A6F25DA0E1C}" type="presParOf" srcId="{9C07133B-17A0-8E40-9C0C-CD427F4641B8}" destId="{2A4CC7B5-F8E1-0648-8400-06F8C540EB58}" srcOrd="0" destOrd="0" presId="urn:microsoft.com/office/officeart/2005/8/layout/vList2"/>
+    <dgm:cxn modelId="{1A358904-FD04-314D-9BE1-B81DB9E660F3}" type="presParOf" srcId="{9C07133B-17A0-8E40-9C0C-CD427F4641B8}" destId="{B703AC90-CD93-8F4A-907B-5B9269DBC013}" srcOrd="1" destOrd="0" presId="urn:microsoft.com/office/officeart/2005/8/layout/vList2"/>
+    <dgm:cxn modelId="{AB3A2CE3-8A62-E544-9053-C1FE640023B2}" type="presParOf" srcId="{9C07133B-17A0-8E40-9C0C-CD427F4641B8}" destId="{D462FD05-A047-1D42-9EAD-D5F5958CE92E}" srcOrd="2" destOrd="0" presId="urn:microsoft.com/office/officeart/2005/8/layout/vList2"/>
+    <dgm:cxn modelId="{4B6C7DBB-71D2-3946-9B9B-9EA0F26E50C9}" type="presParOf" srcId="{9C07133B-17A0-8E40-9C0C-CD427F4641B8}" destId="{F5F47599-30D1-ED4C-AE03-ABEEB03ED58C}" srcOrd="3" destOrd="0" presId="urn:microsoft.com/office/officeart/2005/8/layout/vList2"/>
+    <dgm:cxn modelId="{E69B7DF5-D03E-A34F-90F7-EA1A6AC9AF1C}" type="presParOf" srcId="{9C07133B-17A0-8E40-9C0C-CD427F4641B8}" destId="{7355A7D4-27BD-6948-889B-BAB769BCD171}" srcOrd="4" destOrd="0" presId="urn:microsoft.com/office/officeart/2005/8/layout/vList2"/>
+    <dgm:cxn modelId="{B6B58FEA-C1BD-AB48-A7F8-322B30E8E4A2}" type="presParOf" srcId="{9C07133B-17A0-8E40-9C0C-CD427F4641B8}" destId="{A97E3A62-B4B5-5143-977F-921F8C4540FB}" srcOrd="5" destOrd="0" presId="urn:microsoft.com/office/officeart/2005/8/layout/vList2"/>
+    <dgm:cxn modelId="{4B469B8D-3228-274C-A8C3-2FFE70EECBC3}" type="presParOf" srcId="{9C07133B-17A0-8E40-9C0C-CD427F4641B8}" destId="{F0EEE78E-D31D-7746-A8FD-FA2419C47756}" srcOrd="6" destOrd="0" presId="urn:microsoft.com/office/officeart/2005/8/layout/vList2"/>
+    <dgm:cxn modelId="{E6C0090C-DF2E-C84C-B847-25491D282259}" type="presParOf" srcId="{9C07133B-17A0-8E40-9C0C-CD427F4641B8}" destId="{35333333-7133-C848-B511-A5F497F9C8D4}" srcOrd="7" destOrd="0" presId="urn:microsoft.com/office/officeart/2005/8/layout/vList2"/>
+    <dgm:cxn modelId="{37E14934-BEBC-594A-8F7A-B868A4701D26}" type="presParOf" srcId="{9C07133B-17A0-8E40-9C0C-CD427F4641B8}" destId="{2EEFDD71-AB6A-F740-B72D-A8F2684C6279}" srcOrd="8" destOrd="0" presId="urn:microsoft.com/office/officeart/2005/8/layout/vList2"/>
+  </dgm:cxnLst>
+  <dgm:bg/>
+  <dgm:whole/>
+  <dgm:extLst>
+    <a:ext uri="http://schemas.microsoft.com/office/drawing/2008/diagram">
+      <dsp:dataModelExt xmlns:dsp="http://schemas.microsoft.com/office/drawing/2008/diagram" relId="rId6" minVer="http://schemas.openxmlformats.org/drawingml/2006/diagram"/>
+    </a:ext>
+  </dgm:extLst>
+</dgm:dataModel>
+</file>
+
+<file path=ppt/diagrams/drawing1.xml><?xml version="1.0" encoding="utf-8"?>
+<dsp:drawing xmlns:dgm="http://schemas.openxmlformats.org/drawingml/2006/diagram" xmlns:dsp="http://schemas.microsoft.com/office/drawing/2008/diagram" xmlns:a="http://schemas.openxmlformats.org/drawingml/2006/main">
+  <dsp:spTree>
+    <dsp:nvGrpSpPr>
+      <dsp:cNvPr id="0" name=""/>
+      <dsp:cNvGrpSpPr/>
+    </dsp:nvGrpSpPr>
+    <dsp:grpSpPr/>
+    <dsp:sp modelId="{2A4CC7B5-F8E1-0648-8400-06F8C540EB58}">
+      <dsp:nvSpPr>
+        <dsp:cNvPr id="0" name=""/>
+        <dsp:cNvSpPr/>
+      </dsp:nvSpPr>
+      <dsp:spPr>
+        <a:xfrm>
+          <a:off x="0" y="134806"/>
+          <a:ext cx="6263640" cy="1005543"/>
+        </a:xfrm>
+        <a:prstGeom prst="roundRect">
+          <a:avLst/>
+        </a:prstGeom>
+        <a:solidFill>
+          <a:schemeClr val="accent5">
+            <a:hueOff val="0"/>
+            <a:satOff val="0"/>
+            <a:lumOff val="0"/>
+            <a:alphaOff val="0"/>
+          </a:schemeClr>
+        </a:solidFill>
+        <a:ln w="12700" cap="flat" cmpd="sng" algn="ctr">
+          <a:solidFill>
+            <a:schemeClr val="lt1">
+              <a:hueOff val="0"/>
+              <a:satOff val="0"/>
+              <a:lumOff val="0"/>
+              <a:alphaOff val="0"/>
+            </a:schemeClr>
+          </a:solidFill>
+          <a:prstDash val="solid"/>
+          <a:miter lim="800000"/>
+        </a:ln>
+        <a:effectLst/>
+      </dsp:spPr>
+      <dsp:style>
+        <a:lnRef idx="2">
+          <a:scrgbClr r="0" g="0" b="0"/>
+        </a:lnRef>
+        <a:fillRef idx="1">
+          <a:scrgbClr r="0" g="0" b="0"/>
+        </a:fillRef>
+        <a:effectRef idx="0">
+          <a:scrgbClr r="0" g="0" b="0"/>
+        </a:effectRef>
+        <a:fontRef idx="minor">
+          <a:schemeClr val="lt1"/>
+        </a:fontRef>
+      </dsp:style>
+      <dsp:txBody>
+        <a:bodyPr spcFirstLastPara="0" vert="horz" wrap="square" lIns="68580" tIns="68580" rIns="68580" bIns="68580" numCol="1" spcCol="1270" anchor="ctr" anchorCtr="0">
+          <a:noAutofit/>
+        </a:bodyPr>
+        <a:lstStyle/>
+        <a:p>
+          <a:pPr marL="0" lvl="0" indent="0" algn="l" defTabSz="800100">
+            <a:lnSpc>
+              <a:spcPct val="90000"/>
+            </a:lnSpc>
+            <a:spcBef>
+              <a:spcPct val="0"/>
+            </a:spcBef>
+            <a:spcAft>
+              <a:spcPct val="35000"/>
+            </a:spcAft>
+            <a:buNone/>
+          </a:pPr>
+          <a:r>
+            <a:rPr lang="en-US" sz="1800" kern="1200" dirty="0"/>
+            <a:t>Chlorophyll: This is the sugars produced by the plant.</a:t>
+          </a:r>
+        </a:p>
+      </dsp:txBody>
+      <dsp:txXfrm>
+        <a:off x="49087" y="183893"/>
+        <a:ext cx="6165466" cy="907369"/>
+      </dsp:txXfrm>
+    </dsp:sp>
+    <dsp:sp modelId="{D462FD05-A047-1D42-9EAD-D5F5958CE92E}">
+      <dsp:nvSpPr>
+        <dsp:cNvPr id="0" name=""/>
+        <dsp:cNvSpPr/>
+      </dsp:nvSpPr>
+      <dsp:spPr>
+        <a:xfrm>
+          <a:off x="0" y="1192189"/>
+          <a:ext cx="6263640" cy="1005543"/>
+        </a:xfrm>
+        <a:prstGeom prst="roundRect">
+          <a:avLst/>
+        </a:prstGeom>
+        <a:solidFill>
+          <a:schemeClr val="accent5">
+            <a:hueOff val="-1689636"/>
+            <a:satOff val="-4355"/>
+            <a:lumOff val="-2941"/>
+            <a:alphaOff val="0"/>
+          </a:schemeClr>
+        </a:solidFill>
+        <a:ln w="12700" cap="flat" cmpd="sng" algn="ctr">
+          <a:solidFill>
+            <a:schemeClr val="lt1">
+              <a:hueOff val="0"/>
+              <a:satOff val="0"/>
+              <a:lumOff val="0"/>
+              <a:alphaOff val="0"/>
+            </a:schemeClr>
+          </a:solidFill>
+          <a:prstDash val="solid"/>
+          <a:miter lim="800000"/>
+        </a:ln>
+        <a:effectLst/>
+      </dsp:spPr>
+      <dsp:style>
+        <a:lnRef idx="2">
+          <a:scrgbClr r="0" g="0" b="0"/>
+        </a:lnRef>
+        <a:fillRef idx="1">
+          <a:scrgbClr r="0" g="0" b="0"/>
+        </a:fillRef>
+        <a:effectRef idx="0">
+          <a:scrgbClr r="0" g="0" b="0"/>
+        </a:effectRef>
+        <a:fontRef idx="minor">
+          <a:schemeClr val="lt1"/>
+        </a:fontRef>
+      </dsp:style>
+      <dsp:txBody>
+        <a:bodyPr spcFirstLastPara="0" vert="horz" wrap="square" lIns="68580" tIns="68580" rIns="68580" bIns="68580" numCol="1" spcCol="1270" anchor="ctr" anchorCtr="0">
+          <a:noAutofit/>
+        </a:bodyPr>
+        <a:lstStyle/>
+        <a:p>
+          <a:pPr marL="0" lvl="0" indent="0" algn="l" defTabSz="800100">
+            <a:lnSpc>
+              <a:spcPct val="90000"/>
+            </a:lnSpc>
+            <a:spcBef>
+              <a:spcPct val="0"/>
+            </a:spcBef>
+            <a:spcAft>
+              <a:spcPct val="35000"/>
+            </a:spcAft>
+            <a:buNone/>
+          </a:pPr>
+          <a:r>
+            <a:rPr lang="en-AU" sz="1800" kern="1200"/>
+            <a:t>Cellulose: The main substance for plant cell walls and of vegetable fibres such as cotton.</a:t>
+          </a:r>
+          <a:endParaRPr lang="en-US" sz="1800" kern="1200"/>
+        </a:p>
+      </dsp:txBody>
+      <dsp:txXfrm>
+        <a:off x="49087" y="1241276"/>
+        <a:ext cx="6165466" cy="907369"/>
+      </dsp:txXfrm>
+    </dsp:sp>
+    <dsp:sp modelId="{7355A7D4-27BD-6948-889B-BAB769BCD171}">
+      <dsp:nvSpPr>
+        <dsp:cNvPr id="0" name=""/>
+        <dsp:cNvSpPr/>
+      </dsp:nvSpPr>
+      <dsp:spPr>
+        <a:xfrm>
+          <a:off x="0" y="2249572"/>
+          <a:ext cx="6263640" cy="1005543"/>
+        </a:xfrm>
+        <a:prstGeom prst="roundRect">
+          <a:avLst/>
+        </a:prstGeom>
+        <a:solidFill>
+          <a:schemeClr val="accent5">
+            <a:hueOff val="-3379271"/>
+            <a:satOff val="-8710"/>
+            <a:lumOff val="-5883"/>
+            <a:alphaOff val="0"/>
+          </a:schemeClr>
+        </a:solidFill>
+        <a:ln w="12700" cap="flat" cmpd="sng" algn="ctr">
+          <a:solidFill>
+            <a:schemeClr val="lt1">
+              <a:hueOff val="0"/>
+              <a:satOff val="0"/>
+              <a:lumOff val="0"/>
+              <a:alphaOff val="0"/>
+            </a:schemeClr>
+          </a:solidFill>
+          <a:prstDash val="solid"/>
+          <a:miter lim="800000"/>
+        </a:ln>
+        <a:effectLst/>
+      </dsp:spPr>
+      <dsp:style>
+        <a:lnRef idx="2">
+          <a:scrgbClr r="0" g="0" b="0"/>
+        </a:lnRef>
+        <a:fillRef idx="1">
+          <a:scrgbClr r="0" g="0" b="0"/>
+        </a:fillRef>
+        <a:effectRef idx="0">
+          <a:scrgbClr r="0" g="0" b="0"/>
+        </a:effectRef>
+        <a:fontRef idx="minor">
+          <a:schemeClr val="lt1"/>
+        </a:fontRef>
+      </dsp:style>
+      <dsp:txBody>
+        <a:bodyPr spcFirstLastPara="0" vert="horz" wrap="square" lIns="68580" tIns="68580" rIns="68580" bIns="68580" numCol="1" spcCol="1270" anchor="ctr" anchorCtr="0">
+          <a:noAutofit/>
+        </a:bodyPr>
+        <a:lstStyle/>
+        <a:p>
+          <a:pPr marL="0" lvl="0" indent="0" algn="l" defTabSz="800100">
+            <a:lnSpc>
+              <a:spcPct val="90000"/>
+            </a:lnSpc>
+            <a:spcBef>
+              <a:spcPct val="0"/>
+            </a:spcBef>
+            <a:spcAft>
+              <a:spcPct val="35000"/>
+            </a:spcAft>
+            <a:buNone/>
+          </a:pPr>
+          <a:r>
+            <a:rPr lang="en-AU" sz="1800" kern="1200"/>
+            <a:t>Starch: Tasteless white substance occurring widely in plant tissue and obtained chiefly from cereals and potatoes.</a:t>
+          </a:r>
+          <a:endParaRPr lang="en-US" sz="1800" kern="1200"/>
+        </a:p>
+      </dsp:txBody>
+      <dsp:txXfrm>
+        <a:off x="49087" y="2298659"/>
+        <a:ext cx="6165466" cy="907369"/>
+      </dsp:txXfrm>
+    </dsp:sp>
+    <dsp:sp modelId="{F0EEE78E-D31D-7746-A8FD-FA2419C47756}">
+      <dsp:nvSpPr>
+        <dsp:cNvPr id="0" name=""/>
+        <dsp:cNvSpPr/>
+      </dsp:nvSpPr>
+      <dsp:spPr>
+        <a:xfrm>
+          <a:off x="0" y="3306955"/>
+          <a:ext cx="6263640" cy="1005543"/>
+        </a:xfrm>
+        <a:prstGeom prst="roundRect">
+          <a:avLst/>
+        </a:prstGeom>
+        <a:solidFill>
+          <a:schemeClr val="accent5">
+            <a:hueOff val="-5068907"/>
+            <a:satOff val="-13064"/>
+            <a:lumOff val="-8824"/>
+            <a:alphaOff val="0"/>
+          </a:schemeClr>
+        </a:solidFill>
+        <a:ln w="12700" cap="flat" cmpd="sng" algn="ctr">
+          <a:solidFill>
+            <a:schemeClr val="lt1">
+              <a:hueOff val="0"/>
+              <a:satOff val="0"/>
+              <a:lumOff val="0"/>
+              <a:alphaOff val="0"/>
+            </a:schemeClr>
+          </a:solidFill>
+          <a:prstDash val="solid"/>
+          <a:miter lim="800000"/>
+        </a:ln>
+        <a:effectLst/>
+      </dsp:spPr>
+      <dsp:style>
+        <a:lnRef idx="2">
+          <a:scrgbClr r="0" g="0" b="0"/>
+        </a:lnRef>
+        <a:fillRef idx="1">
+          <a:scrgbClr r="0" g="0" b="0"/>
+        </a:fillRef>
+        <a:effectRef idx="0">
+          <a:scrgbClr r="0" g="0" b="0"/>
+        </a:effectRef>
+        <a:fontRef idx="minor">
+          <a:schemeClr val="lt1"/>
+        </a:fontRef>
+      </dsp:style>
+      <dsp:txBody>
+        <a:bodyPr spcFirstLastPara="0" vert="horz" wrap="square" lIns="68580" tIns="68580" rIns="68580" bIns="68580" numCol="1" spcCol="1270" anchor="ctr" anchorCtr="0">
+          <a:noAutofit/>
+        </a:bodyPr>
+        <a:lstStyle/>
+        <a:p>
+          <a:pPr marL="0" lvl="0" indent="0" algn="l" defTabSz="800100">
+            <a:lnSpc>
+              <a:spcPct val="90000"/>
+            </a:lnSpc>
+            <a:spcBef>
+              <a:spcPct val="0"/>
+            </a:spcBef>
+            <a:spcAft>
+              <a:spcPct val="35000"/>
+            </a:spcAft>
+            <a:buNone/>
+          </a:pPr>
+          <a:r>
+            <a:rPr lang="en-AU" sz="1800" kern="1200"/>
+            <a:t>Electrons: A stable subatomic particle with a charge of negative electricity, found in all atoms and acting as the primary carrier of electricity in solids.</a:t>
+          </a:r>
+          <a:endParaRPr lang="en-US" sz="1800" kern="1200"/>
+        </a:p>
+      </dsp:txBody>
+      <dsp:txXfrm>
+        <a:off x="49087" y="3356042"/>
+        <a:ext cx="6165466" cy="907369"/>
+      </dsp:txXfrm>
+    </dsp:sp>
+    <dsp:sp modelId="{2EEFDD71-AB6A-F740-B72D-A8F2684C6279}">
+      <dsp:nvSpPr>
+        <dsp:cNvPr id="0" name=""/>
+        <dsp:cNvSpPr/>
+      </dsp:nvSpPr>
+      <dsp:spPr>
+        <a:xfrm>
+          <a:off x="0" y="4364338"/>
+          <a:ext cx="6263640" cy="1005543"/>
+        </a:xfrm>
+        <a:prstGeom prst="roundRect">
+          <a:avLst/>
+        </a:prstGeom>
+        <a:solidFill>
+          <a:schemeClr val="accent5">
+            <a:hueOff val="-6758543"/>
+            <a:satOff val="-17419"/>
+            <a:lumOff val="-11765"/>
+            <a:alphaOff val="0"/>
+          </a:schemeClr>
+        </a:solidFill>
+        <a:ln w="12700" cap="flat" cmpd="sng" algn="ctr">
+          <a:solidFill>
+            <a:schemeClr val="lt1">
+              <a:hueOff val="0"/>
+              <a:satOff val="0"/>
+              <a:lumOff val="0"/>
+              <a:alphaOff val="0"/>
+            </a:schemeClr>
+          </a:solidFill>
+          <a:prstDash val="solid"/>
+          <a:miter lim="800000"/>
+        </a:ln>
+        <a:effectLst/>
+      </dsp:spPr>
+      <dsp:style>
+        <a:lnRef idx="2">
+          <a:scrgbClr r="0" g="0" b="0"/>
+        </a:lnRef>
+        <a:fillRef idx="1">
+          <a:scrgbClr r="0" g="0" b="0"/>
+        </a:fillRef>
+        <a:effectRef idx="0">
+          <a:scrgbClr r="0" g="0" b="0"/>
+        </a:effectRef>
+        <a:fontRef idx="minor">
+          <a:schemeClr val="lt1"/>
+        </a:fontRef>
+      </dsp:style>
+      <dsp:txBody>
+        <a:bodyPr spcFirstLastPara="0" vert="horz" wrap="square" lIns="68580" tIns="68580" rIns="68580" bIns="68580" numCol="1" spcCol="1270" anchor="ctr" anchorCtr="0">
+          <a:noAutofit/>
+        </a:bodyPr>
+        <a:lstStyle/>
+        <a:p>
+          <a:pPr marL="0" lvl="0" indent="0" algn="l" defTabSz="800100">
+            <a:lnSpc>
+              <a:spcPct val="90000"/>
+            </a:lnSpc>
+            <a:spcBef>
+              <a:spcPct val="0"/>
+            </a:spcBef>
+            <a:spcAft>
+              <a:spcPct val="35000"/>
+            </a:spcAft>
+            <a:buNone/>
+          </a:pPr>
+          <a:r>
+            <a:rPr lang="en-AU" sz="1800" kern="1200" dirty="0"/>
+            <a:t>Molecules: A  group of atoms bonded together, representing the smallest fundamental unit of a chemical compound that can take part in a chemical reaction.</a:t>
+          </a:r>
+          <a:endParaRPr lang="en-US" sz="1800" kern="1200" dirty="0"/>
+        </a:p>
+      </dsp:txBody>
+      <dsp:txXfrm>
+        <a:off x="49087" y="4413425"/>
+        <a:ext cx="6165466" cy="907369"/>
+      </dsp:txXfrm>
+    </dsp:sp>
+  </dsp:spTree>
+</dsp:drawing>
+</file>
+
+<file path=ppt/diagrams/layout1.xml><?xml version="1.0" encoding="utf-8"?>
+<dgm:layoutDef xmlns:dgm="http://schemas.openxmlformats.org/drawingml/2006/diagram" xmlns:a="http://schemas.openxmlformats.org/drawingml/2006/main" uniqueId="urn:microsoft.com/office/officeart/2005/8/layout/vList2">
+  <dgm:title val=""/>
+  <dgm:desc val=""/>
+  <dgm:catLst>
+    <dgm:cat type="list" pri="3000"/>
+    <dgm:cat type="convert" pri="1000"/>
+  </dgm:catLst>
+  <dgm:sampData>
+    <dgm:dataModel>
+      <dgm:ptLst>
+        <dgm:pt modelId="0" type="doc"/>
+        <dgm:pt modelId="1">
+          <dgm:prSet phldr="1"/>
+        </dgm:pt>
+        <dgm:pt modelId="11">
+          <dgm:prSet phldr="1"/>
+        </dgm:pt>
+        <dgm:pt modelId="2">
+          <dgm:prSet phldr="1"/>
+        </dgm:pt>
+        <dgm:pt modelId="21">
+          <dgm:prSet phldr="1"/>
+        </dgm:pt>
+      </dgm:ptLst>
+      <dgm:cxnLst>
+        <dgm:cxn modelId="4" srcId="0" destId="1" srcOrd="0" destOrd="0"/>
+        <dgm:cxn modelId="5" srcId="0" destId="2" srcOrd="1" destOrd="0"/>
+        <dgm:cxn modelId="12" srcId="1" destId="11" srcOrd="0" destOrd="0"/>
+        <dgm:cxn modelId="23" srcId="2" destId="21" srcOrd="0" destOrd="0"/>
+      </dgm:cxnLst>
+      <dgm:bg/>
+      <dgm:whole/>
+    </dgm:dataModel>
+  </dgm:sampData>
+  <dgm:styleData>
+    <dgm:dataModel>
+      <dgm:ptLst>
+        <dgm:pt modelId="0" type="doc"/>
+        <dgm:pt modelId="1"/>
+        <dgm:pt modelId="2"/>
+      </dgm:ptLst>
+      <dgm:cxnLst>
+        <dgm:cxn modelId="3" srcId="0" destId="1" srcOrd="0" destOrd="0"/>
+        <dgm:cxn modelId="4" srcId="0" destId="2" srcOrd="1" destOrd="0"/>
+      </dgm:cxnLst>
+      <dgm:bg/>
+      <dgm:whole/>
+    </dgm:dataModel>
+  </dgm:styleData>
+  <dgm:clrData>
+    <dgm:dataModel>
+      <dgm:ptLst>
+        <dgm:pt modelId="0" type="doc"/>
+        <dgm:pt modelId="1"/>
+        <dgm:pt modelId="2"/>
+        <dgm:pt modelId="3"/>
+        <dgm:pt modelId="4"/>
+      </dgm:ptLst>
+      <dgm:cxnLst>
+        <dgm:cxn modelId="5" srcId="0" destId="1" srcOrd="0" destOrd="0"/>
+        <dgm:cxn modelId="6" srcId="0" destId="2" srcOrd="1" destOrd="0"/>
+        <dgm:cxn modelId="7" srcId="0" destId="3" srcOrd="2" destOrd="0"/>
+        <dgm:cxn modelId="8" srcId="0" destId="4" srcOrd="3" destOrd="0"/>
+      </dgm:cxnLst>
+      <dgm:bg/>
+      <dgm:whole/>
+    </dgm:dataModel>
+  </dgm:clrData>
+  <dgm:layoutNode name="linear">
+    <dgm:varLst>
+      <dgm:animLvl val="lvl"/>
+      <dgm:resizeHandles val="exact"/>
+    </dgm:varLst>
+    <dgm:alg type="lin">
+      <dgm:param type="linDir" val="fromT"/>
+      <dgm:param type="vertAlign" val="mid"/>
+    </dgm:alg>
+    <dgm:shape xmlns:r="http://schemas.openxmlformats.org/officeDocument/2006/relationships" r:blip="">
+      <dgm:adjLst/>
+    </dgm:shape>
+    <dgm:presOf/>
+    <dgm:constrLst>
+      <dgm:constr type="w" for="ch" forName="parentText" refType="w"/>
+      <dgm:constr type="h" for="ch" forName="parentText" refType="primFontSz" refFor="ch" refForName="parentText" fact="0.52"/>
+      <dgm:constr type="w" for="ch" forName="childText" refType="w"/>
+      <dgm:constr type="h" for="ch" forName="childText" refType="primFontSz" refFor="ch" refForName="parentText" fact="0.46"/>
+      <dgm:constr type="h" for="ch" forName="parentText" op="equ"/>
+      <dgm:constr type="primFontSz" for="ch" forName="parentText" op="equ" val="65"/>
+      <dgm:constr type="primFontSz" for="ch" forName="childText" refType="primFontSz" refFor="ch" refForName="parentText" op="equ"/>
+      <dgm:constr type="h" for="ch" forName="spacer" refType="primFontSz" refFor="ch" refForName="parentText" fact="0.08"/>
+    </dgm:constrLst>
+    <dgm:ruleLst>
+      <dgm:rule type="primFontSz" for="ch" forName="parentText" val="5" fact="NaN" max="NaN"/>
+    </dgm:ruleLst>
+    <dgm:forEach name="Name0" axis="ch" ptType="node">
+      <dgm:layoutNode name="parentText" styleLbl="node1">
+        <dgm:varLst>
+          <dgm:chMax val="0"/>
+          <dgm:bulletEnabled val="1"/>
+        </dgm:varLst>
+        <dgm:alg type="tx">
+          <dgm:param type="parTxLTRAlign" val="l"/>
+          <dgm:param type="parTxRTLAlign" val="r"/>
+        </dgm:alg>
+        <dgm:shape xmlns:r="http://schemas.openxmlformats.org/officeDocument/2006/relationships" type="roundRect" r:blip="">
+          <dgm:adjLst/>
+        </dgm:shape>
+        <dgm:presOf axis="self"/>
+        <dgm:constrLst>
+          <dgm:constr type="tMarg" refType="primFontSz" fact="0.3"/>
+          <dgm:constr type="bMarg" refType="primFontSz" fact="0.3"/>
+          <dgm:constr type="lMarg" refType="primFontSz" fact="0.3"/>
+          <dgm:constr type="rMarg" refType="primFontSz" fact="0.3"/>
+        </dgm:constrLst>
+        <dgm:ruleLst>
+          <dgm:rule type="h" val="INF" fact="NaN" max="NaN"/>
+        </dgm:ruleLst>
+      </dgm:layoutNode>
+      <dgm:choose name="Name1">
+        <dgm:if name="Name2" axis="ch" ptType="node" func="cnt" op="gte" val="1">
+          <dgm:layoutNode name="childText" styleLbl="revTx">
+            <dgm:varLst>
+              <dgm:bulletEnabled val="1"/>
+            </dgm:varLst>
+            <dgm:alg type="tx">
+              <dgm:param type="stBulletLvl" val="1"/>
+              <dgm:param type="lnSpAfChP" val="20"/>
+            </dgm:alg>
+            <dgm:shape xmlns:r="http://schemas.openxmlformats.org/officeDocument/2006/relationships" type="rect" r:blip="">
+              <dgm:adjLst/>
+            </dgm:shape>
+            <dgm:presOf axis="des" ptType="node"/>
+            <dgm:constrLst>
+              <dgm:constr type="tMarg" refType="primFontSz" fact="0.1"/>
+              <dgm:constr type="bMarg" refType="primFontSz" fact="0.1"/>
+              <dgm:constr type="lMarg" refType="w" fact="0.09"/>
+            </dgm:constrLst>
+            <dgm:ruleLst>
+              <dgm:rule type="h" val="INF" fact="NaN" max="NaN"/>
+            </dgm:ruleLst>
+          </dgm:layoutNode>
+        </dgm:if>
+        <dgm:else name="Name3">
+          <dgm:choose name="Name4">
+            <dgm:if name="Name5" axis="par ch" ptType="doc node" func="cnt" op="gte" val="2">
+              <dgm:forEach name="Name6" axis="followSib" ptType="sibTrans" cnt="1">
+                <dgm:layoutNode name="spacer">
+                  <dgm:alg type="sp"/>
+                  <dgm:shape xmlns:r="http://schemas.openxmlformats.org/officeDocument/2006/relationships" r:blip="">
+                    <dgm:adjLst/>
+                  </dgm:shape>
+                  <dgm:presOf/>
+                  <dgm:constrLst/>
+                  <dgm:ruleLst/>
+                </dgm:layoutNode>
+              </dgm:forEach>
+            </dgm:if>
+            <dgm:else name="Name7"/>
+          </dgm:choose>
+        </dgm:else>
+      </dgm:choose>
+    </dgm:forEach>
+  </dgm:layoutNode>
+</dgm:layoutDef>
+</file>
+
+<file path=ppt/diagrams/quickStyle1.xml><?xml version="1.0" encoding="utf-8"?>
+<dgm:styleDef xmlns:dgm="http://schemas.openxmlformats.org/drawingml/2006/diagram" xmlns:a="http://schemas.openxmlformats.org/drawingml/2006/main" uniqueId="urn:microsoft.com/office/officeart/2005/8/quickstyle/simple1">
+  <dgm:title val=""/>
+  <dgm:desc val=""/>
+  <dgm:catLst>
+    <dgm:cat type="simple" pri="10100"/>
+  </dgm:catLst>
+  <dgm:scene3d>
+    <a:camera prst="orthographicFront"/>
+    <a:lightRig rig="threePt" dir="t"/>
+  </dgm:scene3d>
+  <dgm:styleLbl name="node0">
+    <dgm:scene3d>
+      <a:camera prst="orthographicFront"/>
+      <a:lightRig rig="threePt" dir="t"/>
+    </dgm:scene3d>
+    <dgm:sp3d/>
+    <dgm:txPr/>
+    <dgm:style>
+      <a:lnRef idx="2">
+        <a:scrgbClr r="0" g="0" b="0"/>
+      </a:lnRef>
+      <a:fillRef idx="1">
+        <a:scrgbClr r="0" g="0" b="0"/>
+      </a:fillRef>
+      <a:effectRef idx="0">
+        <a:scrgbClr r="0" g="0" b="0"/>
+      </a:effectRef>
+      <a:fontRef idx="minor">
+        <a:schemeClr val="lt1"/>
+      </a:fontRef>
+    </dgm:style>
+  </dgm:styleLbl>
+  <dgm:styleLbl name="lnNode1">
+    <dgm:scene3d>
+      <a:camera prst="orthographicFront"/>
+      <a:lightRig rig="threePt" dir="t"/>
+    </dgm:scene3d>
+    <dgm:sp3d/>
+    <dgm:txPr/>
+    <dgm:style>
+      <a:lnRef idx="2">
+        <a:scrgbClr r="0" g="0" b="0"/>
+      </a:lnRef>
+      <a:fillRef idx="1">
+        <a:scrgbClr r="0" g="0" b="0"/>
+      </a:fillRef>
+      <a:effectRef idx="0">
+        <a:scrgbClr r="0" g="0" b="0"/>
+      </a:effectRef>
+      <a:fontRef idx="minor">
+        <a:schemeClr val="lt1"/>
+      </a:fontRef>
+    </dgm:style>
+  </dgm:styleLbl>
+  <dgm:styleLbl name="vennNode1">
+    <dgm:scene3d>
+      <a:camera prst="orthographicFront"/>
+      <a:lightRig rig="threePt" dir="t"/>
+    </dgm:scene3d>
+    <dgm:sp3d/>
+    <dgm:txPr/>
+    <dgm:style>
+      <a:lnRef idx="2">
+        <a:scrgbClr r="0" g="0" b="0"/>
+      </a:lnRef>
+      <a:fillRef idx="1">
+        <a:scrgbClr r="0" g="0" b="0"/>
+      </a:fillRef>
+      <a:effectRef idx="0">
+        <a:scrgbClr r="0" g="0" b="0"/>
+      </a:effectRef>
+      <a:fontRef idx="minor">
+        <a:schemeClr val="tx1"/>
+      </a:fontRef>
+    </dgm:style>
+  </dgm:styleLbl>
+  <dgm:styleLbl name="alignNode1">
+    <dgm:scene3d>
+      <a:camera prst="orthographicFront"/>
+      <a:lightRig rig="threePt" dir="t"/>
+    </dgm:scene3d>
+    <dgm:sp3d/>
+    <dgm:txPr/>
+    <dgm:style>
+      <a:lnRef idx="2">
+        <a:scrgbClr r="0" g="0" b="0"/>
+      </a:lnRef>
+      <a:fillRef idx="1">
+        <a:scrgbClr r="0" g="0" b="0"/>
+      </a:fillRef>
+      <a:effectRef idx="0">
+        <a:scrgbClr r="0" g="0" b="0"/>
+      </a:effectRef>
+      <a:fontRef idx="minor">
+        <a:schemeClr val="lt1"/>
+      </a:fontRef>
+    </dgm:style>
+  </dgm:styleLbl>
+  <dgm:styleLbl name="node1">
+    <dgm:scene3d>
+      <a:camera prst="orthographicFront"/>
+      <a:lightRig rig="threePt" dir="t"/>
+    </dgm:scene3d>
+    <dgm:sp3d/>
+    <dgm:txPr/>
+    <dgm:style>
+      <a:lnRef idx="2">
+        <a:scrgbClr r="0" g="0" b="0"/>
+      </a:lnRef>
+      <a:fillRef idx="1">
+        <a:scrgbClr r="0" g="0" b="0"/>
+      </a:fillRef>
+      <a:effectRef idx="0">
+        <a:scrgbClr r="0" g="0" b="0"/>
+      </a:effectRef>
+      <a:fontRef idx="minor">
+        <a:schemeClr val="lt1"/>
+      </a:fontRef>
+    </dgm:style>
+  </dgm:styleLbl>
+  <dgm:styleLbl name="node2">
+    <dgm:scene3d>
+      <a:camera prst="orthographicFront"/>
+      <a:lightRig rig="threePt" dir="t"/>
+    </dgm:scene3d>
+    <dgm:sp3d/>
+    <dgm:txPr/>
+    <dgm:style>
+      <a:lnRef idx="2">
+        <a:scrgbClr r="0" g="0" b="0"/>
+      </a:lnRef>
+      <a:fillRef idx="1">
+        <a:scrgbClr r="0" g="0" b="0"/>
+      </a:fillRef>
+      <a:effectRef idx="0">
+        <a:scrgbClr r="0" g="0" b="0"/>
+      </a:effectRef>
+      <a:fontRef idx="minor">
+        <a:schemeClr val="lt1"/>
+      </a:fontRef>
+    </dgm:style>
+  </dgm:styleLbl>
+  <dgm:styleLbl name="node3">
+    <dgm:scene3d>
+      <a:camera prst="orthographicFront"/>
+      <a:lightRig rig="threePt" dir="t"/>
+    </dgm:scene3d>
+    <dgm:sp3d/>
+    <dgm:txPr/>
+    <dgm:style>
+      <a:lnRef idx="2">
+        <a:scrgbClr r="0" g="0" b="0"/>
+      </a:lnRef>
+      <a:fillRef idx="1">
+        <a:scrgbClr r="0" g="0" b="0"/>
+      </a:fillRef>
+      <a:effectRef idx="0">
+        <a:scrgbClr r="0" g="0" b="0"/>
+      </a:effectRef>
+      <a:fontRef idx="minor">
+        <a:schemeClr val="lt1"/>
+      </a:fontRef>
+    </dgm:style>
+  </dgm:styleLbl>
+  <dgm:styleLbl name="node4">
+    <dgm:scene3d>
+      <a:camera prst="orthographicFront"/>
+      <a:lightRig rig="threePt" dir="t"/>
+    </dgm:scene3d>
+    <dgm:sp3d/>
+    <dgm:txPr/>
+    <dgm:style>
+      <a:lnRef idx="2">
+        <a:scrgbClr r="0" g="0" b="0"/>
+      </a:lnRef>
+      <a:fillRef idx="1">
+        <a:scrgbClr r="0" g="0" b="0"/>
+      </a:fillRef>
+      <a:effectRef idx="0">
+        <a:scrgbClr r="0" g="0" b="0"/>
+      </a:effectRef>
+      <a:fontRef idx="minor">
+        <a:schemeClr val="lt1"/>
+      </a:fontRef>
+    </dgm:style>
+  </dgm:styleLbl>
+  <dgm:styleLbl name="fgImgPlace1">
+    <dgm:scene3d>
+      <a:camera prst="orthographicFront"/>
+      <a:lightRig rig="threePt" dir="t"/>
+    </dgm:scene3d>
+    <dgm:sp3d/>
+    <dgm:txPr/>
+    <dgm:style>
+      <a:lnRef idx="2">
+        <a:scrgbClr r="0" g="0" b="0"/>
+      </a:lnRef>
+      <a:fillRef idx="1">
+        <a:scrgbClr r="0" g="0" b="0"/>
+      </a:fillRef>
+      <a:effectRef idx="0">
+        <a:scrgbClr r="0" g="0" b="0"/>
+      </a:effectRef>
+      <a:fontRef idx="minor"/>
+    </dgm:style>
+  </dgm:styleLbl>
+  <dgm:styleLbl name="alignImgPlace1">
+    <dgm:scene3d>
+      <a:camera prst="orthographicFront"/>
+      <a:lightRig rig="threePt" dir="t"/>
+    </dgm:scene3d>
+    <dgm:sp3d/>
+    <dgm:txPr/>
+    <dgm:style>
+      <a:lnRef idx="2">
+        <a:scrgbClr r="0" g="0" b="0"/>
+      </a:lnRef>
+      <a:fillRef idx="1">
+        <a:scrgbClr r="0" g="0" b="0"/>
+      </a:fillRef>
+      <a:effectRef idx="0">
+        <a:scrgbClr r="0" g="0" b="0"/>
+      </a:effectRef>
+      <a:fontRef idx="minor"/>
+    </dgm:style>
+  </dgm:styleLbl>
+  <dgm:styleLbl name="bgImgPlace1">
+    <dgm:scene3d>
+      <a:camera prst="orthographicFront"/>
+      <a:lightRig rig="threePt" dir="t"/>
+    </dgm:scene3d>
+    <dgm:sp3d/>
+    <dgm:txPr/>
+    <dgm:style>
+      <a:lnRef idx="2">
+        <a:scrgbClr r="0" g="0" b="0"/>
+      </a:lnRef>
+      <a:fillRef idx="1">
+        <a:scrgbClr r="0" g="0" b="0"/>
+      </a:fillRef>
+      <a:effectRef idx="0">
+        <a:scrgbClr r="0" g="0" b="0"/>
+      </a:effectRef>
+      <a:fontRef idx="minor"/>
+    </dgm:style>
+  </dgm:styleLbl>
+  <dgm:styleLbl name="sibTrans2D1">
+    <dgm:scene3d>
+      <a:camera prst="orthographicFront"/>
+      <a:lightRig rig="threePt" dir="t"/>
+    </dgm:scene3d>
+    <dgm:sp3d/>
+    <dgm:txPr/>
+    <dgm:style>
+      <a:lnRef idx="0">
+        <a:scrgbClr r="0" g="0" b="0"/>
+      </a:lnRef>
+      <a:fillRef idx="1">
+        <a:scrgbClr r="0" g="0" b="0"/>
+      </a:fillRef>
+      <a:effectRef idx="0">
+        <a:scrgbClr r="0" g="0" b="0"/>
+      </a:effectRef>
+      <a:fontRef idx="minor">
+        <a:schemeClr val="lt1"/>
+      </a:fontRef>
+    </dgm:style>
+  </dgm:styleLbl>
+  <dgm:styleLbl name="fgSibTrans2D1">
+    <dgm:scene3d>
+      <a:camera prst="orthographicFront"/>
+      <a:lightRig rig="threePt" dir="t"/>
+    </dgm:scene3d>
+    <dgm:sp3d/>
+    <dgm:txPr/>
+    <dgm:style>
+      <a:lnRef idx="0">
+        <a:scrgbClr r="0" g="0" b="0"/>
+      </a:lnRef>
+      <a:fillRef idx="1">
+        <a:scrgbClr r="0" g="0" b="0"/>
+      </a:fillRef>
+      <a:effectRef idx="0">
+        <a:scrgbClr r="0" g="0" b="0"/>
+      </a:effectRef>
+      <a:fontRef idx="minor">
+        <a:schemeClr val="lt1"/>
+      </a:fontRef>
+    </dgm:style>
+  </dgm:styleLbl>
+  <dgm:styleLbl name="bgSibTrans2D1">
+    <dgm:scene3d>
+      <a:camera prst="orthographicFront"/>
+      <a:lightRig rig="threePt" dir="t"/>
+    </dgm:scene3d>
+    <dgm:sp3d/>
+    <dgm:txPr/>
+    <dgm:style>
+      <a:lnRef idx="0">
+        <a:scrgbClr r="0" g="0" b="0"/>
+      </a:lnRef>
+      <a:fillRef idx="1">
+        <a:scrgbClr r="0" g="0" b="0"/>
+      </a:fillRef>
+      <a:effectRef idx="0">
+        <a:scrgbClr r="0" g="0" b="0"/>
+      </a:effectRef>
+      <a:fontRef idx="minor">
+        <a:schemeClr val="lt1"/>
+      </a:fontRef>
+    </dgm:style>
+  </dgm:styleLbl>
+  <dgm:styleLbl name="sibTrans1D1">
+    <dgm:scene3d>
+      <a:camera prst="orthographicFront"/>
+      <a:lightRig rig="threePt" dir="t"/>
+    </dgm:scene3d>
+    <dgm:sp3d/>
+    <dgm:txPr/>
+    <dgm:style>
+      <a:lnRef idx="1">
+        <a:scrgbClr r="0" g="0" b="0"/>
+      </a:lnRef>
+      <a:fillRef idx="0">
+        <a:scrgbClr r="0" g="0" b="0"/>
+      </a:fillRef>
+      <a:effectRef idx="0">
+        <a:scrgbClr r="0" g="0" b="0"/>
+      </a:effectRef>
+      <a:fontRef idx="minor"/>
+    </dgm:style>
+  </dgm:styleLbl>
+  <dgm:styleLbl name="callout">
+    <dgm:scene3d>
+      <a:camera prst="orthographicFront"/>
+      <a:lightRig rig="threePt" dir="t"/>
+    </dgm:scene3d>
+    <dgm:sp3d/>
+    <dgm:txPr/>
+    <dgm:style>
+      <a:lnRef idx="2">
+        <a:scrgbClr r="0" g="0" b="0"/>
+      </a:lnRef>
+      <a:fillRef idx="1">
+        <a:scrgbClr r="0" g="0" b="0"/>
+      </a:fillRef>
+      <a:effectRef idx="0">
+        <a:scrgbClr r="0" g="0" b="0"/>
+      </a:effectRef>
+      <a:fontRef idx="minor"/>
+    </dgm:style>
+  </dgm:styleLbl>
+  <dgm:styleLbl name="asst0">
+    <dgm:scene3d>
+      <a:camera prst="orthographicFront"/>
+      <a:lightRig rig="threePt" dir="t"/>
+    </dgm:scene3d>
+    <dgm:sp3d/>
+    <dgm:txPr/>
+    <dgm:style>
+      <a:lnRef idx="2">
+        <a:scrgbClr r="0" g="0" b="0"/>
+      </a:lnRef>
+      <a:fillRef idx="1">
+        <a:scrgbClr r="0" g="0" b="0"/>
+      </a:fillRef>
+      <a:effectRef idx="0">
+        <a:scrgbClr r="0" g="0" b="0"/>
+      </a:effectRef>
+      <a:fontRef idx="minor">
+        <a:schemeClr val="lt1"/>
+      </a:fontRef>
+    </dgm:style>
+  </dgm:styleLbl>
+  <dgm:styleLbl name="asst1">
+    <dgm:scene3d>
+      <a:camera prst="orthographicFront"/>
+      <a:lightRig rig="threePt" dir="t"/>
+    </dgm:scene3d>
+    <dgm:sp3d/>
+    <dgm:txPr/>
+    <dgm:style>
+      <a:lnRef idx="2">
+        <a:scrgbClr r="0" g="0" b="0"/>
+      </a:lnRef>
+      <a:fillRef idx="1">
+        <a:scrgbClr r="0" g="0" b="0"/>
+      </a:fillRef>
+      <a:effectRef idx="0">
+        <a:scrgbClr r="0" g="0" b="0"/>
+      </a:effectRef>
+      <a:fontRef idx="minor">
+        <a:schemeClr val="lt1"/>
+      </a:fontRef>
+    </dgm:style>
+  </dgm:styleLbl>
+  <dgm:styleLbl name="asst2">
+    <dgm:scene3d>
+      <a:camera prst="orthographicFront"/>
+      <a:lightRig rig="threePt" dir="t"/>
+    </dgm:scene3d>
+    <dgm:sp3d/>
+    <dgm:txPr/>
+    <dgm:style>
+      <a:lnRef idx="2">
+        <a:scrgbClr r="0" g="0" b="0"/>
+      </a:lnRef>
+      <a:fillRef idx="1">
+        <a:scrgbClr r="0" g="0" b="0"/>
+      </a:fillRef>
+      <a:effectRef idx="0">
+        <a:scrgbClr r="0" g="0" b="0"/>
+      </a:effectRef>
+      <a:fontRef idx="minor">
+        <a:schemeClr val="lt1"/>
+      </a:fontRef>
+    </dgm:style>
+  </dgm:styleLbl>
+  <dgm:styleLbl name="asst3">
+    <dgm:scene3d>
+      <a:camera prst="orthographicFront"/>
+      <a:lightRig rig="threePt" dir="t"/>
+    </dgm:scene3d>
+    <dgm:sp3d/>
+    <dgm:txPr/>
+    <dgm:style>
+      <a:lnRef idx="2">
+        <a:scrgbClr r="0" g="0" b="0"/>
+      </a:lnRef>
+      <a:fillRef idx="1">
+        <a:scrgbClr r="0" g="0" b="0"/>
+      </a:fillRef>
+      <a:effectRef idx="0">
+        <a:scrgbClr r="0" g="0" b="0"/>
+      </a:effectRef>
+      <a:fontRef idx="minor">
+        <a:schemeClr val="lt1"/>
+      </a:fontRef>
+    </dgm:style>
+  </dgm:styleLbl>
+  <dgm:styleLbl name="asst4">
+    <dgm:scene3d>
+      <a:camera prst="orthographicFront"/>
+      <a:lightRig rig="threePt" dir="t"/>
+    </dgm:scene3d>
+    <dgm:sp3d/>
+    <dgm:txPr/>
+    <dgm:style>
+      <a:lnRef idx="2">
+        <a:scrgbClr r="0" g="0" b="0"/>
+      </a:lnRef>
+      <a:fillRef idx="1">
+        <a:scrgbClr r="0" g="0" b="0"/>
+      </a:fillRef>
+      <a:effectRef idx="0">
+        <a:scrgbClr r="0" g="0" b="0"/>
+      </a:effectRef>
+      <a:fontRef idx="minor">
+        <a:schemeClr val="lt1"/>
+      </a:fontRef>
+    </dgm:style>
+  </dgm:styleLbl>
+  <dgm:styleLbl name="parChTrans2D1">
+    <dgm:scene3d>
+      <a:camera prst="orthographicFront"/>
+      <a:lightRig rig="threePt" dir="t"/>
+    </dgm:scene3d>
+    <dgm:sp3d/>
+    <dgm:txPr/>
+    <dgm:style>
+      <a:lnRef idx="2">
+        <a:scrgbClr r="0" g="0" b="0"/>
+      </a:lnRef>
+      <a:fillRef idx="1">
+        <a:scrgbClr r="0" g="0" b="0"/>
+      </a:fillRef>
+      <a:effectRef idx="0">
+        <a:scrgbClr r="0" g="0" b="0"/>
+      </a:effectRef>
+      <a:fontRef idx="minor">
+        <a:schemeClr val="lt1"/>
+      </a:fontRef>
+    </dgm:style>
+  </dgm:styleLbl>
+  <dgm:styleLbl name="parChTrans2D2">
+    <dgm:scene3d>
+      <a:camera prst="orthographicFront"/>
+      <a:lightRig rig="threePt" dir="t"/>
+    </dgm:scene3d>
+    <dgm:sp3d/>
+    <dgm:txPr/>
+    <dgm:style>
+      <a:lnRef idx="2">
+        <a:scrgbClr r="0" g="0" b="0"/>
+      </a:lnRef>
+      <a:fillRef idx="1">
+        <a:scrgbClr r="0" g="0" b="0"/>
+      </a:fillRef>
+      <a:effectRef idx="0">
+        <a:scrgbClr r="0" g="0" b="0"/>
+      </a:effectRef>
+      <a:fontRef idx="minor">
+        <a:schemeClr val="lt1"/>
+      </a:fontRef>
+    </dgm:style>
+  </dgm:styleLbl>
+  <dgm:styleLbl name="parChTrans2D3">
+    <dgm:scene3d>
+      <a:camera prst="orthographicFront"/>
+      <a:lightRig rig="threePt" dir="t"/>
+    </dgm:scene3d>
+    <dgm:sp3d/>
+    <dgm:txPr/>
+    <dgm:style>
+      <a:lnRef idx="2">
+        <a:scrgbClr r="0" g="0" b="0"/>
+      </a:lnRef>
+      <a:fillRef idx="1">
+        <a:scrgbClr r="0" g="0" b="0"/>
+      </a:fillRef>
+      <a:effectRef idx="0">
+        <a:scrgbClr r="0" g="0" b="0"/>
+      </a:effectRef>
+      <a:fontRef idx="minor">
+        <a:schemeClr val="lt1"/>
+      </a:fontRef>
+    </dgm:style>
+  </dgm:styleLbl>
+  <dgm:styleLbl name="parChTrans2D4">
+    <dgm:scene3d>
+      <a:camera prst="orthographicFront"/>
+      <a:lightRig rig="threePt" dir="t"/>
+    </dgm:scene3d>
+    <dgm:sp3d/>
+    <dgm:txPr/>
+    <dgm:style>
+      <a:lnRef idx="2">
+        <a:scrgbClr r="0" g="0" b="0"/>
+      </a:lnRef>
+      <a:fillRef idx="1">
+        <a:scrgbClr r="0" g="0" b="0"/>
+      </a:fillRef>
+      <a:effectRef idx="0">
+        <a:scrgbClr r="0" g="0" b="0"/>
+      </a:effectRef>
+      <a:fontRef idx="minor">
+        <a:schemeClr val="lt1"/>
+      </a:fontRef>
+    </dgm:style>
+  </dgm:styleLbl>
+  <dgm:styleLbl name="parChTrans1D1">
+    <dgm:scene3d>
+      <a:camera prst="orthographicFront"/>
+      <a:lightRig rig="threePt" dir="t"/>
+    </dgm:scene3d>
+    <dgm:sp3d/>
+    <dgm:txPr/>
+    <dgm:style>
+      <a:lnRef idx="2">
+        <a:scrgbClr r="0" g="0" b="0"/>
+      </a:lnRef>
+      <a:fillRef idx="0">
+        <a:scrgbClr r="0" g="0" b="0"/>
+      </a:fillRef>
+      <a:effectRef idx="0">
+        <a:scrgbClr r="0" g="0" b="0"/>
+      </a:effectRef>
+      <a:fontRef idx="minor"/>
+    </dgm:style>
+  </dgm:styleLbl>
+  <dgm:styleLbl name="parChTrans1D2">
+    <dgm:scene3d>
+      <a:camera prst="orthographicFront"/>
+      <a:lightRig rig="threePt" dir="t"/>
+    </dgm:scene3d>
+    <dgm:sp3d/>
+    <dgm:txPr/>
+    <dgm:style>
+      <a:lnRef idx="2">
+        <a:scrgbClr r="0" g="0" b="0"/>
+      </a:lnRef>
+      <a:fillRef idx="0">
+        <a:scrgbClr r="0" g="0" b="0"/>
+      </a:fillRef>
+      <a:effectRef idx="0">
+        <a:scrgbClr r="0" g="0" b="0"/>
+      </a:effectRef>
+      <a:fontRef idx="minor"/>
+    </dgm:style>
+  </dgm:styleLbl>
+  <dgm:styleLbl name="parChTrans1D3">
+    <dgm:scene3d>
+      <a:camera prst="orthographicFront"/>
+      <a:lightRig rig="threePt" dir="t"/>
+    </dgm:scene3d>
+    <dgm:sp3d/>
+    <dgm:txPr/>
+    <dgm:style>
+      <a:lnRef idx="2">
+        <a:scrgbClr r="0" g="0" b="0"/>
+      </a:lnRef>
+      <a:fillRef idx="0">
+        <a:scrgbClr r="0" g="0" b="0"/>
+      </a:fillRef>
+      <a:effectRef idx="0">
+        <a:scrgbClr r="0" g="0" b="0"/>
+      </a:effectRef>
+      <a:fontRef idx="minor"/>
+    </dgm:style>
+  </dgm:styleLbl>
+  <dgm:styleLbl name="parChTrans1D4">
+    <dgm:scene3d>
+      <a:camera prst="orthographicFront"/>
+      <a:lightRig rig="threePt" dir="t"/>
+    </dgm:scene3d>
+    <dgm:sp3d/>
+    <dgm:txPr/>
+    <dgm:style>
+      <a:lnRef idx="2">
+        <a:scrgbClr r="0" g="0" b="0"/>
+      </a:lnRef>
+      <a:fillRef idx="0">
+        <a:scrgbClr r="0" g="0" b="0"/>
+      </a:fillRef>
+      <a:effectRef idx="0">
+        <a:scrgbClr r="0" g="0" b="0"/>
+      </a:effectRef>
+      <a:fontRef idx="minor"/>
+    </dgm:style>
+  </dgm:styleLbl>
+  <dgm:styleLbl name="fgAcc1">
+    <dgm:scene3d>
+      <a:camera prst="orthographicFront"/>
+      <a:lightRig rig="threePt" dir="t"/>
+    </dgm:scene3d>
+    <dgm:sp3d/>
+    <dgm:txPr/>
+    <dgm:style>
+      <a:lnRef idx="2">
+        <a:scrgbClr r="0" g="0" b="0"/>
+      </a:lnRef>
+      <a:fillRef idx="1">
+        <a:scrgbClr r="0" g="0" b="0"/>
+      </a:fillRef>
+      <a:effectRef idx="0">
+        <a:scrgbClr r="0" g="0" b="0"/>
+      </a:effectRef>
+      <a:fontRef idx="minor"/>
+    </dgm:style>
+  </dgm:styleLbl>
+  <dgm:styleLbl name="conFgAcc1">
+    <dgm:scene3d>
+      <a:camera prst="orthographicFront"/>
+      <a:lightRig rig="threePt" dir="t"/>
+    </dgm:scene3d>
+    <dgm:sp3d/>
+    <dgm:txPr/>
+    <dgm:style>
+      <a:lnRef idx="2">
+        <a:scrgbClr r="0" g="0" b="0"/>
+      </a:lnRef>
+      <a:fillRef idx="1">
+        <a:scrgbClr r="0" g="0" b="0"/>
+      </a:fillRef>
+      <a:effectRef idx="0">
+        <a:scrgbClr r="0" g="0" b="0"/>
+      </a:effectRef>
+      <a:fontRef idx="minor"/>
+    </dgm:style>
+  </dgm:styleLbl>
+  <dgm:styleLbl name="alignAcc1">
+    <dgm:scene3d>
+      <a:camera prst="orthographicFront"/>
+      <a:lightRig rig="threePt" dir="t"/>
+    </dgm:scene3d>
+    <dgm:sp3d/>
+    <dgm:txPr/>
+    <dgm:style>
+      <a:lnRef idx="2">
+        <a:scrgbClr r="0" g="0" b="0"/>
+      </a:lnRef>
+      <a:fillRef idx="1">
+        <a:scrgbClr r="0" g="0" b="0"/>
+      </a:fillRef>
+      <a:effectRef idx="0">
+        <a:scrgbClr r="0" g="0" b="0"/>
+      </a:effectRef>
+      <a:fontRef idx="minor"/>
+    </dgm:style>
+  </dgm:styleLbl>
+  <dgm:styleLbl name="trAlignAcc1">
+    <dgm:scene3d>
+      <a:camera prst="orthographicFront"/>
+      <a:lightRig rig="threePt" dir="t"/>
+    </dgm:scene3d>
+    <dgm:sp3d/>
+    <dgm:txPr/>
+    <dgm:style>
+      <a:lnRef idx="1">
+        <a:scrgbClr r="0" g="0" b="0"/>
+      </a:lnRef>
+      <a:fillRef idx="1">
+        <a:scrgbClr r="0" g="0" b="0"/>
+      </a:fillRef>
+      <a:effectRef idx="0">
+        <a:scrgbClr r="0" g="0" b="0"/>
+      </a:effectRef>
+      <a:fontRef idx="minor"/>
+    </dgm:style>
+  </dgm:styleLbl>
+  <dgm:styleLbl name="bgAcc1">
+    <dgm:scene3d>
+      <a:camera prst="orthographicFront"/>
+      <a:lightRig rig="threePt" dir="t"/>
+    </dgm:scene3d>
+    <dgm:sp3d/>
+    <dgm:txPr/>
+    <dgm:style>
+      <a:lnRef idx="2">
+        <a:scrgbClr r="0" g="0" b="0"/>
+      </a:lnRef>
+      <a:fillRef idx="1">
+        <a:scrgbClr r="0" g="0" b="0"/>
+      </a:fillRef>
+      <a:effectRef idx="0">
+        <a:scrgbClr r="0" g="0" b="0"/>
+      </a:effectRef>
+      <a:fontRef idx="minor"/>
+    </dgm:style>
+  </dgm:styleLbl>
+  <dgm:styleLbl name="solidFgAcc1">
+    <dgm:scene3d>
+      <a:camera prst="orthographicFront"/>
+      <a:lightRig rig="threePt" dir="t"/>
+    </dgm:scene3d>
+    <dgm:sp3d/>
+    <dgm:txPr/>
+    <dgm:style>
+      <a:lnRef idx="2">
+        <a:scrgbClr r="0" g="0" b="0"/>
+      </a:lnRef>
+      <a:fillRef idx="1">
+        <a:scrgbClr r="0" g="0" b="0"/>
+      </a:fillRef>
+      <a:effectRef idx="0">
+        <a:scrgbClr r="0" g="0" b="0"/>
+      </a:effectRef>
+      <a:fontRef idx="minor"/>
+    </dgm:style>
+  </dgm:styleLbl>
+  <dgm:styleLbl name="solidAlignAcc1">
+    <dgm:scene3d>
+      <a:camera prst="orthographicFront"/>
+      <a:lightRig rig="threePt" dir="t"/>
+    </dgm:scene3d>
+    <dgm:sp3d/>
+    <dgm:txPr/>
+    <dgm:style>
+      <a:lnRef idx="2">
+        <a:scrgbClr r="0" g="0" b="0"/>
+      </a:lnRef>
+      <a:fillRef idx="1">
+        <a:scrgbClr r="0" g="0" b="0"/>
+      </a:fillRef>
+      <a:effectRef idx="0">
+        <a:scrgbClr r="0" g="0" b="0"/>
+      </a:effectRef>
+      <a:fontRef idx="minor"/>
+    </dgm:style>
+  </dgm:styleLbl>
+  <dgm:styleLbl name="solidBgAcc1">
+    <dgm:scene3d>
+      <a:camera prst="orthographicFront"/>
+      <a:lightRig rig="threePt" dir="t"/>
+    </dgm:scene3d>
+    <dgm:sp3d/>
+    <dgm:txPr/>
+    <dgm:style>
+      <a:lnRef idx="2">
+        <a:scrgbClr r="0" g="0" b="0"/>
+      </a:lnRef>
+      <a:fillRef idx="1">
+        <a:scrgbClr r="0" g="0" b="0"/>
+      </a:fillRef>
+      <a:effectRef idx="0">
+        <a:scrgbClr r="0" g="0" b="0"/>
+      </a:effectRef>
+      <a:fontRef idx="minor"/>
+    </dgm:style>
+  </dgm:styleLbl>
+  <dgm:styleLbl name="fgAccFollowNode1">
+    <dgm:scene3d>
+      <a:camera prst="orthographicFront"/>
+      <a:lightRig rig="threePt" dir="t"/>
+    </dgm:scene3d>
+    <dgm:sp3d/>
+    <dgm:txPr/>
+    <dgm:style>
+      <a:lnRef idx="2">
+        <a:scrgbClr r="0" g="0" b="0"/>
+      </a:lnRef>
+      <a:fillRef idx="1">
+        <a:scrgbClr r="0" g="0" b="0"/>
+      </a:fillRef>
+      <a:effectRef idx="0">
+        <a:scrgbClr r="0" g="0" b="0"/>
+      </a:effectRef>
+      <a:fontRef idx="minor"/>
+    </dgm:style>
+  </dgm:styleLbl>
+  <dgm:styleLbl name="alignAccFollowNode1">
+    <dgm:scene3d>
+      <a:camera prst="orthographicFront"/>
+      <a:lightRig rig="threePt" dir="t"/>
+    </dgm:scene3d>
+    <dgm:sp3d/>
+    <dgm:txPr/>
+    <dgm:style>
+      <a:lnRef idx="2">
+        <a:scrgbClr r="0" g="0" b="0"/>
+      </a:lnRef>
+      <a:fillRef idx="1">
+        <a:scrgbClr r="0" g="0" b="0"/>
+      </a:fillRef>
+      <a:effectRef idx="0">
+        <a:scrgbClr r="0" g="0" b="0"/>
+      </a:effectRef>
+      <a:fontRef idx="minor"/>
+    </dgm:style>
+  </dgm:styleLbl>
+  <dgm:styleLbl name="bgAccFollowNode1">
+    <dgm:scene3d>
+      <a:camera prst="orthographicFront"/>
+      <a:lightRig rig="threePt" dir="t"/>
+    </dgm:scene3d>
+    <dgm:sp3d/>
+    <dgm:txPr/>
+    <dgm:style>
+      <a:lnRef idx="2">
+        <a:scrgbClr r="0" g="0" b="0"/>
+      </a:lnRef>
+      <a:fillRef idx="1">
+        <a:scrgbClr r="0" g="0" b="0"/>
+      </a:fillRef>
+      <a:effectRef idx="0">
+        <a:scrgbClr r="0" g="0" b="0"/>
+      </a:effectRef>
+      <a:fontRef idx="minor"/>
+    </dgm:style>
+  </dgm:styleLbl>
+  <dgm:styleLbl name="fgAcc0">
+    <dgm:scene3d>
+      <a:camera prst="orthographicFront"/>
+      <a:lightRig rig="threePt" dir="t"/>
+    </dgm:scene3d>
+    <dgm:sp3d/>
+    <dgm:txPr/>
+    <dgm:style>
+      <a:lnRef idx="2">
+        <a:scrgbClr r="0" g="0" b="0"/>
+      </a:lnRef>
+      <a:fillRef idx="1">
+        <a:scrgbClr r="0" g="0" b="0"/>
+      </a:fillRef>
+      <a:effectRef idx="0">
+        <a:scrgbClr r="0" g="0" b="0"/>
+      </a:effectRef>
+      <a:fontRef idx="minor"/>
+    </dgm:style>
+  </dgm:styleLbl>
+  <dgm:styleLbl name="fgAcc2">
+    <dgm:scene3d>
+      <a:camera prst="orthographicFront"/>
+      <a:lightRig rig="threePt" dir="t"/>
+    </dgm:scene3d>
+    <dgm:sp3d/>
+    <dgm:txPr/>
+    <dgm:style>
+      <a:lnRef idx="2">
+        <a:scrgbClr r="0" g="0" b="0"/>
+      </a:lnRef>
+      <a:fillRef idx="1">
+        <a:scrgbClr r="0" g="0" b="0"/>
+      </a:fillRef>
+      <a:effectRef idx="0">
+        <a:scrgbClr r="0" g="0" b="0"/>
+      </a:effectRef>
+      <a:fontRef idx="minor"/>
+    </dgm:style>
+  </dgm:styleLbl>
+  <dgm:styleLbl name="fgAcc3">
+    <dgm:scene3d>
+      <a:camera prst="orthographicFront"/>
+      <a:lightRig rig="threePt" dir="t"/>
+    </dgm:scene3d>
+    <dgm:sp3d/>
+    <dgm:txPr/>
+    <dgm:style>
+      <a:lnRef idx="2">
+        <a:scrgbClr r="0" g="0" b="0"/>
+      </a:lnRef>
+      <a:fillRef idx="1">
+        <a:scrgbClr r="0" g="0" b="0"/>
+      </a:fillRef>
+      <a:effectRef idx="0">
+        <a:scrgbClr r="0" g="0" b="0"/>
+      </a:effectRef>
+      <a:fontRef idx="minor"/>
+    </dgm:style>
+  </dgm:styleLbl>
+  <dgm:styleLbl name="fgAcc4">
+    <dgm:scene3d>
+      <a:camera prst="orthographicFront"/>
+      <a:lightRig rig="threePt" dir="t"/>
+    </dgm:scene3d>
+    <dgm:sp3d/>
+    <dgm:txPr/>
+    <dgm:style>
+      <a:lnRef idx="2">
+        <a:scrgbClr r="0" g="0" b="0"/>
+      </a:lnRef>
+      <a:fillRef idx="1">
+        <a:scrgbClr r="0" g="0" b="0"/>
+      </a:fillRef>
+      <a:effectRef idx="0">
+        <a:scrgbClr r="0" g="0" b="0"/>
+      </a:effectRef>
+      <a:fontRef idx="minor"/>
+    </dgm:style>
+  </dgm:styleLbl>
+  <dgm:styleLbl name="bgShp">
+    <dgm:scene3d>
+      <a:camera prst="orthographicFront"/>
+      <a:lightRig rig="threePt" dir="t"/>
+    </dgm:scene3d>
+    <dgm:sp3d/>
+    <dgm:txPr/>
+    <dgm:style>
+      <a:lnRef idx="0">
+        <a:scrgbClr r="0" g="0" b="0"/>
+      </a:lnRef>
+      <a:fillRef idx="1">
+        <a:scrgbClr r="0" g="0" b="0"/>
+      </a:fillRef>
+      <a:effectRef idx="0">
+        <a:scrgbClr r="0" g="0" b="0"/>
+      </a:effectRef>
+      <a:fontRef idx="minor"/>
+    </dgm:style>
+  </dgm:styleLbl>
+  <dgm:styleLbl name="dkBgShp">
+    <dgm:scene3d>
+      <a:camera prst="orthographicFront"/>
+      <a:lightRig rig="threePt" dir="t"/>
+    </dgm:scene3d>
+    <dgm:sp3d/>
+    <dgm:txPr/>
+    <dgm:style>
+      <a:lnRef idx="0">
+        <a:scrgbClr r="0" g="0" b="0"/>
+      </a:lnRef>
+      <a:fillRef idx="1">
+        <a:scrgbClr r="0" g="0" b="0"/>
+      </a:fillRef>
+      <a:effectRef idx="0">
+        <a:scrgbClr r="0" g="0" b="0"/>
+      </a:effectRef>
+      <a:fontRef idx="minor"/>
+    </dgm:style>
+  </dgm:styleLbl>
+  <dgm:styleLbl name="trBgShp">
+    <dgm:scene3d>
+      <a:camera prst="orthographicFront"/>
+      <a:lightRig rig="threePt" dir="t"/>
+    </dgm:scene3d>
+    <dgm:sp3d/>
+    <dgm:txPr/>
+    <dgm:style>
+      <a:lnRef idx="0">
+        <a:scrgbClr r="0" g="0" b="0"/>
+      </a:lnRef>
+      <a:fillRef idx="1">
+        <a:scrgbClr r="0" g="0" b="0"/>
+      </a:fillRef>
+      <a:effectRef idx="0">
+        <a:scrgbClr r="0" g="0" b="0"/>
+      </a:effectRef>
+      <a:fontRef idx="minor"/>
+    </dgm:style>
+  </dgm:styleLbl>
+  <dgm:styleLbl name="fgShp">
+    <dgm:scene3d>
+      <a:camera prst="orthographicFront"/>
+      <a:lightRig rig="threePt" dir="t"/>
+    </dgm:scene3d>
+    <dgm:sp3d/>
+    <dgm:txPr/>
+    <dgm:style>
+      <a:lnRef idx="2">
+        <a:scrgbClr r="0" g="0" b="0"/>
+      </a:lnRef>
+      <a:fillRef idx="1">
+        <a:scrgbClr r="0" g="0" b="0"/>
+      </a:fillRef>
+      <a:effectRef idx="0">
+        <a:scrgbClr r="0" g="0" b="0"/>
+      </a:effectRef>
+      <a:fontRef idx="minor"/>
+    </dgm:style>
+  </dgm:styleLbl>
+  <dgm:styleLbl name="revTx">
+    <dgm:scene3d>
+      <a:camera prst="orthographicFront"/>
+      <a:lightRig rig="threePt" dir="t"/>
+    </dgm:scene3d>
+    <dgm:sp3d/>
+    <dgm:txPr/>
+    <dgm:style>
+      <a:lnRef idx="0">
+        <a:scrgbClr r="0" g="0" b="0"/>
+      </a:lnRef>
+      <a:fillRef idx="0">
+        <a:scrgbClr r="0" g="0" b="0"/>
+      </a:fillRef>
+      <a:effectRef idx="0">
+        <a:scrgbClr r="0" g="0" b="0"/>
+      </a:effectRef>
+      <a:fontRef idx="minor"/>
+    </dgm:style>
+  </dgm:styleLbl>
+</dgm:styleDef>
 </file>
 
 <file path=ppt/slideLayouts/slideLayout1.xml><?xml version="1.0" encoding="utf-8"?>
@@ -3346,7 +6044,7 @@
     <p:bg>
       <p:bgPr>
         <a:solidFill>
-          <a:schemeClr val="bg1"/>
+          <a:schemeClr val="tx1"/>
         </a:solidFill>
         <a:effectLst/>
       </p:bgPr>
@@ -3380,9 +6078,7 @@
           <p:nvPr/>
         </p:nvPicPr>
         <p:blipFill rotWithShape="1">
-          <a:blip r:embed="rId2">
-            <a:alphaModFix amt="40000"/>
-          </a:blip>
+          <a:blip r:embed="rId2"/>
           <a:srcRect t="496" b="40910"/>
           <a:stretch/>
         </p:blipFill>
@@ -3398,6 +6094,73 @@
       </p:pic>
       <p:sp>
         <p:nvSpPr>
+          <p:cNvPr id="29" name="Rectangle 28">
+            <a:extLst>
+              <a:ext uri="{FF2B5EF4-FFF2-40B4-BE49-F238E27FC236}">
+                <a16:creationId xmlns:a16="http://schemas.microsoft.com/office/drawing/2014/main" id="{B4916930-E76E-4100-9DCF-4981566A372A}"/>
+              </a:ext>
+              <a:ext uri="{C183D7F6-B498-43B3-948B-1728B52AA6E4}">
+                <adec:decorative xmlns:adec="http://schemas.microsoft.com/office/drawing/2017/decorative" val="1"/>
+              </a:ext>
+            </a:extLst>
+          </p:cNvPr>
+          <p:cNvSpPr>
+            <a:spLocks noGrp="1" noRot="1" noChangeAspect="1" noMove="1" noResize="1" noEditPoints="1" noAdjustHandles="1" noChangeArrowheads="1" noChangeShapeType="1" noTextEdit="1"/>
+          </p:cNvSpPr>
+          <p:nvPr>
+            <p:extLst>
+              <p:ext uri="{386F3935-93C4-4BCD-93E2-E3B085C9AB24}">
+                <p16:designElem xmlns:p16="http://schemas.microsoft.com/office/powerpoint/2015/main" val="1"/>
+              </p:ext>
+            </p:extLst>
+          </p:nvPr>
+        </p:nvSpPr>
+        <p:spPr>
+          <a:xfrm>
+            <a:off x="1857375" y="1885950"/>
+            <a:ext cx="8505825" cy="3152775"/>
+          </a:xfrm>
+          <a:prstGeom prst="rect">
+            <a:avLst/>
+          </a:prstGeom>
+          <a:solidFill>
+            <a:schemeClr val="bg1">
+              <a:alpha val="75000"/>
+            </a:schemeClr>
+          </a:solidFill>
+          <a:ln w="63500" cmpd="dbl">
+            <a:solidFill>
+              <a:schemeClr val="bg1"/>
+            </a:solidFill>
+          </a:ln>
+        </p:spPr>
+        <p:style>
+          <a:lnRef idx="2">
+            <a:schemeClr val="accent1">
+              <a:shade val="50000"/>
+            </a:schemeClr>
+          </a:lnRef>
+          <a:fillRef idx="1">
+            <a:schemeClr val="accent1"/>
+          </a:fillRef>
+          <a:effectRef idx="0">
+            <a:schemeClr val="accent1"/>
+          </a:effectRef>
+          <a:fontRef idx="minor">
+            <a:schemeClr val="lt1"/>
+          </a:fontRef>
+        </p:style>
+        <p:txBody>
+          <a:bodyPr rtlCol="0" anchor="ctr"/>
+          <a:lstStyle/>
+          <a:p>
+            <a:pPr algn="ctr"/>
+            <a:endParaRPr lang="en-US"/>
+          </a:p>
+        </p:txBody>
+      </p:sp>
+      <p:sp>
+        <p:nvSpPr>
           <p:cNvPr id="2" name="Title 1">
             <a:extLst>
               <a:ext uri="{FF2B5EF4-FFF2-40B4-BE49-F238E27FC236}">
@@ -3414,26 +6177,30 @@
         </p:nvSpPr>
         <p:spPr>
           <a:xfrm>
-            <a:off x="965200" y="965200"/>
-            <a:ext cx="10261600" cy="3564869"/>
+            <a:off x="2276475" y="2247900"/>
+            <a:ext cx="7581900" cy="2514600"/>
           </a:xfrm>
         </p:spPr>
         <p:txBody>
-          <a:bodyPr>
+          <a:bodyPr vert="horz" lIns="91440" tIns="45720" rIns="91440" bIns="45720" rtlCol="0" anchor="ctr">
             <a:normAutofit/>
           </a:bodyPr>
           <a:lstStyle/>
           <a:p>
-            <a:pPr algn="l"/>
             <a:r>
-              <a:rPr lang="en-US" sz="11500">
+              <a:rPr lang="en-US" sz="6600" dirty="0">
                 <a:ln w="22225">
                   <a:solidFill>
                     <a:schemeClr val="tx1"/>
                   </a:solidFill>
                   <a:miter lim="800000"/>
                 </a:ln>
-                <a:noFill/>
+                <a:solidFill>
+                  <a:schemeClr val="tx1">
+                    <a:lumMod val="75000"/>
+                    <a:lumOff val="25000"/>
+                  </a:schemeClr>
+                </a:solidFill>
               </a:rPr>
               <a:t>Photosynthesis</a:t>
             </a:r>
@@ -3448,7 +6215,7 @@
     </p:extLst>
   </p:cSld>
   <p:clrMapOvr>
-    <a:overrideClrMapping bg1="dk1" tx1="lt1" bg2="dk2" tx2="lt2" accent1="accent1" accent2="accent2" accent3="accent3" accent4="accent4" accent5="accent5" accent6="accent6" hlink="hlink" folHlink="folHlink"/>
+    <a:masterClrMapping/>
   </p:clrMapOvr>
   <p:timing>
     <p:tnLst>
@@ -3551,10 +6318,7 @@
     <p:bg>
       <p:bgPr>
         <a:solidFill>
-          <a:schemeClr val="bg1">
-            <a:tint val="95000"/>
-            <a:satMod val="170000"/>
-          </a:schemeClr>
+          <a:schemeClr val="bg1"/>
         </a:solidFill>
         <a:effectLst/>
       </p:bgPr>
@@ -3575,10 +6339,10 @@
       </p:grpSpPr>
       <p:sp>
         <p:nvSpPr>
-          <p:cNvPr id="8" name="Freeform: Shape 7">
+          <p:cNvPr id="9" name="Rectangle 8">
             <a:extLst>
               <a:ext uri="{FF2B5EF4-FFF2-40B4-BE49-F238E27FC236}">
-                <a16:creationId xmlns:a16="http://schemas.microsoft.com/office/drawing/2014/main" id="{AD21898E-86C0-4C8A-A76C-DF33E844C87A}"/>
+                <a16:creationId xmlns:a16="http://schemas.microsoft.com/office/drawing/2014/main" id="{B819A166-7571-4003-A6B8-B62034C3ED30}"/>
               </a:ext>
               <a:ext uri="{C183D7F6-B498-43B3-948B-1728B52AA6E4}">
                 <adec:decorative xmlns:adec="http://schemas.microsoft.com/office/drawing/2017/decorative" val="1"/>
@@ -3598,115 +6362,14 @@
         </p:nvSpPr>
         <p:spPr>
           <a:xfrm>
-            <a:off x="879542" y="0"/>
-            <a:ext cx="10432916" cy="6858000"/>
+            <a:off x="-1" y="0"/>
+            <a:ext cx="5093209" cy="6858000"/>
           </a:xfrm>
-          <a:custGeom>
+          <a:prstGeom prst="rect">
             <a:avLst/>
-            <a:gdLst>
-              <a:gd name="connsiteX0" fmla="*/ 1287962 w 10432916"/>
-              <a:gd name="connsiteY0" fmla="*/ 0 h 6858000"/>
-              <a:gd name="connsiteX1" fmla="*/ 9144956 w 10432916"/>
-              <a:gd name="connsiteY1" fmla="*/ 0 h 6858000"/>
-              <a:gd name="connsiteX2" fmla="*/ 9241731 w 10432916"/>
-              <a:gd name="connsiteY2" fmla="*/ 111692 h 6858000"/>
-              <a:gd name="connsiteX3" fmla="*/ 10432916 w 10432916"/>
-              <a:gd name="connsiteY3" fmla="*/ 3429001 h 6858000"/>
-              <a:gd name="connsiteX4" fmla="*/ 9241730 w 10432916"/>
-              <a:gd name="connsiteY4" fmla="*/ 6746310 h 6858000"/>
-              <a:gd name="connsiteX5" fmla="*/ 9144957 w 10432916"/>
-              <a:gd name="connsiteY5" fmla="*/ 6858000 h 6858000"/>
-              <a:gd name="connsiteX6" fmla="*/ 1287959 w 10432916"/>
-              <a:gd name="connsiteY6" fmla="*/ 6858000 h 6858000"/>
-              <a:gd name="connsiteX7" fmla="*/ 1191186 w 10432916"/>
-              <a:gd name="connsiteY7" fmla="*/ 6746310 h 6858000"/>
-              <a:gd name="connsiteX8" fmla="*/ 0 w 10432916"/>
-              <a:gd name="connsiteY8" fmla="*/ 3429001 h 6858000"/>
-              <a:gd name="connsiteX9" fmla="*/ 1191186 w 10432916"/>
-              <a:gd name="connsiteY9" fmla="*/ 111692 h 6858000"/>
-            </a:gdLst>
-            <a:ahLst/>
-            <a:cxnLst>
-              <a:cxn ang="0">
-                <a:pos x="connsiteX0" y="connsiteY0"/>
-              </a:cxn>
-              <a:cxn ang="0">
-                <a:pos x="connsiteX1" y="connsiteY1"/>
-              </a:cxn>
-              <a:cxn ang="0">
-                <a:pos x="connsiteX2" y="connsiteY2"/>
-              </a:cxn>
-              <a:cxn ang="0">
-                <a:pos x="connsiteX3" y="connsiteY3"/>
-              </a:cxn>
-              <a:cxn ang="0">
-                <a:pos x="connsiteX4" y="connsiteY4"/>
-              </a:cxn>
-              <a:cxn ang="0">
-                <a:pos x="connsiteX5" y="connsiteY5"/>
-              </a:cxn>
-              <a:cxn ang="0">
-                <a:pos x="connsiteX6" y="connsiteY6"/>
-              </a:cxn>
-              <a:cxn ang="0">
-                <a:pos x="connsiteX7" y="connsiteY7"/>
-              </a:cxn>
-              <a:cxn ang="0">
-                <a:pos x="connsiteX8" y="connsiteY8"/>
-              </a:cxn>
-              <a:cxn ang="0">
-                <a:pos x="connsiteX9" y="connsiteY9"/>
-              </a:cxn>
-            </a:cxnLst>
-            <a:rect l="l" t="t" r="r" b="b"/>
-            <a:pathLst>
-              <a:path w="10432916" h="6858000">
-                <a:moveTo>
-                  <a:pt x="1287962" y="0"/>
-                </a:moveTo>
-                <a:lnTo>
-                  <a:pt x="9144956" y="0"/>
-                </a:lnTo>
-                <a:lnTo>
-                  <a:pt x="9241731" y="111692"/>
-                </a:lnTo>
-                <a:cubicBezTo>
-                  <a:pt x="9985889" y="1013175"/>
-                  <a:pt x="10432916" y="2168897"/>
-                  <a:pt x="10432916" y="3429001"/>
-                </a:cubicBezTo>
-                <a:cubicBezTo>
-                  <a:pt x="10432916" y="4689105"/>
-                  <a:pt x="9985889" y="5844827"/>
-                  <a:pt x="9241730" y="6746310"/>
-                </a:cubicBezTo>
-                <a:lnTo>
-                  <a:pt x="9144957" y="6858000"/>
-                </a:lnTo>
-                <a:lnTo>
-                  <a:pt x="1287959" y="6858000"/>
-                </a:lnTo>
-                <a:lnTo>
-                  <a:pt x="1191186" y="6746310"/>
-                </a:lnTo>
-                <a:cubicBezTo>
-                  <a:pt x="447027" y="5844827"/>
-                  <a:pt x="0" y="4689105"/>
-                  <a:pt x="0" y="3429001"/>
-                </a:cubicBezTo>
-                <a:cubicBezTo>
-                  <a:pt x="0" y="2168897"/>
-                  <a:pt x="447027" y="1013175"/>
-                  <a:pt x="1191186" y="111692"/>
-                </a:cubicBezTo>
-                <a:close/>
-              </a:path>
-            </a:pathLst>
-          </a:custGeom>
+          </a:prstGeom>
           <a:solidFill>
-            <a:schemeClr val="tx1">
-              <a:alpha val="80000"/>
-            </a:schemeClr>
+            <a:schemeClr val="accent1"/>
           </a:solidFill>
           <a:ln>
             <a:noFill/>
@@ -3733,171 +6396,6 @@
           <a:lstStyle/>
           <a:p>
             <a:pPr algn="ctr"/>
-            <a:endParaRPr lang="en-US"/>
-          </a:p>
-        </p:txBody>
-      </p:sp>
-      <p:sp>
-        <p:nvSpPr>
-          <p:cNvPr id="10" name="Freeform: Shape 9">
-            <a:extLst>
-              <a:ext uri="{FF2B5EF4-FFF2-40B4-BE49-F238E27FC236}">
-                <a16:creationId xmlns:a16="http://schemas.microsoft.com/office/drawing/2014/main" id="{5C8F04BD-D093-45D0-B54C-50FDB308B4EE}"/>
-              </a:ext>
-              <a:ext uri="{C183D7F6-B498-43B3-948B-1728B52AA6E4}">
-                <adec:decorative xmlns:adec="http://schemas.microsoft.com/office/drawing/2017/decorative" val="1"/>
-              </a:ext>
-            </a:extLst>
-          </p:cNvPr>
-          <p:cNvSpPr>
-            <a:spLocks noGrp="1" noRot="1" noChangeAspect="1" noMove="1" noResize="1" noEditPoints="1" noAdjustHandles="1" noChangeArrowheads="1" noChangeShapeType="1" noTextEdit="1"/>
-          </p:cNvSpPr>
-          <p:nvPr>
-            <p:extLst>
-              <p:ext uri="{386F3935-93C4-4BCD-93E2-E3B085C9AB24}">
-                <p16:designElem xmlns:p16="http://schemas.microsoft.com/office/powerpoint/2015/main" val="1"/>
-              </p:ext>
-            </p:extLst>
-          </p:nvPr>
-        </p:nvSpPr>
-        <p:spPr>
-          <a:xfrm>
-            <a:off x="1134942" y="0"/>
-            <a:ext cx="9922116" cy="6858000"/>
-          </a:xfrm>
-          <a:custGeom>
-            <a:avLst/>
-            <a:gdLst>
-              <a:gd name="connsiteX0" fmla="*/ 1378575 w 9922116"/>
-              <a:gd name="connsiteY0" fmla="*/ 0 h 6858000"/>
-              <a:gd name="connsiteX1" fmla="*/ 8543542 w 9922116"/>
-              <a:gd name="connsiteY1" fmla="*/ 0 h 6858000"/>
-              <a:gd name="connsiteX2" fmla="*/ 8633323 w 9922116"/>
-              <a:gd name="connsiteY2" fmla="*/ 94145 h 6858000"/>
-              <a:gd name="connsiteX3" fmla="*/ 9922116 w 9922116"/>
-              <a:gd name="connsiteY3" fmla="*/ 3429001 h 6858000"/>
-              <a:gd name="connsiteX4" fmla="*/ 8633323 w 9922116"/>
-              <a:gd name="connsiteY4" fmla="*/ 6763858 h 6858000"/>
-              <a:gd name="connsiteX5" fmla="*/ 8543544 w 9922116"/>
-              <a:gd name="connsiteY5" fmla="*/ 6858000 h 6858000"/>
-              <a:gd name="connsiteX6" fmla="*/ 1378573 w 9922116"/>
-              <a:gd name="connsiteY6" fmla="*/ 6858000 h 6858000"/>
-              <a:gd name="connsiteX7" fmla="*/ 1288793 w 9922116"/>
-              <a:gd name="connsiteY7" fmla="*/ 6763858 h 6858000"/>
-              <a:gd name="connsiteX8" fmla="*/ 0 w 9922116"/>
-              <a:gd name="connsiteY8" fmla="*/ 3429001 h 6858000"/>
-              <a:gd name="connsiteX9" fmla="*/ 1288793 w 9922116"/>
-              <a:gd name="connsiteY9" fmla="*/ 94145 h 6858000"/>
-            </a:gdLst>
-            <a:ahLst/>
-            <a:cxnLst>
-              <a:cxn ang="0">
-                <a:pos x="connsiteX0" y="connsiteY0"/>
-              </a:cxn>
-              <a:cxn ang="0">
-                <a:pos x="connsiteX1" y="connsiteY1"/>
-              </a:cxn>
-              <a:cxn ang="0">
-                <a:pos x="connsiteX2" y="connsiteY2"/>
-              </a:cxn>
-              <a:cxn ang="0">
-                <a:pos x="connsiteX3" y="connsiteY3"/>
-              </a:cxn>
-              <a:cxn ang="0">
-                <a:pos x="connsiteX4" y="connsiteY4"/>
-              </a:cxn>
-              <a:cxn ang="0">
-                <a:pos x="connsiteX5" y="connsiteY5"/>
-              </a:cxn>
-              <a:cxn ang="0">
-                <a:pos x="connsiteX6" y="connsiteY6"/>
-              </a:cxn>
-              <a:cxn ang="0">
-                <a:pos x="connsiteX7" y="connsiteY7"/>
-              </a:cxn>
-              <a:cxn ang="0">
-                <a:pos x="connsiteX8" y="connsiteY8"/>
-              </a:cxn>
-              <a:cxn ang="0">
-                <a:pos x="connsiteX9" y="connsiteY9"/>
-              </a:cxn>
-            </a:cxnLst>
-            <a:rect l="l" t="t" r="r" b="b"/>
-            <a:pathLst>
-              <a:path w="9922116" h="6858000">
-                <a:moveTo>
-                  <a:pt x="1378575" y="0"/>
-                </a:moveTo>
-                <a:lnTo>
-                  <a:pt x="8543542" y="0"/>
-                </a:lnTo>
-                <a:lnTo>
-                  <a:pt x="8633323" y="94145"/>
-                </a:lnTo>
-                <a:cubicBezTo>
-                  <a:pt x="9434072" y="974941"/>
-                  <a:pt x="9922116" y="2144991"/>
-                  <a:pt x="9922116" y="3429001"/>
-                </a:cubicBezTo>
-                <a:cubicBezTo>
-                  <a:pt x="9922116" y="4713011"/>
-                  <a:pt x="9434072" y="5883061"/>
-                  <a:pt x="8633323" y="6763858"/>
-                </a:cubicBezTo>
-                <a:lnTo>
-                  <a:pt x="8543544" y="6858000"/>
-                </a:lnTo>
-                <a:lnTo>
-                  <a:pt x="1378573" y="6858000"/>
-                </a:lnTo>
-                <a:lnTo>
-                  <a:pt x="1288793" y="6763858"/>
-                </a:lnTo>
-                <a:cubicBezTo>
-                  <a:pt x="488044" y="5883061"/>
-                  <a:pt x="0" y="4713011"/>
-                  <a:pt x="0" y="3429001"/>
-                </a:cubicBezTo>
-                <a:cubicBezTo>
-                  <a:pt x="0" y="2144991"/>
-                  <a:pt x="488044" y="974941"/>
-                  <a:pt x="1288793" y="94145"/>
-                </a:cubicBezTo>
-                <a:close/>
-              </a:path>
-            </a:pathLst>
-          </a:custGeom>
-          <a:solidFill>
-            <a:schemeClr val="bg1">
-              <a:lumMod val="65000"/>
-              <a:lumOff val="35000"/>
-            </a:schemeClr>
-          </a:solidFill>
-          <a:ln>
-            <a:noFill/>
-          </a:ln>
-        </p:spPr>
-        <p:style>
-          <a:lnRef idx="2">
-            <a:schemeClr val="accent1">
-              <a:shade val="50000"/>
-            </a:schemeClr>
-          </a:lnRef>
-          <a:fillRef idx="1">
-            <a:schemeClr val="accent1"/>
-          </a:fillRef>
-          <a:effectRef idx="0">
-            <a:schemeClr val="accent1"/>
-          </a:effectRef>
-          <a:fontRef idx="minor">
-            <a:schemeClr val="lt1"/>
-          </a:fontRef>
-        </p:style>
-        <p:txBody>
-          <a:bodyPr rtlCol="0" anchor="ctr"/>
-          <a:lstStyle/>
-          <a:p>
-            <a:pPr algn="ctr"/>
             <a:endParaRPr lang="en-US" dirty="0"/>
           </a:p>
         </p:txBody>
@@ -3907,7 +6405,7 @@
           <p:cNvPr id="2" name="Title 1">
             <a:extLst>
               <a:ext uri="{FF2B5EF4-FFF2-40B4-BE49-F238E27FC236}">
-                <a16:creationId xmlns:a16="http://schemas.microsoft.com/office/drawing/2014/main" id="{065B3144-800C-EA42-9FE5-A14943972D6D}"/>
+                <a16:creationId xmlns:a16="http://schemas.microsoft.com/office/drawing/2014/main" id="{53299701-9233-014F-8600-C4FD2E17FF57}"/>
               </a:ext>
             </a:extLst>
           </p:cNvPr>
@@ -3920,100 +6418,80 @@
         </p:nvSpPr>
         <p:spPr>
           <a:xfrm>
-            <a:off x="2311147" y="365760"/>
-            <a:ext cx="7569706" cy="1288238"/>
+            <a:off x="524741" y="620392"/>
+            <a:ext cx="3808268" cy="5504688"/>
           </a:xfrm>
         </p:spPr>
         <p:txBody>
-          <a:bodyPr anchor="ctr">
+          <a:bodyPr>
             <a:normAutofit/>
           </a:bodyPr>
           <a:lstStyle/>
           <a:p>
-            <a:pPr algn="ctr"/>
             <a:r>
-              <a:rPr lang="en-US" dirty="0"/>
+              <a:rPr lang="en-US" sz="6000" dirty="0">
+                <a:solidFill>
+                  <a:schemeClr val="bg1"/>
+                </a:solidFill>
+              </a:rPr>
               <a:t>Meanings:</a:t>
             </a:r>
           </a:p>
         </p:txBody>
       </p:sp>
-      <p:sp>
-        <p:nvSpPr>
-          <p:cNvPr id="3" name="Content Placeholder 2">
+      <p:graphicFrame>
+        <p:nvGraphicFramePr>
+          <p:cNvPr id="5" name="Content Placeholder 2">
             <a:extLst>
               <a:ext uri="{FF2B5EF4-FFF2-40B4-BE49-F238E27FC236}">
-                <a16:creationId xmlns:a16="http://schemas.microsoft.com/office/drawing/2014/main" id="{133CA031-D97D-1943-9AEF-8D8AC076D2A1}"/>
+                <a16:creationId xmlns:a16="http://schemas.microsoft.com/office/drawing/2014/main" id="{C653C3D3-AFD4-CFB0-DECB-CFF41BF22F59}"/>
               </a:ext>
             </a:extLst>
           </p:cNvPr>
-          <p:cNvSpPr>
-            <a:spLocks noGrp="1"/>
-          </p:cNvSpPr>
+          <p:cNvGraphicFramePr>
+            <a:graphicFrameLocks noGrp="1"/>
+          </p:cNvGraphicFramePr>
           <p:nvPr>
             <p:ph idx="1"/>
+            <p:extLst>
+              <p:ext uri="{D42A27DB-BD31-4B8C-83A1-F6EECF244321}">
+                <p14:modId xmlns:p14="http://schemas.microsoft.com/office/powerpoint/2010/main" val="4244699001"/>
+              </p:ext>
+            </p:extLst>
           </p:nvPr>
-        </p:nvSpPr>
-        <p:spPr>
-          <a:xfrm>
-            <a:off x="2165569" y="1956816"/>
-            <a:ext cx="7860863" cy="4024884"/>
-          </a:xfrm>
-        </p:spPr>
-        <p:txBody>
-          <a:bodyPr anchor="t">
-            <a:normAutofit/>
-          </a:bodyPr>
-          <a:lstStyle/>
-          <a:p>
-            <a:r>
-              <a:rPr lang="en-US" sz="2400" dirty="0"/>
-              <a:t>Chlorophyll: This is the sugars produced by the plant.</a:t>
-            </a:r>
-            <a:endParaRPr lang="en-AU" sz="2200" dirty="0"/>
-          </a:p>
-          <a:p>
-            <a:r>
-              <a:rPr lang="en-AU" sz="2200" dirty="0"/>
-              <a:t>Cellulose: The main substance for plant cell walls and of vegetable fibres such as cotton.</a:t>
-            </a:r>
-          </a:p>
-          <a:p>
-            <a:r>
-              <a:rPr lang="en-AU" sz="2200" dirty="0"/>
-              <a:t>Starch: Tasteless white substance occurring widely in plant tissue and obtained chiefly from cereals and potatoes.</a:t>
-            </a:r>
-          </a:p>
-          <a:p>
-            <a:r>
-              <a:rPr lang="en-AU" sz="2200" dirty="0"/>
-              <a:t>Electrons: A stable subatomic particle with a charge of negative electricity, found in all atoms and acting as the primary carrier of electricity in solids.</a:t>
-            </a:r>
-          </a:p>
-          <a:p>
-            <a:r>
-              <a:rPr lang="en-AU" sz="2200" dirty="0"/>
-              <a:t>Molecules: A  group of atoms bonded together, representing the smallest fundamental unit of a chemical compound that can take part in a chemical reaction.</a:t>
-            </a:r>
-          </a:p>
-          <a:p>
-            <a:endParaRPr lang="en-AU" sz="2200" dirty="0"/>
-          </a:p>
-          <a:p>
-            <a:endParaRPr lang="en-US" sz="2200" dirty="0"/>
-          </a:p>
-        </p:txBody>
-      </p:sp>
+        </p:nvGraphicFramePr>
+        <p:xfrm>
+          <a:off x="5468389" y="620392"/>
+          <a:ext cx="6263640" cy="5504688"/>
+        </p:xfrm>
+        <a:graphic>
+          <a:graphicData uri="http://schemas.openxmlformats.org/drawingml/2006/diagram">
+            <dgm:relIds xmlns:dgm="http://schemas.openxmlformats.org/drawingml/2006/diagram" xmlns:r="http://schemas.openxmlformats.org/officeDocument/2006/relationships" r:dm="rId2" r:lo="rId3" r:qs="rId4" r:cs="rId5"/>
+          </a:graphicData>
+        </a:graphic>
+      </p:graphicFrame>
     </p:spTree>
     <p:extLst>
       <p:ext uri="{BB962C8B-B14F-4D97-AF65-F5344CB8AC3E}">
-        <p14:creationId xmlns:p14="http://schemas.microsoft.com/office/powerpoint/2010/main" val="1476783954"/>
+        <p14:creationId xmlns:p14="http://schemas.microsoft.com/office/powerpoint/2010/main" val="3133562651"/>
       </p:ext>
     </p:extLst>
   </p:cSld>
   <p:clrMapOvr>
-    <a:overrideClrMapping bg1="dk1" tx1="lt1" bg2="dk2" tx2="lt2" accent1="accent1" accent2="accent2" accent3="accent3" accent4="accent4" accent5="accent5" accent6="accent6" hlink="hlink" folHlink="folHlink"/>
+    <a:masterClrMapping/>
   </p:clrMapOvr>
+  <mc:AlternateContent xmlns:mc="http://schemas.openxmlformats.org/markup-compatibility/2006" xmlns:p15="http://schemas.microsoft.com/office/powerpoint/2012/main">
+    <mc:Choice Requires="p15">
+      <p:transition xmlns:p14="http://schemas.microsoft.com/office/powerpoint/2010/main" spd="slow" p14:dur="2000">
+        <p15:prstTrans prst="crush"/>
+      </p:transition>
+    </mc:Choice>
+    <mc:Fallback xmlns="">
+      <p:transition spd="slow">
+        <p:fade/>
+      </p:transition>
+    </mc:Fallback>
+  </mc:AlternateContent>
   <p:timing>
     <p:tnLst>
       <p:par>
@@ -4035,13 +6513,10 @@
                             </p:stCondLst>
                             <p:childTnLst>
                               <p:par>
-                                <p:cTn id="5" presetID="38" presetClass="entr" presetSubtype="0" accel="50000" fill="hold" grpId="0" nodeType="clickEffect">
+                                <p:cTn id="5" presetID="31" presetClass="entr" presetSubtype="0" fill="hold" grpId="0" nodeType="clickEffect">
                                   <p:stCondLst>
                                     <p:cond delay="0"/>
                                   </p:stCondLst>
-                                  <p:iterate type="lt">
-                                    <p:tmPct val="50000"/>
-                                  </p:iterate>
                                   <p:childTnLst>
                                     <p:set>
                                       <p:cBhvr>
@@ -4061,177 +6536,11 @@
                                         <p:strVal val="visible"/>
                                       </p:to>
                                     </p:set>
-                                    <p:set>
+                                    <p:anim calcmode="lin" valueType="num">
                                       <p:cBhvr>
-                                        <p:cTn id="7" dur="455" fill="hold">
-                                          <p:stCondLst>
-                                            <p:cond delay="0"/>
-                                          </p:stCondLst>
-                                        </p:cTn>
+                                        <p:cTn id="7" dur="1000" fill="hold"/>
                                         <p:tgtEl>
                                           <p:spTgt spid="2"/>
-                                        </p:tgtEl>
-                                        <p:attrNameLst>
-                                          <p:attrName>style.rotation</p:attrName>
-                                        </p:attrNameLst>
-                                      </p:cBhvr>
-                                      <p:to>
-                                        <p:strVal val="-45.0"/>
-                                      </p:to>
-                                    </p:set>
-                                    <p:anim calcmode="lin" valueType="num">
-                                      <p:cBhvr>
-                                        <p:cTn id="8" dur="455" fill="hold">
-                                          <p:stCondLst>
-                                            <p:cond delay="455"/>
-                                          </p:stCondLst>
-                                        </p:cTn>
-                                        <p:tgtEl>
-                                          <p:spTgt spid="2"/>
-                                        </p:tgtEl>
-                                        <p:attrNameLst>
-                                          <p:attrName>style.rotation</p:attrName>
-                                        </p:attrNameLst>
-                                      </p:cBhvr>
-                                      <p:tavLst>
-                                        <p:tav tm="0">
-                                          <p:val>
-                                            <p:fltVal val="-45"/>
-                                          </p:val>
-                                        </p:tav>
-                                        <p:tav tm="69900">
-                                          <p:val>
-                                            <p:fltVal val="45"/>
-                                          </p:val>
-                                        </p:tav>
-                                        <p:tav tm="100000">
-                                          <p:val>
-                                            <p:fltVal val="0"/>
-                                          </p:val>
-                                        </p:tav>
-                                      </p:tavLst>
-                                    </p:anim>
-                                    <p:anim calcmode="lin" valueType="num">
-                                      <p:cBhvr>
-                                        <p:cTn id="9" dur="455" fill="hold">
-                                          <p:stCondLst>
-                                            <p:cond delay="0"/>
-                                          </p:stCondLst>
-                                        </p:cTn>
-                                        <p:tgtEl>
-                                          <p:spTgt spid="2"/>
-                                        </p:tgtEl>
-                                        <p:attrNameLst>
-                                          <p:attrName>ppt_y</p:attrName>
-                                        </p:attrNameLst>
-                                      </p:cBhvr>
-                                      <p:tavLst>
-                                        <p:tav tm="0">
-                                          <p:val>
-                                            <p:strVal val="#ppt_y-1"/>
-                                          </p:val>
-                                        </p:tav>
-                                        <p:tav tm="100000">
-                                          <p:val>
-                                            <p:strVal val="#ppt_y-(0.354*#ppt_w-0.172*#ppt_h)"/>
-                                          </p:val>
-                                        </p:tav>
-                                      </p:tavLst>
-                                    </p:anim>
-                                    <p:anim calcmode="lin" valueType="num">
-                                      <p:cBhvr>
-                                        <p:cTn id="10" dur="156" decel="50000" autoRev="1" fill="hold">
-                                          <p:stCondLst>
-                                            <p:cond delay="455"/>
-                                          </p:stCondLst>
-                                        </p:cTn>
-                                        <p:tgtEl>
-                                          <p:spTgt spid="2"/>
-                                        </p:tgtEl>
-                                        <p:attrNameLst>
-                                          <p:attrName>ppt_y</p:attrName>
-                                        </p:attrNameLst>
-                                      </p:cBhvr>
-                                      <p:tavLst>
-                                        <p:tav tm="0">
-                                          <p:val>
-                                            <p:strVal val="#ppt_y-(0.354*#ppt_w-0.172*#ppt_h)"/>
-                                          </p:val>
-                                        </p:tav>
-                                        <p:tav tm="100000">
-                                          <p:val>
-                                            <p:strVal val="#ppt_y-(0.354*#ppt_w-0.172*#ppt_h)-#ppt_h/2"/>
-                                          </p:val>
-                                        </p:tav>
-                                      </p:tavLst>
-                                    </p:anim>
-                                    <p:anim calcmode="lin" valueType="num">
-                                      <p:cBhvr>
-                                        <p:cTn id="11" dur="136" fill="hold">
-                                          <p:stCondLst>
-                                            <p:cond delay="864"/>
-                                          </p:stCondLst>
-                                        </p:cTn>
-                                        <p:tgtEl>
-                                          <p:spTgt spid="2"/>
-                                        </p:tgtEl>
-                                        <p:attrNameLst>
-                                          <p:attrName>ppt_y</p:attrName>
-                                        </p:attrNameLst>
-                                      </p:cBhvr>
-                                      <p:tavLst>
-                                        <p:tav tm="0">
-                                          <p:val>
-                                            <p:strVal val="#ppt_y-(0.354*#ppt_w-0.172*#ppt_h)"/>
-                                          </p:val>
-                                        </p:tav>
-                                        <p:tav tm="100000">
-                                          <p:val>
-                                            <p:strVal val="#ppt_y"/>
-                                          </p:val>
-                                        </p:tav>
-                                      </p:tavLst>
-                                    </p:anim>
-                                  </p:childTnLst>
-                                </p:cTn>
-                              </p:par>
-                              <p:par>
-                                <p:cTn id="12" presetID="15" presetClass="entr" presetSubtype="0" fill="hold" nodeType="withEffect">
-                                  <p:stCondLst>
-                                    <p:cond delay="0"/>
-                                  </p:stCondLst>
-                                  <p:childTnLst>
-                                    <p:set>
-                                      <p:cBhvr>
-                                        <p:cTn id="13" dur="1" fill="hold">
-                                          <p:stCondLst>
-                                            <p:cond delay="0"/>
-                                          </p:stCondLst>
-                                        </p:cTn>
-                                        <p:tgtEl>
-                                          <p:spTgt spid="3">
-                                            <p:txEl>
-                                              <p:pRg st="1" end="1"/>
-                                            </p:txEl>
-                                          </p:spTgt>
-                                        </p:tgtEl>
-                                        <p:attrNameLst>
-                                          <p:attrName>style.visibility</p:attrName>
-                                        </p:attrNameLst>
-                                      </p:cBhvr>
-                                      <p:to>
-                                        <p:strVal val="visible"/>
-                                      </p:to>
-                                    </p:set>
-                                    <p:anim calcmode="lin" valueType="num">
-                                      <p:cBhvr>
-                                        <p:cTn id="14" dur="1000" fill="hold"/>
-                                        <p:tgtEl>
-                                          <p:spTgt spid="3">
-                                            <p:txEl>
-                                              <p:pRg st="1" end="1"/>
-                                            </p:txEl>
-                                          </p:spTgt>
                                         </p:tgtEl>
                                         <p:attrNameLst>
                                           <p:attrName>ppt_w</p:attrName>
@@ -4252,13 +6561,9 @@
                                     </p:anim>
                                     <p:anim calcmode="lin" valueType="num">
                                       <p:cBhvr>
-                                        <p:cTn id="15" dur="1000" fill="hold"/>
+                                        <p:cTn id="8" dur="1000" fill="hold"/>
                                         <p:tgtEl>
-                                          <p:spTgt spid="3">
-                                            <p:txEl>
-                                              <p:pRg st="1" end="1"/>
-                                            </p:txEl>
-                                          </p:spTgt>
+                                          <p:spTgt spid="2"/>
                                         </p:tgtEl>
                                         <p:attrNameLst>
                                           <p:attrName>ppt_h</p:attrName>
@@ -4279,80 +6584,71 @@
                                     </p:anim>
                                     <p:anim calcmode="lin" valueType="num">
                                       <p:cBhvr>
-                                        <p:cTn id="16" dur="1000" fill="hold"/>
+                                        <p:cTn id="9" dur="1000" fill="hold"/>
                                         <p:tgtEl>
-                                          <p:spTgt spid="3">
-                                            <p:txEl>
-                                              <p:pRg st="1" end="1"/>
-                                            </p:txEl>
-                                          </p:spTgt>
+                                          <p:spTgt spid="2"/>
                                         </p:tgtEl>
                                         <p:attrNameLst>
-                                          <p:attrName>ppt_x</p:attrName>
+                                          <p:attrName>style.rotation</p:attrName>
                                         </p:attrNameLst>
                                       </p:cBhvr>
                                       <p:tavLst>
-                                        <p:tav tm="0" fmla="#ppt_x+(cos(-2*pi*(1-$))*-#ppt_x-sin(-2*pi*(1-$))*(1-#ppt_y))*(1-$)">
+                                        <p:tav tm="0">
+                                          <p:val>
+                                            <p:fltVal val="90"/>
+                                          </p:val>
+                                        </p:tav>
+                                        <p:tav tm="100000">
                                           <p:val>
                                             <p:fltVal val="0"/>
                                           </p:val>
                                         </p:tav>
-                                        <p:tav tm="100000">
-                                          <p:val>
-                                            <p:fltVal val="1"/>
-                                          </p:val>
-                                        </p:tav>
                                       </p:tavLst>
                                     </p:anim>
-                                    <p:anim calcmode="lin" valueType="num">
+                                    <p:animEffect transition="in" filter="fade">
                                       <p:cBhvr>
-                                        <p:cTn id="17" dur="1000" fill="hold"/>
+                                        <p:cTn id="10" dur="1000"/>
                                         <p:tgtEl>
-                                          <p:spTgt spid="3">
-                                            <p:txEl>
-                                              <p:pRg st="1" end="1"/>
-                                            </p:txEl>
-                                          </p:spTgt>
+                                          <p:spTgt spid="2"/>
                                         </p:tgtEl>
-                                        <p:attrNameLst>
-                                          <p:attrName>ppt_y</p:attrName>
-                                        </p:attrNameLst>
                                       </p:cBhvr>
-                                      <p:tavLst>
-                                        <p:tav tm="0" fmla="#ppt_y+(sin(-2*pi*(1-$))*-#ppt_x+cos(-2*pi*(1-$))*(1-#ppt_y))*(1-$)">
-                                          <p:val>
-                                            <p:fltVal val="0"/>
-                                          </p:val>
-                                        </p:tav>
-                                        <p:tav tm="100000">
-                                          <p:val>
-                                            <p:fltVal val="1"/>
-                                          </p:val>
-                                        </p:tav>
-                                      </p:tavLst>
-                                    </p:anim>
+                                    </p:animEffect>
                                   </p:childTnLst>
                                 </p:cTn>
                               </p:par>
+                            </p:childTnLst>
+                          </p:cTn>
+                        </p:par>
+                      </p:childTnLst>
+                    </p:cTn>
+                  </p:par>
+                  <p:par>
+                    <p:cTn id="11" fill="hold">
+                      <p:stCondLst>
+                        <p:cond delay="indefinite"/>
+                      </p:stCondLst>
+                      <p:childTnLst>
+                        <p:par>
+                          <p:cTn id="12" fill="hold">
+                            <p:stCondLst>
+                              <p:cond delay="0"/>
+                            </p:stCondLst>
+                            <p:childTnLst>
                               <p:par>
-                                <p:cTn id="18" presetID="15" presetClass="entr" presetSubtype="0" fill="hold" nodeType="withEffect">
+                                <p:cTn id="13" presetID="2" presetClass="entr" presetSubtype="4" fill="hold" grpId="0" nodeType="clickEffect">
                                   <p:stCondLst>
                                     <p:cond delay="0"/>
                                   </p:stCondLst>
                                   <p:childTnLst>
                                     <p:set>
                                       <p:cBhvr>
-                                        <p:cTn id="19" dur="1" fill="hold">
+                                        <p:cTn id="14" dur="1" fill="hold">
                                           <p:stCondLst>
                                             <p:cond delay="0"/>
                                           </p:stCondLst>
                                         </p:cTn>
                                         <p:tgtEl>
-                                          <p:spTgt spid="3">
-                                            <p:txEl>
-                                              <p:pRg st="0" end="0"/>
-                                            </p:txEl>
-                                          </p:spTgt>
+                                          <p:spTgt spid="5"/>
                                         </p:tgtEl>
                                         <p:attrNameLst>
                                           <p:attrName>style.visibility</p:attrName>
@@ -4363,109 +6659,47 @@
                                       </p:to>
                                     </p:set>
                                     <p:anim calcmode="lin" valueType="num">
-                                      <p:cBhvr>
-                                        <p:cTn id="20" dur="1000" fill="hold"/>
+                                      <p:cBhvr additive="base">
+                                        <p:cTn id="15" dur="500" fill="hold"/>
                                         <p:tgtEl>
-                                          <p:spTgt spid="3">
-                                            <p:txEl>
-                                              <p:pRg st="0" end="0"/>
-                                            </p:txEl>
-                                          </p:spTgt>
-                                        </p:tgtEl>
-                                        <p:attrNameLst>
-                                          <p:attrName>ppt_w</p:attrName>
-                                        </p:attrNameLst>
-                                      </p:cBhvr>
-                                      <p:tavLst>
-                                        <p:tav tm="0">
-                                          <p:val>
-                                            <p:fltVal val="0"/>
-                                          </p:val>
-                                        </p:tav>
-                                        <p:tav tm="100000">
-                                          <p:val>
-                                            <p:strVal val="#ppt_w"/>
-                                          </p:val>
-                                        </p:tav>
-                                      </p:tavLst>
-                                    </p:anim>
-                                    <p:anim calcmode="lin" valueType="num">
-                                      <p:cBhvr>
-                                        <p:cTn id="21" dur="1000" fill="hold"/>
-                                        <p:tgtEl>
-                                          <p:spTgt spid="3">
-                                            <p:txEl>
-                                              <p:pRg st="0" end="0"/>
-                                            </p:txEl>
-                                          </p:spTgt>
-                                        </p:tgtEl>
-                                        <p:attrNameLst>
-                                          <p:attrName>ppt_h</p:attrName>
-                                        </p:attrNameLst>
-                                      </p:cBhvr>
-                                      <p:tavLst>
-                                        <p:tav tm="0">
-                                          <p:val>
-                                            <p:fltVal val="0"/>
-                                          </p:val>
-                                        </p:tav>
-                                        <p:tav tm="100000">
-                                          <p:val>
-                                            <p:strVal val="#ppt_h"/>
-                                          </p:val>
-                                        </p:tav>
-                                      </p:tavLst>
-                                    </p:anim>
-                                    <p:anim calcmode="lin" valueType="num">
-                                      <p:cBhvr>
-                                        <p:cTn id="22" dur="1000" fill="hold"/>
-                                        <p:tgtEl>
-                                          <p:spTgt spid="3">
-                                            <p:txEl>
-                                              <p:pRg st="0" end="0"/>
-                                            </p:txEl>
-                                          </p:spTgt>
+                                          <p:spTgt spid="5"/>
                                         </p:tgtEl>
                                         <p:attrNameLst>
                                           <p:attrName>ppt_x</p:attrName>
                                         </p:attrNameLst>
                                       </p:cBhvr>
                                       <p:tavLst>
-                                        <p:tav tm="0" fmla="#ppt_x+(cos(-2*pi*(1-$))*-#ppt_x-sin(-2*pi*(1-$))*(1-#ppt_y))*(1-$)">
+                                        <p:tav tm="0">
                                           <p:val>
-                                            <p:fltVal val="0"/>
+                                            <p:strVal val="#ppt_x"/>
                                           </p:val>
                                         </p:tav>
                                         <p:tav tm="100000">
                                           <p:val>
-                                            <p:fltVal val="1"/>
+                                            <p:strVal val="#ppt_x"/>
                                           </p:val>
                                         </p:tav>
                                       </p:tavLst>
                                     </p:anim>
                                     <p:anim calcmode="lin" valueType="num">
-                                      <p:cBhvr>
-                                        <p:cTn id="23" dur="1000" fill="hold"/>
+                                      <p:cBhvr additive="base">
+                                        <p:cTn id="16" dur="500" fill="hold"/>
                                         <p:tgtEl>
-                                          <p:spTgt spid="3">
-                                            <p:txEl>
-                                              <p:pRg st="0" end="0"/>
-                                            </p:txEl>
-                                          </p:spTgt>
+                                          <p:spTgt spid="5"/>
                                         </p:tgtEl>
                                         <p:attrNameLst>
                                           <p:attrName>ppt_y</p:attrName>
                                         </p:attrNameLst>
                                       </p:cBhvr>
                                       <p:tavLst>
-                                        <p:tav tm="0" fmla="#ppt_y+(sin(-2*pi*(1-$))*-#ppt_x+cos(-2*pi*(1-$))*(1-#ppt_y))*(1-$)">
+                                        <p:tav tm="0">
                                           <p:val>
-                                            <p:fltVal val="0"/>
+                                            <p:strVal val="1+#ppt_h/2"/>
                                           </p:val>
                                         </p:tav>
                                         <p:tav tm="100000">
                                           <p:val>
-                                            <p:fltVal val="1"/>
+                                            <p:strVal val="#ppt_y"/>
                                           </p:val>
                                         </p:tav>
                                       </p:tavLst>
@@ -4473,25 +6707,39 @@
                                   </p:childTnLst>
                                 </p:cTn>
                               </p:par>
+                            </p:childTnLst>
+                          </p:cTn>
+                        </p:par>
+                      </p:childTnLst>
+                    </p:cTn>
+                  </p:par>
+                  <p:par>
+                    <p:cTn id="17" fill="hold">
+                      <p:stCondLst>
+                        <p:cond delay="indefinite"/>
+                      </p:stCondLst>
+                      <p:childTnLst>
+                        <p:par>
+                          <p:cTn id="18" fill="hold">
+                            <p:stCondLst>
+                              <p:cond delay="0"/>
+                            </p:stCondLst>
+                            <p:childTnLst>
                               <p:par>
-                                <p:cTn id="24" presetID="15" presetClass="entr" presetSubtype="0" fill="hold" nodeType="withEffect">
+                                <p:cTn id="19" presetID="10" presetClass="entr" presetSubtype="0" fill="hold" grpId="1" nodeType="clickEffect">
                                   <p:stCondLst>
                                     <p:cond delay="0"/>
                                   </p:stCondLst>
                                   <p:childTnLst>
                                     <p:set>
                                       <p:cBhvr>
-                                        <p:cTn id="25" dur="1" fill="hold">
+                                        <p:cTn id="20" dur="1" fill="hold">
                                           <p:stCondLst>
                                             <p:cond delay="0"/>
                                           </p:stCondLst>
                                         </p:cTn>
                                         <p:tgtEl>
-                                          <p:spTgt spid="3">
-                                            <p:txEl>
-                                              <p:pRg st="2" end="2"/>
-                                            </p:txEl>
-                                          </p:spTgt>
+                                          <p:spTgt spid="5"/>
                                         </p:tgtEl>
                                         <p:attrNameLst>
                                           <p:attrName>style.visibility</p:attrName>
@@ -4501,392 +6749,14 @@
                                         <p:strVal val="visible"/>
                                       </p:to>
                                     </p:set>
-                                    <p:anim calcmode="lin" valueType="num">
+                                    <p:animEffect transition="in" filter="fade">
                                       <p:cBhvr>
-                                        <p:cTn id="26" dur="1000" fill="hold"/>
+                                        <p:cTn id="21" dur="500"/>
                                         <p:tgtEl>
-                                          <p:spTgt spid="3">
-                                            <p:txEl>
-                                              <p:pRg st="2" end="2"/>
-                                            </p:txEl>
-                                          </p:spTgt>
+                                          <p:spTgt spid="5"/>
                                         </p:tgtEl>
-                                        <p:attrNameLst>
-                                          <p:attrName>ppt_w</p:attrName>
-                                        </p:attrNameLst>
                                       </p:cBhvr>
-                                      <p:tavLst>
-                                        <p:tav tm="0">
-                                          <p:val>
-                                            <p:fltVal val="0"/>
-                                          </p:val>
-                                        </p:tav>
-                                        <p:tav tm="100000">
-                                          <p:val>
-                                            <p:strVal val="#ppt_w"/>
-                                          </p:val>
-                                        </p:tav>
-                                      </p:tavLst>
-                                    </p:anim>
-                                    <p:anim calcmode="lin" valueType="num">
-                                      <p:cBhvr>
-                                        <p:cTn id="27" dur="1000" fill="hold"/>
-                                        <p:tgtEl>
-                                          <p:spTgt spid="3">
-                                            <p:txEl>
-                                              <p:pRg st="2" end="2"/>
-                                            </p:txEl>
-                                          </p:spTgt>
-                                        </p:tgtEl>
-                                        <p:attrNameLst>
-                                          <p:attrName>ppt_h</p:attrName>
-                                        </p:attrNameLst>
-                                      </p:cBhvr>
-                                      <p:tavLst>
-                                        <p:tav tm="0">
-                                          <p:val>
-                                            <p:fltVal val="0"/>
-                                          </p:val>
-                                        </p:tav>
-                                        <p:tav tm="100000">
-                                          <p:val>
-                                            <p:strVal val="#ppt_h"/>
-                                          </p:val>
-                                        </p:tav>
-                                      </p:tavLst>
-                                    </p:anim>
-                                    <p:anim calcmode="lin" valueType="num">
-                                      <p:cBhvr>
-                                        <p:cTn id="28" dur="1000" fill="hold"/>
-                                        <p:tgtEl>
-                                          <p:spTgt spid="3">
-                                            <p:txEl>
-                                              <p:pRg st="2" end="2"/>
-                                            </p:txEl>
-                                          </p:spTgt>
-                                        </p:tgtEl>
-                                        <p:attrNameLst>
-                                          <p:attrName>ppt_x</p:attrName>
-                                        </p:attrNameLst>
-                                      </p:cBhvr>
-                                      <p:tavLst>
-                                        <p:tav tm="0" fmla="#ppt_x+(cos(-2*pi*(1-$))*-#ppt_x-sin(-2*pi*(1-$))*(1-#ppt_y))*(1-$)">
-                                          <p:val>
-                                            <p:fltVal val="0"/>
-                                          </p:val>
-                                        </p:tav>
-                                        <p:tav tm="100000">
-                                          <p:val>
-                                            <p:fltVal val="1"/>
-                                          </p:val>
-                                        </p:tav>
-                                      </p:tavLst>
-                                    </p:anim>
-                                    <p:anim calcmode="lin" valueType="num">
-                                      <p:cBhvr>
-                                        <p:cTn id="29" dur="1000" fill="hold"/>
-                                        <p:tgtEl>
-                                          <p:spTgt spid="3">
-                                            <p:txEl>
-                                              <p:pRg st="2" end="2"/>
-                                            </p:txEl>
-                                          </p:spTgt>
-                                        </p:tgtEl>
-                                        <p:attrNameLst>
-                                          <p:attrName>ppt_y</p:attrName>
-                                        </p:attrNameLst>
-                                      </p:cBhvr>
-                                      <p:tavLst>
-                                        <p:tav tm="0" fmla="#ppt_y+(sin(-2*pi*(1-$))*-#ppt_x+cos(-2*pi*(1-$))*(1-#ppt_y))*(1-$)">
-                                          <p:val>
-                                            <p:fltVal val="0"/>
-                                          </p:val>
-                                        </p:tav>
-                                        <p:tav tm="100000">
-                                          <p:val>
-                                            <p:fltVal val="1"/>
-                                          </p:val>
-                                        </p:tav>
-                                      </p:tavLst>
-                                    </p:anim>
-                                  </p:childTnLst>
-                                </p:cTn>
-                              </p:par>
-                              <p:par>
-                                <p:cTn id="30" presetID="15" presetClass="entr" presetSubtype="0" fill="hold" nodeType="withEffect">
-                                  <p:stCondLst>
-                                    <p:cond delay="0"/>
-                                  </p:stCondLst>
-                                  <p:childTnLst>
-                                    <p:set>
-                                      <p:cBhvr>
-                                        <p:cTn id="31" dur="1" fill="hold">
-                                          <p:stCondLst>
-                                            <p:cond delay="0"/>
-                                          </p:stCondLst>
-                                        </p:cTn>
-                                        <p:tgtEl>
-                                          <p:spTgt spid="3">
-                                            <p:txEl>
-                                              <p:pRg st="3" end="3"/>
-                                            </p:txEl>
-                                          </p:spTgt>
-                                        </p:tgtEl>
-                                        <p:attrNameLst>
-                                          <p:attrName>style.visibility</p:attrName>
-                                        </p:attrNameLst>
-                                      </p:cBhvr>
-                                      <p:to>
-                                        <p:strVal val="visible"/>
-                                      </p:to>
-                                    </p:set>
-                                    <p:anim calcmode="lin" valueType="num">
-                                      <p:cBhvr>
-                                        <p:cTn id="32" dur="1000" fill="hold"/>
-                                        <p:tgtEl>
-                                          <p:spTgt spid="3">
-                                            <p:txEl>
-                                              <p:pRg st="3" end="3"/>
-                                            </p:txEl>
-                                          </p:spTgt>
-                                        </p:tgtEl>
-                                        <p:attrNameLst>
-                                          <p:attrName>ppt_w</p:attrName>
-                                        </p:attrNameLst>
-                                      </p:cBhvr>
-                                      <p:tavLst>
-                                        <p:tav tm="0">
-                                          <p:val>
-                                            <p:fltVal val="0"/>
-                                          </p:val>
-                                        </p:tav>
-                                        <p:tav tm="100000">
-                                          <p:val>
-                                            <p:strVal val="#ppt_w"/>
-                                          </p:val>
-                                        </p:tav>
-                                      </p:tavLst>
-                                    </p:anim>
-                                    <p:anim calcmode="lin" valueType="num">
-                                      <p:cBhvr>
-                                        <p:cTn id="33" dur="1000" fill="hold"/>
-                                        <p:tgtEl>
-                                          <p:spTgt spid="3">
-                                            <p:txEl>
-                                              <p:pRg st="3" end="3"/>
-                                            </p:txEl>
-                                          </p:spTgt>
-                                        </p:tgtEl>
-                                        <p:attrNameLst>
-                                          <p:attrName>ppt_h</p:attrName>
-                                        </p:attrNameLst>
-                                      </p:cBhvr>
-                                      <p:tavLst>
-                                        <p:tav tm="0">
-                                          <p:val>
-                                            <p:fltVal val="0"/>
-                                          </p:val>
-                                        </p:tav>
-                                        <p:tav tm="100000">
-                                          <p:val>
-                                            <p:strVal val="#ppt_h"/>
-                                          </p:val>
-                                        </p:tav>
-                                      </p:tavLst>
-                                    </p:anim>
-                                    <p:anim calcmode="lin" valueType="num">
-                                      <p:cBhvr>
-                                        <p:cTn id="34" dur="1000" fill="hold"/>
-                                        <p:tgtEl>
-                                          <p:spTgt spid="3">
-                                            <p:txEl>
-                                              <p:pRg st="3" end="3"/>
-                                            </p:txEl>
-                                          </p:spTgt>
-                                        </p:tgtEl>
-                                        <p:attrNameLst>
-                                          <p:attrName>ppt_x</p:attrName>
-                                        </p:attrNameLst>
-                                      </p:cBhvr>
-                                      <p:tavLst>
-                                        <p:tav tm="0" fmla="#ppt_x+(cos(-2*pi*(1-$))*-#ppt_x-sin(-2*pi*(1-$))*(1-#ppt_y))*(1-$)">
-                                          <p:val>
-                                            <p:fltVal val="0"/>
-                                          </p:val>
-                                        </p:tav>
-                                        <p:tav tm="100000">
-                                          <p:val>
-                                            <p:fltVal val="1"/>
-                                          </p:val>
-                                        </p:tav>
-                                      </p:tavLst>
-                                    </p:anim>
-                                    <p:anim calcmode="lin" valueType="num">
-                                      <p:cBhvr>
-                                        <p:cTn id="35" dur="1000" fill="hold"/>
-                                        <p:tgtEl>
-                                          <p:spTgt spid="3">
-                                            <p:txEl>
-                                              <p:pRg st="3" end="3"/>
-                                            </p:txEl>
-                                          </p:spTgt>
-                                        </p:tgtEl>
-                                        <p:attrNameLst>
-                                          <p:attrName>ppt_y</p:attrName>
-                                        </p:attrNameLst>
-                                      </p:cBhvr>
-                                      <p:tavLst>
-                                        <p:tav tm="0" fmla="#ppt_y+(sin(-2*pi*(1-$))*-#ppt_x+cos(-2*pi*(1-$))*(1-#ppt_y))*(1-$)">
-                                          <p:val>
-                                            <p:fltVal val="0"/>
-                                          </p:val>
-                                        </p:tav>
-                                        <p:tav tm="100000">
-                                          <p:val>
-                                            <p:fltVal val="1"/>
-                                          </p:val>
-                                        </p:tav>
-                                      </p:tavLst>
-                                    </p:anim>
-                                  </p:childTnLst>
-                                </p:cTn>
-                              </p:par>
-                              <p:par>
-                                <p:cTn id="36" presetID="15" presetClass="entr" presetSubtype="0" fill="hold" nodeType="withEffect">
-                                  <p:stCondLst>
-                                    <p:cond delay="0"/>
-                                  </p:stCondLst>
-                                  <p:childTnLst>
-                                    <p:set>
-                                      <p:cBhvr>
-                                        <p:cTn id="37" dur="1" fill="hold">
-                                          <p:stCondLst>
-                                            <p:cond delay="0"/>
-                                          </p:stCondLst>
-                                        </p:cTn>
-                                        <p:tgtEl>
-                                          <p:spTgt spid="3">
-                                            <p:txEl>
-                                              <p:pRg st="4" end="4"/>
-                                            </p:txEl>
-                                          </p:spTgt>
-                                        </p:tgtEl>
-                                        <p:attrNameLst>
-                                          <p:attrName>style.visibility</p:attrName>
-                                        </p:attrNameLst>
-                                      </p:cBhvr>
-                                      <p:to>
-                                        <p:strVal val="visible"/>
-                                      </p:to>
-                                    </p:set>
-                                    <p:anim calcmode="lin" valueType="num">
-                                      <p:cBhvr>
-                                        <p:cTn id="38" dur="1000" fill="hold"/>
-                                        <p:tgtEl>
-                                          <p:spTgt spid="3">
-                                            <p:txEl>
-                                              <p:pRg st="4" end="4"/>
-                                            </p:txEl>
-                                          </p:spTgt>
-                                        </p:tgtEl>
-                                        <p:attrNameLst>
-                                          <p:attrName>ppt_w</p:attrName>
-                                        </p:attrNameLst>
-                                      </p:cBhvr>
-                                      <p:tavLst>
-                                        <p:tav tm="0">
-                                          <p:val>
-                                            <p:fltVal val="0"/>
-                                          </p:val>
-                                        </p:tav>
-                                        <p:tav tm="100000">
-                                          <p:val>
-                                            <p:strVal val="#ppt_w"/>
-                                          </p:val>
-                                        </p:tav>
-                                      </p:tavLst>
-                                    </p:anim>
-                                    <p:anim calcmode="lin" valueType="num">
-                                      <p:cBhvr>
-                                        <p:cTn id="39" dur="1000" fill="hold"/>
-                                        <p:tgtEl>
-                                          <p:spTgt spid="3">
-                                            <p:txEl>
-                                              <p:pRg st="4" end="4"/>
-                                            </p:txEl>
-                                          </p:spTgt>
-                                        </p:tgtEl>
-                                        <p:attrNameLst>
-                                          <p:attrName>ppt_h</p:attrName>
-                                        </p:attrNameLst>
-                                      </p:cBhvr>
-                                      <p:tavLst>
-                                        <p:tav tm="0">
-                                          <p:val>
-                                            <p:fltVal val="0"/>
-                                          </p:val>
-                                        </p:tav>
-                                        <p:tav tm="100000">
-                                          <p:val>
-                                            <p:strVal val="#ppt_h"/>
-                                          </p:val>
-                                        </p:tav>
-                                      </p:tavLst>
-                                    </p:anim>
-                                    <p:anim calcmode="lin" valueType="num">
-                                      <p:cBhvr>
-                                        <p:cTn id="40" dur="1000" fill="hold"/>
-                                        <p:tgtEl>
-                                          <p:spTgt spid="3">
-                                            <p:txEl>
-                                              <p:pRg st="4" end="4"/>
-                                            </p:txEl>
-                                          </p:spTgt>
-                                        </p:tgtEl>
-                                        <p:attrNameLst>
-                                          <p:attrName>ppt_x</p:attrName>
-                                        </p:attrNameLst>
-                                      </p:cBhvr>
-                                      <p:tavLst>
-                                        <p:tav tm="0" fmla="#ppt_x+(cos(-2*pi*(1-$))*-#ppt_x-sin(-2*pi*(1-$))*(1-#ppt_y))*(1-$)">
-                                          <p:val>
-                                            <p:fltVal val="0"/>
-                                          </p:val>
-                                        </p:tav>
-                                        <p:tav tm="100000">
-                                          <p:val>
-                                            <p:fltVal val="1"/>
-                                          </p:val>
-                                        </p:tav>
-                                      </p:tavLst>
-                                    </p:anim>
-                                    <p:anim calcmode="lin" valueType="num">
-                                      <p:cBhvr>
-                                        <p:cTn id="41" dur="1000" fill="hold"/>
-                                        <p:tgtEl>
-                                          <p:spTgt spid="3">
-                                            <p:txEl>
-                                              <p:pRg st="4" end="4"/>
-                                            </p:txEl>
-                                          </p:spTgt>
-                                        </p:tgtEl>
-                                        <p:attrNameLst>
-                                          <p:attrName>ppt_y</p:attrName>
-                                        </p:attrNameLst>
-                                      </p:cBhvr>
-                                      <p:tavLst>
-                                        <p:tav tm="0" fmla="#ppt_y+(sin(-2*pi*(1-$))*-#ppt_x+cos(-2*pi*(1-$))*(1-#ppt_y))*(1-$)">
-                                          <p:val>
-                                            <p:fltVal val="0"/>
-                                          </p:val>
-                                        </p:tav>
-                                        <p:tav tm="100000">
-                                          <p:val>
-                                            <p:fltVal val="1"/>
-                                          </p:val>
-                                        </p:tav>
-                                      </p:tavLst>
-                                    </p:anim>
+                                    </p:animEffect>
                                   </p:childTnLst>
                                 </p:cTn>
                               </p:par>
@@ -4919,6 +6789,12 @@
     </p:tnLst>
     <p:bldLst>
       <p:bldP spid="2" grpId="0"/>
+      <p:bldGraphic spid="5" grpId="0">
+        <p:bldAsOne/>
+      </p:bldGraphic>
+      <p:bldGraphic spid="5" grpId="1">
+        <p:bldAsOne/>
+      </p:bldGraphic>
     </p:bldLst>
   </p:timing>
 </p:sld>
@@ -6373,7 +8249,7 @@
         </p:blipFill>
         <p:spPr>
           <a:xfrm>
-            <a:off x="21" y="10"/>
+            <a:off x="21" y="-178649"/>
             <a:ext cx="12191979" cy="6857990"/>
           </a:xfrm>
           <a:prstGeom prst="rect">

--- a/Photosynthesis.pptx
+++ b/Photosynthesis.pptx
@@ -5,7 +5,7 @@
     <p:sldMasterId id="2147483648" r:id="rId1"/>
   </p:sldMasterIdLst>
   <p:sldIdLst>
-    <p:sldId id="265" r:id="rId2"/>
+    <p:sldId id="269" r:id="rId2"/>
     <p:sldId id="257" r:id="rId3"/>
     <p:sldId id="258" r:id="rId4"/>
     <p:sldId id="259" r:id="rId5"/>
@@ -1118,6 +1118,13 @@
         </dgm:presLayoutVars>
       </dgm:prSet>
       <dgm:spPr/>
+      <dgm:t>
+        <a:bodyPr/>
+        <a:lstStyle/>
+        <a:p>
+          <a:endParaRPr lang="en-US"/>
+        </a:p>
+      </dgm:t>
     </dgm:pt>
     <dgm:pt modelId="{2A4CC7B5-F8E1-0648-8400-06F8C540EB58}" type="pres">
       <dgm:prSet presAssocID="{E45CD055-F506-4AF5-BE69-CAD76F41729E}" presName="parentText" presStyleLbl="node1" presStyleIdx="0" presStyleCnt="5">
@@ -1127,6 +1134,13 @@
         </dgm:presLayoutVars>
       </dgm:prSet>
       <dgm:spPr/>
+      <dgm:t>
+        <a:bodyPr/>
+        <a:lstStyle/>
+        <a:p>
+          <a:endParaRPr lang="en-US"/>
+        </a:p>
+      </dgm:t>
     </dgm:pt>
     <dgm:pt modelId="{B703AC90-CD93-8F4A-907B-5B9269DBC013}" type="pres">
       <dgm:prSet presAssocID="{E27A39B0-7149-4EBF-B8EC-53E8380F5165}" presName="spacer" presStyleCnt="0"/>
@@ -1140,6 +1154,13 @@
         </dgm:presLayoutVars>
       </dgm:prSet>
       <dgm:spPr/>
+      <dgm:t>
+        <a:bodyPr/>
+        <a:lstStyle/>
+        <a:p>
+          <a:endParaRPr lang="en-US"/>
+        </a:p>
+      </dgm:t>
     </dgm:pt>
     <dgm:pt modelId="{F5F47599-30D1-ED4C-AE03-ABEEB03ED58C}" type="pres">
       <dgm:prSet presAssocID="{4FE41F8A-C28F-455F-B071-992921BC4BC4}" presName="spacer" presStyleCnt="0"/>
@@ -1153,6 +1174,13 @@
         </dgm:presLayoutVars>
       </dgm:prSet>
       <dgm:spPr/>
+      <dgm:t>
+        <a:bodyPr/>
+        <a:lstStyle/>
+        <a:p>
+          <a:endParaRPr lang="en-US"/>
+        </a:p>
+      </dgm:t>
     </dgm:pt>
     <dgm:pt modelId="{A97E3A62-B4B5-5143-977F-921F8C4540FB}" type="pres">
       <dgm:prSet presAssocID="{9CD8F333-0B34-41B7-8E30-26A78CFD7524}" presName="spacer" presStyleCnt="0"/>
@@ -1166,6 +1194,13 @@
         </dgm:presLayoutVars>
       </dgm:prSet>
       <dgm:spPr/>
+      <dgm:t>
+        <a:bodyPr/>
+        <a:lstStyle/>
+        <a:p>
+          <a:endParaRPr lang="en-US"/>
+        </a:p>
+      </dgm:t>
     </dgm:pt>
     <dgm:pt modelId="{35333333-7133-C848-B511-A5F497F9C8D4}" type="pres">
       <dgm:prSet presAssocID="{086B34B2-7F96-40A2-9464-A7316BEFA4AE}" presName="spacer" presStyleCnt="0"/>
@@ -1179,20 +1214,27 @@
         </dgm:presLayoutVars>
       </dgm:prSet>
       <dgm:spPr/>
+      <dgm:t>
+        <a:bodyPr/>
+        <a:lstStyle/>
+        <a:p>
+          <a:endParaRPr lang="en-US"/>
+        </a:p>
+      </dgm:t>
     </dgm:pt>
   </dgm:ptLst>
   <dgm:cxnLst>
-    <dgm:cxn modelId="{392AF616-03F3-5F48-B397-F334D5E15359}" type="presOf" srcId="{31A868C9-D252-466E-8C56-A23C7F9B2AB5}" destId="{9C07133B-17A0-8E40-9C0C-CD427F4641B8}" srcOrd="0" destOrd="0" presId="urn:microsoft.com/office/officeart/2005/8/layout/vList2"/>
+    <dgm:cxn modelId="{99498BAA-86A1-4041-B1CB-720476FC273A}" type="presOf" srcId="{BF66D11C-722A-4206-AA4F-C6F61B3364CC}" destId="{D462FD05-A047-1D42-9EAD-D5F5958CE92E}" srcOrd="0" destOrd="0" presId="urn:microsoft.com/office/officeart/2005/8/layout/vList2"/>
     <dgm:cxn modelId="{54B5F617-8CD1-FB45-AB1D-A667931563DB}" type="presOf" srcId="{6BAF1EDF-2294-4946-B92C-7E6ED2278D39}" destId="{7355A7D4-27BD-6948-889B-BAB769BCD171}" srcOrd="0" destOrd="0" presId="urn:microsoft.com/office/officeart/2005/8/layout/vList2"/>
     <dgm:cxn modelId="{85060445-03C2-4FF6-A3EC-C99A06F29632}" srcId="{31A868C9-D252-466E-8C56-A23C7F9B2AB5}" destId="{6BAF1EDF-2294-4946-B92C-7E6ED2278D39}" srcOrd="2" destOrd="0" parTransId="{C4EF8DE2-583C-4216-BD01-AE8920878EFA}" sibTransId="{9CD8F333-0B34-41B7-8E30-26A78CFD7524}"/>
+    <dgm:cxn modelId="{7C61F4BE-295E-4BC9-A244-C38F71E3EA2A}" srcId="{31A868C9-D252-466E-8C56-A23C7F9B2AB5}" destId="{57B8A637-63BC-42F6-9338-913A2397EC06}" srcOrd="4" destOrd="0" parTransId="{275C5216-BD5E-423F-B1AD-117CEC9FB712}" sibTransId="{A316C72C-81FA-42A0-8CC7-F9600B775DBF}"/>
+    <dgm:cxn modelId="{36AC987D-59F5-8D48-B821-DF1E4AD7E06F}" type="presOf" srcId="{57B8A637-63BC-42F6-9338-913A2397EC06}" destId="{2EEFDD71-AB6A-F740-B72D-A8F2684C6279}" srcOrd="0" destOrd="0" presId="urn:microsoft.com/office/officeart/2005/8/layout/vList2"/>
+    <dgm:cxn modelId="{0B14C3BA-D82C-D044-B053-24B094127747}" type="presOf" srcId="{2CFC6099-756D-4545-ADB0-DF50BD71AC38}" destId="{F0EEE78E-D31D-7746-A8FD-FA2419C47756}" srcOrd="0" destOrd="0" presId="urn:microsoft.com/office/officeart/2005/8/layout/vList2"/>
+    <dgm:cxn modelId="{52A05FF9-E953-4207-8E54-CF9B30752A32}" srcId="{31A868C9-D252-466E-8C56-A23C7F9B2AB5}" destId="{2CFC6099-756D-4545-ADB0-DF50BD71AC38}" srcOrd="3" destOrd="0" parTransId="{3AF0DEFD-7BB7-4EDB-8EC7-94C614DB3344}" sibTransId="{086B34B2-7F96-40A2-9464-A7316BEFA4AE}"/>
     <dgm:cxn modelId="{431DED45-DE32-4EA3-96E9-35D5CEAC660B}" srcId="{31A868C9-D252-466E-8C56-A23C7F9B2AB5}" destId="{BF66D11C-722A-4206-AA4F-C6F61B3364CC}" srcOrd="1" destOrd="0" parTransId="{139CADA3-AE9B-4CAF-A3B5-45FDDEE97B4D}" sibTransId="{4FE41F8A-C28F-455F-B071-992921BC4BC4}"/>
-    <dgm:cxn modelId="{36AC987D-59F5-8D48-B821-DF1E4AD7E06F}" type="presOf" srcId="{57B8A637-63BC-42F6-9338-913A2397EC06}" destId="{2EEFDD71-AB6A-F740-B72D-A8F2684C6279}" srcOrd="0" destOrd="0" presId="urn:microsoft.com/office/officeart/2005/8/layout/vList2"/>
+    <dgm:cxn modelId="{392AF616-03F3-5F48-B397-F334D5E15359}" type="presOf" srcId="{31A868C9-D252-466E-8C56-A23C7F9B2AB5}" destId="{9C07133B-17A0-8E40-9C0C-CD427F4641B8}" srcOrd="0" destOrd="0" presId="urn:microsoft.com/office/officeart/2005/8/layout/vList2"/>
     <dgm:cxn modelId="{ECE48A7F-4F8C-4599-9CA5-72699245416B}" srcId="{31A868C9-D252-466E-8C56-A23C7F9B2AB5}" destId="{E45CD055-F506-4AF5-BE69-CAD76F41729E}" srcOrd="0" destOrd="0" parTransId="{623DB874-83B4-4158-B286-8C0EAB8AB1D6}" sibTransId="{E27A39B0-7149-4EBF-B8EC-53E8380F5165}"/>
     <dgm:cxn modelId="{04F21491-1CBD-9544-BCCF-2EB464E61AF7}" type="presOf" srcId="{E45CD055-F506-4AF5-BE69-CAD76F41729E}" destId="{2A4CC7B5-F8E1-0648-8400-06F8C540EB58}" srcOrd="0" destOrd="0" presId="urn:microsoft.com/office/officeart/2005/8/layout/vList2"/>
-    <dgm:cxn modelId="{99498BAA-86A1-4041-B1CB-720476FC273A}" type="presOf" srcId="{BF66D11C-722A-4206-AA4F-C6F61B3364CC}" destId="{D462FD05-A047-1D42-9EAD-D5F5958CE92E}" srcOrd="0" destOrd="0" presId="urn:microsoft.com/office/officeart/2005/8/layout/vList2"/>
-    <dgm:cxn modelId="{0B14C3BA-D82C-D044-B053-24B094127747}" type="presOf" srcId="{2CFC6099-756D-4545-ADB0-DF50BD71AC38}" destId="{F0EEE78E-D31D-7746-A8FD-FA2419C47756}" srcOrd="0" destOrd="0" presId="urn:microsoft.com/office/officeart/2005/8/layout/vList2"/>
-    <dgm:cxn modelId="{7C61F4BE-295E-4BC9-A244-C38F71E3EA2A}" srcId="{31A868C9-D252-466E-8C56-A23C7F9B2AB5}" destId="{57B8A637-63BC-42F6-9338-913A2397EC06}" srcOrd="4" destOrd="0" parTransId="{275C5216-BD5E-423F-B1AD-117CEC9FB712}" sibTransId="{A316C72C-81FA-42A0-8CC7-F9600B775DBF}"/>
-    <dgm:cxn modelId="{52A05FF9-E953-4207-8E54-CF9B30752A32}" srcId="{31A868C9-D252-466E-8C56-A23C7F9B2AB5}" destId="{2CFC6099-756D-4545-ADB0-DF50BD71AC38}" srcOrd="3" destOrd="0" parTransId="{3AF0DEFD-7BB7-4EDB-8EC7-94C614DB3344}" sibTransId="{086B34B2-7F96-40A2-9464-A7316BEFA4AE}"/>
     <dgm:cxn modelId="{B3687B79-6462-E04B-8517-7A6F25DA0E1C}" type="presParOf" srcId="{9C07133B-17A0-8E40-9C0C-CD427F4641B8}" destId="{2A4CC7B5-F8E1-0648-8400-06F8C540EB58}" srcOrd="0" destOrd="0" presId="urn:microsoft.com/office/officeart/2005/8/layout/vList2"/>
     <dgm:cxn modelId="{1A358904-FD04-314D-9BE1-B81DB9E660F3}" type="presParOf" srcId="{9C07133B-17A0-8E40-9C0C-CD427F4641B8}" destId="{B703AC90-CD93-8F4A-907B-5B9269DBC013}" srcOrd="1" destOrd="0" presId="urn:microsoft.com/office/officeart/2005/8/layout/vList2"/>
     <dgm:cxn modelId="{AB3A2CE3-8A62-E544-9053-C1FE640023B2}" type="presParOf" srcId="{9C07133B-17A0-8E40-9C0C-CD427F4641B8}" destId="{D462FD05-A047-1D42-9EAD-D5F5958CE92E}" srcOrd="2" destOrd="0" presId="urn:microsoft.com/office/officeart/2005/8/layout/vList2"/>
@@ -1276,7 +1318,7 @@
         </a:bodyPr>
         <a:lstStyle/>
         <a:p>
-          <a:pPr marL="0" lvl="0" indent="0" algn="l" defTabSz="800100">
+          <a:pPr lvl="0" algn="l" defTabSz="800100">
             <a:lnSpc>
               <a:spcPct val="90000"/>
             </a:lnSpc>
@@ -1286,7 +1328,6 @@
             <a:spcAft>
               <a:spcPct val="35000"/>
             </a:spcAft>
-            <a:buNone/>
           </a:pPr>
           <a:r>
             <a:rPr lang="en-US" sz="1800" kern="1200" dirty="0"/>
@@ -1354,7 +1395,7 @@
         </a:bodyPr>
         <a:lstStyle/>
         <a:p>
-          <a:pPr marL="0" lvl="0" indent="0" algn="l" defTabSz="800100">
+          <a:pPr lvl="0" algn="l" defTabSz="800100">
             <a:lnSpc>
               <a:spcPct val="90000"/>
             </a:lnSpc>
@@ -1364,7 +1405,6 @@
             <a:spcAft>
               <a:spcPct val="35000"/>
             </a:spcAft>
-            <a:buNone/>
           </a:pPr>
           <a:r>
             <a:rPr lang="en-AU" sz="1800" kern="1200"/>
@@ -1433,7 +1473,7 @@
         </a:bodyPr>
         <a:lstStyle/>
         <a:p>
-          <a:pPr marL="0" lvl="0" indent="0" algn="l" defTabSz="800100">
+          <a:pPr lvl="0" algn="l" defTabSz="800100">
             <a:lnSpc>
               <a:spcPct val="90000"/>
             </a:lnSpc>
@@ -1443,7 +1483,6 @@
             <a:spcAft>
               <a:spcPct val="35000"/>
             </a:spcAft>
-            <a:buNone/>
           </a:pPr>
           <a:r>
             <a:rPr lang="en-AU" sz="1800" kern="1200"/>
@@ -1512,7 +1551,7 @@
         </a:bodyPr>
         <a:lstStyle/>
         <a:p>
-          <a:pPr marL="0" lvl="0" indent="0" algn="l" defTabSz="800100">
+          <a:pPr lvl="0" algn="l" defTabSz="800100">
             <a:lnSpc>
               <a:spcPct val="90000"/>
             </a:lnSpc>
@@ -1522,7 +1561,6 @@
             <a:spcAft>
               <a:spcPct val="35000"/>
             </a:spcAft>
-            <a:buNone/>
           </a:pPr>
           <a:r>
             <a:rPr lang="en-AU" sz="1800" kern="1200"/>
@@ -1591,7 +1629,7 @@
         </a:bodyPr>
         <a:lstStyle/>
         <a:p>
-          <a:pPr marL="0" lvl="0" indent="0" algn="l" defTabSz="800100">
+          <a:pPr lvl="0" algn="l" defTabSz="800100">
             <a:lnSpc>
               <a:spcPct val="90000"/>
             </a:lnSpc>
@@ -1601,7 +1639,6 @@
             <a:spcAft>
               <a:spcPct val="35000"/>
             </a:spcAft>
-            <a:buNone/>
           </a:pPr>
           <a:r>
             <a:rPr lang="en-AU" sz="1800" kern="1200" dirty="0"/>
@@ -2969,7 +3006,7 @@
           <a:p>
             <a:fld id="{57097FCC-6AC6-A141-8E0D-0F447E9B54FE}" type="datetimeFigureOut">
               <a:rPr lang="en-US" smtClean="0"/>
-              <a:t>3/13/22</a:t>
+              <a:t>3/13/2022</a:t>
             </a:fld>
             <a:endParaRPr lang="en-US"/>
           </a:p>
@@ -3169,7 +3206,7 @@
           <a:p>
             <a:fld id="{57097FCC-6AC6-A141-8E0D-0F447E9B54FE}" type="datetimeFigureOut">
               <a:rPr lang="en-US" smtClean="0"/>
-              <a:t>3/13/22</a:t>
+              <a:t>3/13/2022</a:t>
             </a:fld>
             <a:endParaRPr lang="en-US"/>
           </a:p>
@@ -3379,7 +3416,7 @@
           <a:p>
             <a:fld id="{57097FCC-6AC6-A141-8E0D-0F447E9B54FE}" type="datetimeFigureOut">
               <a:rPr lang="en-US" smtClean="0"/>
-              <a:t>3/13/22</a:t>
+              <a:t>3/13/2022</a:t>
             </a:fld>
             <a:endParaRPr lang="en-US"/>
           </a:p>
@@ -3579,7 +3616,7 @@
           <a:p>
             <a:fld id="{57097FCC-6AC6-A141-8E0D-0F447E9B54FE}" type="datetimeFigureOut">
               <a:rPr lang="en-US" smtClean="0"/>
-              <a:t>3/13/22</a:t>
+              <a:t>3/13/2022</a:t>
             </a:fld>
             <a:endParaRPr lang="en-US"/>
           </a:p>
@@ -3855,7 +3892,7 @@
           <a:p>
             <a:fld id="{57097FCC-6AC6-A141-8E0D-0F447E9B54FE}" type="datetimeFigureOut">
               <a:rPr lang="en-US" smtClean="0"/>
-              <a:t>3/13/22</a:t>
+              <a:t>3/13/2022</a:t>
             </a:fld>
             <a:endParaRPr lang="en-US"/>
           </a:p>
@@ -4123,7 +4160,7 @@
           <a:p>
             <a:fld id="{57097FCC-6AC6-A141-8E0D-0F447E9B54FE}" type="datetimeFigureOut">
               <a:rPr lang="en-US" smtClean="0"/>
-              <a:t>3/13/22</a:t>
+              <a:t>3/13/2022</a:t>
             </a:fld>
             <a:endParaRPr lang="en-US"/>
           </a:p>
@@ -4538,7 +4575,7 @@
           <a:p>
             <a:fld id="{57097FCC-6AC6-A141-8E0D-0F447E9B54FE}" type="datetimeFigureOut">
               <a:rPr lang="en-US" smtClean="0"/>
-              <a:t>3/13/22</a:t>
+              <a:t>3/13/2022</a:t>
             </a:fld>
             <a:endParaRPr lang="en-US"/>
           </a:p>
@@ -4680,7 +4717,7 @@
           <a:p>
             <a:fld id="{57097FCC-6AC6-A141-8E0D-0F447E9B54FE}" type="datetimeFigureOut">
               <a:rPr lang="en-US" smtClean="0"/>
-              <a:t>3/13/22</a:t>
+              <a:t>3/13/2022</a:t>
             </a:fld>
             <a:endParaRPr lang="en-US"/>
           </a:p>
@@ -4793,7 +4830,7 @@
           <a:p>
             <a:fld id="{57097FCC-6AC6-A141-8E0D-0F447E9B54FE}" type="datetimeFigureOut">
               <a:rPr lang="en-US" smtClean="0"/>
-              <a:t>3/13/22</a:t>
+              <a:t>3/13/2022</a:t>
             </a:fld>
             <a:endParaRPr lang="en-US"/>
           </a:p>
@@ -5106,7 +5143,7 @@
           <a:p>
             <a:fld id="{57097FCC-6AC6-A141-8E0D-0F447E9B54FE}" type="datetimeFigureOut">
               <a:rPr lang="en-US" smtClean="0"/>
-              <a:t>3/13/22</a:t>
+              <a:t>3/13/2022</a:t>
             </a:fld>
             <a:endParaRPr lang="en-US"/>
           </a:p>
@@ -5395,7 +5432,7 @@
           <a:p>
             <a:fld id="{57097FCC-6AC6-A141-8E0D-0F447E9B54FE}" type="datetimeFigureOut">
               <a:rPr lang="en-US" smtClean="0"/>
-              <a:t>3/13/22</a:t>
+              <a:t>3/13/2022</a:t>
             </a:fld>
             <a:endParaRPr lang="en-US"/>
           </a:p>
@@ -5638,7 +5675,7 @@
           <a:p>
             <a:fld id="{57097FCC-6AC6-A141-8E0D-0F447E9B54FE}" type="datetimeFigureOut">
               <a:rPr lang="en-US" smtClean="0"/>
-              <a:t>3/13/22</a:t>
+              <a:t>3/13/2022</a:t>
             </a:fld>
             <a:endParaRPr lang="en-US"/>
           </a:p>
@@ -6041,14 +6078,6 @@
 <file path=ppt/slides/slide1.xml><?xml version="1.0" encoding="utf-8"?>
 <p:sld xmlns:a="http://schemas.openxmlformats.org/drawingml/2006/main" xmlns:r="http://schemas.openxmlformats.org/officeDocument/2006/relationships" xmlns:p="http://schemas.openxmlformats.org/presentationml/2006/main">
   <p:cSld>
-    <p:bg>
-      <p:bgPr>
-        <a:solidFill>
-          <a:schemeClr val="tx1"/>
-        </a:solidFill>
-        <a:effectLst/>
-      </p:bgPr>
-    </p:bg>
     <p:spTree>
       <p:nvGrpSpPr>
         <p:cNvPr id="1" name=""/>
@@ -6063,29 +6092,91 @@
           <a:chExt cx="0" cy="0"/>
         </a:xfrm>
       </p:grpSpPr>
+      <p:sp>
+        <p:nvSpPr>
+          <p:cNvPr id="2" name="Title 1"/>
+          <p:cNvSpPr>
+            <a:spLocks noGrp="1"/>
+          </p:cNvSpPr>
+          <p:nvPr>
+            <p:ph type="title"/>
+          </p:nvPr>
+        </p:nvSpPr>
+        <p:spPr>
+          <a:xfrm>
+            <a:off x="1365739" y="3196248"/>
+            <a:ext cx="10515600" cy="1325563"/>
+          </a:xfrm>
+        </p:spPr>
+        <p:txBody>
+          <a:bodyPr/>
+          <a:lstStyle/>
+          <a:p>
+            <a:endParaRPr lang="en-AU" dirty="0"/>
+          </a:p>
+        </p:txBody>
+      </p:sp>
       <p:pic>
         <p:nvPicPr>
-          <p:cNvPr id="13" name="Picture 4" descr="Plant and roots">
+          <p:cNvPr id="4" name="Picture 2" descr="clean beauty"/>
+          <p:cNvPicPr>
+            <a:picLocks noGrp="1" noChangeAspect="1" noChangeArrowheads="1"/>
+          </p:cNvPicPr>
+          <p:nvPr>
+            <p:ph idx="1"/>
+          </p:nvPr>
+        </p:nvPicPr>
+        <p:blipFill>
+          <a:blip r:embed="rId2">
             <a:extLst>
-              <a:ext uri="{FF2B5EF4-FFF2-40B4-BE49-F238E27FC236}">
-                <a16:creationId xmlns:a16="http://schemas.microsoft.com/office/drawing/2014/main" id="{BDC9FB7B-6D74-6879-3E9A-B2174FAAA761}"/>
+              <a:ext uri="{28A0092B-C50C-407E-A947-70E740481C1C}">
+                <a14:useLocalDpi xmlns:a14="http://schemas.microsoft.com/office/drawing/2010/main" val="0"/>
               </a:ext>
             </a:extLst>
-          </p:cNvPr>
+          </a:blip>
+          <a:srcRect/>
+          <a:stretch>
+            <a:fillRect/>
+          </a:stretch>
+        </p:blipFill>
+        <p:spPr bwMode="auto">
+          <a:xfrm>
+            <a:off x="62888" y="87922"/>
+            <a:ext cx="12027878" cy="6682155"/>
+          </a:xfrm>
+          <a:prstGeom prst="rect">
+            <a:avLst/>
+          </a:prstGeom>
+          <a:noFill/>
+          <a:extLst>
+            <a:ext uri="{909E8E84-426E-40DD-AFC4-6F175D3DCCD1}">
+              <a14:hiddenFill xmlns:a14="http://schemas.microsoft.com/office/drawing/2010/main">
+                <a:solidFill>
+                  <a:srgbClr val="FFFFFF"/>
+                </a:solidFill>
+              </a14:hiddenFill>
+            </a:ext>
+          </a:extLst>
+        </p:spPr>
+      </p:pic>
+      <p:pic>
+        <p:nvPicPr>
+          <p:cNvPr id="5" name="Picture 4"/>
           <p:cNvPicPr>
             <a:picLocks noChangeAspect="1"/>
           </p:cNvPicPr>
           <p:nvPr/>
         </p:nvPicPr>
-        <p:blipFill rotWithShape="1">
-          <a:blip r:embed="rId2"/>
-          <a:srcRect t="496" b="40910"/>
-          <a:stretch/>
+        <p:blipFill>
+          <a:blip r:embed="rId3"/>
+          <a:stretch>
+            <a:fillRect/>
+          </a:stretch>
         </p:blipFill>
         <p:spPr>
           <a:xfrm>
-            <a:off x="20" y="10"/>
-            <a:ext cx="12191980" cy="6857990"/>
+            <a:off x="949569" y="965688"/>
+            <a:ext cx="10350012" cy="5175006"/>
           </a:xfrm>
           <a:prstGeom prst="rect">
             <a:avLst/>
@@ -6094,123 +6185,91 @@
       </p:pic>
       <p:sp>
         <p:nvSpPr>
-          <p:cNvPr id="29" name="Rectangle 28">
-            <a:extLst>
-              <a:ext uri="{FF2B5EF4-FFF2-40B4-BE49-F238E27FC236}">
-                <a16:creationId xmlns:a16="http://schemas.microsoft.com/office/drawing/2014/main" id="{B4916930-E76E-4100-9DCF-4981566A372A}"/>
-              </a:ext>
-              <a:ext uri="{C183D7F6-B498-43B3-948B-1728B52AA6E4}">
-                <adec:decorative xmlns:adec="http://schemas.microsoft.com/office/drawing/2017/decorative" val="1"/>
-              </a:ext>
-            </a:extLst>
-          </p:cNvPr>
-          <p:cNvSpPr>
-            <a:spLocks noGrp="1" noRot="1" noChangeAspect="1" noMove="1" noResize="1" noEditPoints="1" noAdjustHandles="1" noChangeArrowheads="1" noChangeShapeType="1" noTextEdit="1"/>
-          </p:cNvSpPr>
-          <p:nvPr>
-            <p:extLst>
-              <p:ext uri="{386F3935-93C4-4BCD-93E2-E3B085C9AB24}">
-                <p16:designElem xmlns:p16="http://schemas.microsoft.com/office/powerpoint/2015/main" val="1"/>
-              </p:ext>
-            </p:extLst>
-          </p:nvPr>
+          <p:cNvPr id="6" name="Rectangle 5"/>
+          <p:cNvSpPr/>
+          <p:nvPr/>
         </p:nvSpPr>
         <p:spPr>
           <a:xfrm>
-            <a:off x="1857375" y="1885950"/>
-            <a:ext cx="8505825" cy="3152775"/>
+            <a:off x="3251151" y="2967335"/>
+            <a:ext cx="5689699" cy="1169551"/>
           </a:xfrm>
           <a:prstGeom prst="rect">
             <a:avLst/>
           </a:prstGeom>
-          <a:solidFill>
-            <a:schemeClr val="bg1">
-              <a:alpha val="75000"/>
-            </a:schemeClr>
-          </a:solidFill>
-          <a:ln w="63500" cmpd="dbl">
-            <a:solidFill>
-              <a:schemeClr val="bg1"/>
-            </a:solidFill>
+          <a:ln>
+            <a:noFill/>
           </a:ln>
+          <a:effectLst>
+            <a:outerShdw blurRad="44450" dist="27940" dir="5400000" algn="ctr">
+              <a:srgbClr val="000000">
+                <a:alpha val="32000"/>
+              </a:srgbClr>
+            </a:outerShdw>
+          </a:effectLst>
+          <a:scene3d>
+            <a:camera prst="orthographicFront">
+              <a:rot lat="0" lon="0" rev="0"/>
+            </a:camera>
+            <a:lightRig rig="balanced" dir="t">
+              <a:rot lat="0" lon="0" rev="8700000"/>
+            </a:lightRig>
+          </a:scene3d>
+          <a:sp3d>
+            <a:bevelT w="190500" h="38100"/>
+          </a:sp3d>
         </p:spPr>
         <p:style>
-          <a:lnRef idx="2">
-            <a:schemeClr val="accent1">
-              <a:shade val="50000"/>
-            </a:schemeClr>
+          <a:lnRef idx="1">
+            <a:schemeClr val="accent6"/>
           </a:lnRef>
-          <a:fillRef idx="1">
-            <a:schemeClr val="accent1"/>
+          <a:fillRef idx="2">
+            <a:schemeClr val="accent6"/>
           </a:fillRef>
-          <a:effectRef idx="0">
-            <a:schemeClr val="accent1"/>
+          <a:effectRef idx="1">
+            <a:schemeClr val="accent6"/>
           </a:effectRef>
           <a:fontRef idx="minor">
-            <a:schemeClr val="lt1"/>
+            <a:schemeClr val="dk1"/>
           </a:fontRef>
         </p:style>
         <p:txBody>
-          <a:bodyPr rtlCol="0" anchor="ctr"/>
-          <a:lstStyle/>
-          <a:p>
-            <a:pPr algn="ctr"/>
-            <a:endParaRPr lang="en-US"/>
-          </a:p>
-        </p:txBody>
-      </p:sp>
-      <p:sp>
-        <p:nvSpPr>
-          <p:cNvPr id="2" name="Title 1">
-            <a:extLst>
-              <a:ext uri="{FF2B5EF4-FFF2-40B4-BE49-F238E27FC236}">
-                <a16:creationId xmlns:a16="http://schemas.microsoft.com/office/drawing/2014/main" id="{C05242E7-AF2A-5C46-8D39-926DD81F3DD1}"/>
-              </a:ext>
-            </a:extLst>
-          </p:cNvPr>
-          <p:cNvSpPr>
-            <a:spLocks noGrp="1"/>
-          </p:cNvSpPr>
-          <p:nvPr>
-            <p:ph type="ctrTitle"/>
-          </p:nvPr>
-        </p:nvSpPr>
-        <p:spPr>
-          <a:xfrm>
-            <a:off x="2276475" y="2247900"/>
-            <a:ext cx="7581900" cy="2514600"/>
-          </a:xfrm>
-        </p:spPr>
-        <p:txBody>
-          <a:bodyPr vert="horz" lIns="91440" tIns="45720" rIns="91440" bIns="45720" rtlCol="0" anchor="ctr">
-            <a:normAutofit/>
+          <a:bodyPr wrap="none" lIns="91440" tIns="45720" rIns="91440" bIns="45720">
+            <a:spAutoFit/>
           </a:bodyPr>
           <a:lstStyle/>
           <a:p>
+            <a:pPr algn="ctr"/>
             <a:r>
-              <a:rPr lang="en-US" sz="6600" dirty="0">
-                <a:ln w="22225">
-                  <a:solidFill>
-                    <a:schemeClr val="tx1"/>
-                  </a:solidFill>
-                  <a:miter lim="800000"/>
-                </a:ln>
-                <a:solidFill>
-                  <a:schemeClr val="tx1">
-                    <a:lumMod val="75000"/>
-                    <a:lumOff val="25000"/>
-                  </a:schemeClr>
-                </a:solidFill>
-              </a:rPr>
+              <a:rPr lang="en-US" sz="7000" dirty="0"/>
               <a:t>Photosynthesis</a:t>
             </a:r>
+            <a:endParaRPr lang="en-US" sz="7000" b="1" dirty="0">
+              <a:ln w="13462">
+                <a:solidFill>
+                  <a:schemeClr val="bg1"/>
+                </a:solidFill>
+                <a:prstDash val="solid"/>
+              </a:ln>
+              <a:solidFill>
+                <a:schemeClr val="tx1">
+                  <a:lumMod val="85000"/>
+                  <a:lumOff val="15000"/>
+                </a:schemeClr>
+              </a:solidFill>
+              <a:effectLst>
+                <a:outerShdw dist="38100" dir="2700000" algn="bl" rotWithShape="0">
+                  <a:schemeClr val="accent5"/>
+                </a:outerShdw>
+              </a:effectLst>
+            </a:endParaRPr>
           </a:p>
         </p:txBody>
       </p:sp>
     </p:spTree>
     <p:extLst>
       <p:ext uri="{BB962C8B-B14F-4D97-AF65-F5344CB8AC3E}">
-        <p14:creationId xmlns:p14="http://schemas.microsoft.com/office/powerpoint/2010/main" val="3524973927"/>
+        <p14:creationId xmlns:p14="http://schemas.microsoft.com/office/powerpoint/2010/main" val="919102803"/>
       </p:ext>
     </p:extLst>
   </p:cSld>
@@ -6220,94 +6279,9 @@
   <p:timing>
     <p:tnLst>
       <p:par>
-        <p:cTn id="1" dur="indefinite" restart="never" nodeType="tmRoot">
-          <p:childTnLst>
-            <p:seq concurrent="1" nextAc="seek">
-              <p:cTn id="2" dur="indefinite" nodeType="mainSeq">
-                <p:childTnLst>
-                  <p:par>
-                    <p:cTn id="3" fill="hold">
-                      <p:stCondLst>
-                        <p:cond delay="indefinite"/>
-                        <p:cond evt="onBegin" delay="0">
-                          <p:tn val="2"/>
-                        </p:cond>
-                      </p:stCondLst>
-                      <p:childTnLst>
-                        <p:par>
-                          <p:cTn id="4" fill="hold">
-                            <p:stCondLst>
-                              <p:cond delay="0"/>
-                            </p:stCondLst>
-                            <p:childTnLst>
-                              <p:par>
-                                <p:cTn id="5" presetID="10" presetClass="entr" presetSubtype="0" fill="hold" grpId="0" nodeType="withEffect">
-                                  <p:stCondLst>
-                                    <p:cond delay="1000"/>
-                                  </p:stCondLst>
-                                  <p:iterate>
-                                    <p:tmPct val="10000"/>
-                                  </p:iterate>
-                                  <p:childTnLst>
-                                    <p:set>
-                                      <p:cBhvr>
-                                        <p:cTn id="6" dur="1" fill="hold">
-                                          <p:stCondLst>
-                                            <p:cond delay="0"/>
-                                          </p:stCondLst>
-                                        </p:cTn>
-                                        <p:tgtEl>
-                                          <p:spTgt spid="2"/>
-                                        </p:tgtEl>
-                                        <p:attrNameLst>
-                                          <p:attrName>style.visibility</p:attrName>
-                                        </p:attrNameLst>
-                                      </p:cBhvr>
-                                      <p:to>
-                                        <p:strVal val="visible"/>
-                                      </p:to>
-                                    </p:set>
-                                    <p:animEffect transition="in" filter="fade">
-                                      <p:cBhvr>
-                                        <p:cTn id="7" dur="700"/>
-                                        <p:tgtEl>
-                                          <p:spTgt spid="2"/>
-                                        </p:tgtEl>
-                                      </p:cBhvr>
-                                    </p:animEffect>
-                                  </p:childTnLst>
-                                </p:cTn>
-                              </p:par>
-                            </p:childTnLst>
-                          </p:cTn>
-                        </p:par>
-                      </p:childTnLst>
-                    </p:cTn>
-                  </p:par>
-                </p:childTnLst>
-              </p:cTn>
-              <p:prevCondLst>
-                <p:cond evt="onPrev" delay="0">
-                  <p:tgtEl>
-                    <p:sldTgt/>
-                  </p:tgtEl>
-                </p:cond>
-              </p:prevCondLst>
-              <p:nextCondLst>
-                <p:cond evt="onNext" delay="0">
-                  <p:tgtEl>
-                    <p:sldTgt/>
-                  </p:tgtEl>
-                </p:cond>
-              </p:nextCondLst>
-            </p:seq>
-          </p:childTnLst>
-        </p:cTn>
+        <p:cTn id="1" dur="indefinite" restart="never" nodeType="tmRoot"/>
       </p:par>
     </p:tnLst>
-    <p:bldLst>
-      <p:bldP spid="2" grpId="0"/>
-    </p:bldLst>
   </p:timing>
 </p:sld>
 </file>
@@ -6345,7 +6319,7 @@
                 <a16:creationId xmlns:a16="http://schemas.microsoft.com/office/drawing/2014/main" id="{B819A166-7571-4003-A6B8-B62034C3ED30}"/>
               </a:ext>
               <a:ext uri="{C183D7F6-B498-43B3-948B-1728B52AA6E4}">
-                <adec:decorative xmlns:adec="http://schemas.microsoft.com/office/drawing/2017/decorative" val="1"/>
+                <adec:decorative xmlns:adec="http://schemas.microsoft.com/office/drawing/2017/decorative" xmlns="" val="1"/>
               </a:ext>
             </a:extLst>
           </p:cNvPr>
@@ -6833,7 +6807,7 @@
                 <a16:creationId xmlns:a16="http://schemas.microsoft.com/office/drawing/2014/main" id="{2643BE6C-86B7-4AB9-91E8-9B5DB45AC8EA}"/>
               </a:ext>
               <a:ext uri="{C183D7F6-B498-43B3-948B-1728B52AA6E4}">
-                <adec:decorative xmlns:adec="http://schemas.microsoft.com/office/drawing/2017/decorative" val="1"/>
+                <adec:decorative xmlns:adec="http://schemas.microsoft.com/office/drawing/2017/decorative" xmlns="" val="1"/>
               </a:ext>
             </a:extLst>
           </p:cNvPr>
@@ -7016,7 +6990,7 @@
                 <a14:useLocalDpi xmlns:a14="http://schemas.microsoft.com/office/drawing/2010/main" val="0"/>
               </a:ext>
               <a:ext uri="{96DAC541-7B7A-43D3-8B79-37D633B846F1}">
-                <asvg:svgBlip xmlns:asvg="http://schemas.microsoft.com/office/drawing/2016/SVG/main" r:embed="rId3"/>
+                <asvg:svgBlip xmlns:asvg="http://schemas.microsoft.com/office/drawing/2016/SVG/main" xmlns="" r:embed="rId3"/>
               </a:ext>
             </a:extLst>
           </a:blip>
@@ -7521,7 +7495,7 @@
                 <a16:creationId xmlns:a16="http://schemas.microsoft.com/office/drawing/2014/main" id="{9AA72BD9-2C5A-4EDC-931F-5AA08EACA0F3}"/>
               </a:ext>
               <a:ext uri="{C183D7F6-B498-43B3-948B-1728B52AA6E4}">
-                <adec:decorative xmlns:adec="http://schemas.microsoft.com/office/drawing/2017/decorative" val="1"/>
+                <adec:decorative xmlns:adec="http://schemas.microsoft.com/office/drawing/2017/decorative" xmlns="" val="1"/>
               </a:ext>
             </a:extLst>
           </p:cNvPr>
@@ -7610,7 +7584,7 @@
                 <a16:creationId xmlns:a16="http://schemas.microsoft.com/office/drawing/2014/main" id="{DD3981AC-7B61-4947-BCF3-F7AA7FA385B9}"/>
               </a:ext>
               <a:ext uri="{C183D7F6-B498-43B3-948B-1728B52AA6E4}">
-                <adec:decorative xmlns:adec="http://schemas.microsoft.com/office/drawing/2017/decorative" val="1"/>
+                <adec:decorative xmlns:adec="http://schemas.microsoft.com/office/drawing/2017/decorative" xmlns="" val="1"/>
               </a:ext>
             </a:extLst>
           </p:cNvPr>
@@ -7731,7 +7705,7 @@
                 <a16:creationId xmlns:a16="http://schemas.microsoft.com/office/drawing/2014/main" id="{55D4142C-5077-457F-A6AD-3FECFDB39685}"/>
               </a:ext>
               <a:ext uri="{C183D7F6-B498-43B3-948B-1728B52AA6E4}">
-                <adec:decorative xmlns:adec="http://schemas.microsoft.com/office/drawing/2017/decorative" val="1"/>
+                <adec:decorative xmlns:adec="http://schemas.microsoft.com/office/drawing/2017/decorative" xmlns="" val="1"/>
               </a:ext>
             </a:extLst>
           </p:cNvPr>
@@ -7799,7 +7773,7 @@
                 <a16:creationId xmlns:a16="http://schemas.microsoft.com/office/drawing/2014/main" id="{7A5F0580-5EE9-419F-96EE-B6529EF6E7D0}"/>
               </a:ext>
               <a:ext uri="{C183D7F6-B498-43B3-948B-1728B52AA6E4}">
-                <adec:decorative xmlns:adec="http://schemas.microsoft.com/office/drawing/2017/decorative" val="1"/>
+                <adec:decorative xmlns:adec="http://schemas.microsoft.com/office/drawing/2017/decorative" xmlns="" val="1"/>
               </a:ext>
             </a:extLst>
           </p:cNvPr>
@@ -7912,7 +7886,7 @@
           </a:bodyPr>
           <a:lstStyle/>
           <a:p>
-            <a:pPr marL="0" indent="0" algn="ctr">
+            <a:pPr marL="0" indent="0" algn="just">
               <a:buNone/>
             </a:pPr>
             <a:r>
@@ -8174,7 +8148,7 @@
                 <a16:creationId xmlns:a16="http://schemas.microsoft.com/office/drawing/2014/main" id="{7C432AFE-B3D2-4BFF-BF8F-96C27AFF1AC7}"/>
               </a:ext>
               <a:ext uri="{C183D7F6-B498-43B3-948B-1728B52AA6E4}">
-                <adec:decorative xmlns:adec="http://schemas.microsoft.com/office/drawing/2017/decorative" val="1"/>
+                <adec:decorative xmlns:adec="http://schemas.microsoft.com/office/drawing/2017/decorative" xmlns="" val="1"/>
               </a:ext>
             </a:extLst>
           </p:cNvPr>
@@ -8300,7 +8274,7 @@
                 <a16:creationId xmlns:a16="http://schemas.microsoft.com/office/drawing/2014/main" id="{AF2F604E-43BE-4DC3-B983-E071523364F8}"/>
               </a:ext>
               <a:ext uri="{C183D7F6-B498-43B3-948B-1728B52AA6E4}">
-                <adec:decorative xmlns:adec="http://schemas.microsoft.com/office/drawing/2017/decorative" val="1"/>
+                <adec:decorative xmlns:adec="http://schemas.microsoft.com/office/drawing/2017/decorative" xmlns="" val="1"/>
               </a:ext>
             </a:extLst>
           </p:cNvPr>
@@ -8368,7 +8342,7 @@
                 <a16:creationId xmlns:a16="http://schemas.microsoft.com/office/drawing/2014/main" id="{08C9B587-E65E-4B52-B37C-ABEBB6E87928}"/>
               </a:ext>
               <a:ext uri="{C183D7F6-B498-43B3-948B-1728B52AA6E4}">
-                <adec:decorative xmlns:adec="http://schemas.microsoft.com/office/drawing/2017/decorative" val="1"/>
+                <adec:decorative xmlns:adec="http://schemas.microsoft.com/office/drawing/2017/decorative" xmlns="" val="1"/>
               </a:ext>
             </a:extLst>
           </p:cNvPr>
@@ -8481,7 +8455,7 @@
           </a:bodyPr>
           <a:lstStyle/>
           <a:p>
-            <a:pPr marL="0" indent="0" algn="ctr">
+            <a:pPr marL="0" indent="0" algn="just">
               <a:buNone/>
             </a:pPr>
             <a:r>
@@ -8701,7 +8675,7 @@
                 <a16:creationId xmlns:a16="http://schemas.microsoft.com/office/drawing/2014/main" id="{9AA72BD9-2C5A-4EDC-931F-5AA08EACA0F3}"/>
               </a:ext>
               <a:ext uri="{C183D7F6-B498-43B3-948B-1728B52AA6E4}">
-                <adec:decorative xmlns:adec="http://schemas.microsoft.com/office/drawing/2017/decorative" val="1"/>
+                <adec:decorative xmlns:adec="http://schemas.microsoft.com/office/drawing/2017/decorative" xmlns="" val="1"/>
               </a:ext>
             </a:extLst>
           </p:cNvPr>
@@ -8790,7 +8764,7 @@
                 <a16:creationId xmlns:a16="http://schemas.microsoft.com/office/drawing/2014/main" id="{DD3981AC-7B61-4947-BCF3-F7AA7FA385B9}"/>
               </a:ext>
               <a:ext uri="{C183D7F6-B498-43B3-948B-1728B52AA6E4}">
-                <adec:decorative xmlns:adec="http://schemas.microsoft.com/office/drawing/2017/decorative" val="1"/>
+                <adec:decorative xmlns:adec="http://schemas.microsoft.com/office/drawing/2017/decorative" xmlns="" val="1"/>
               </a:ext>
             </a:extLst>
           </p:cNvPr>
@@ -8911,7 +8885,7 @@
                 <a16:creationId xmlns:a16="http://schemas.microsoft.com/office/drawing/2014/main" id="{55D4142C-5077-457F-A6AD-3FECFDB39685}"/>
               </a:ext>
               <a:ext uri="{C183D7F6-B498-43B3-948B-1728B52AA6E4}">
-                <adec:decorative xmlns:adec="http://schemas.microsoft.com/office/drawing/2017/decorative" val="1"/>
+                <adec:decorative xmlns:adec="http://schemas.microsoft.com/office/drawing/2017/decorative" xmlns="" val="1"/>
               </a:ext>
             </a:extLst>
           </p:cNvPr>
@@ -8979,7 +8953,7 @@
                 <a16:creationId xmlns:a16="http://schemas.microsoft.com/office/drawing/2014/main" id="{7A5F0580-5EE9-419F-96EE-B6529EF6E7D0}"/>
               </a:ext>
               <a:ext uri="{C183D7F6-B498-43B3-948B-1728B52AA6E4}">
-                <adec:decorative xmlns:adec="http://schemas.microsoft.com/office/drawing/2017/decorative" val="1"/>
+                <adec:decorative xmlns:adec="http://schemas.microsoft.com/office/drawing/2017/decorative" xmlns="" val="1"/>
               </a:ext>
             </a:extLst>
           </p:cNvPr>
@@ -9083,7 +9057,7 @@
         <p:spPr>
           <a:xfrm>
             <a:off x="371094" y="2718054"/>
-            <a:ext cx="3438906" cy="3207258"/>
+            <a:ext cx="3567860" cy="3207258"/>
           </a:xfrm>
         </p:spPr>
         <p:txBody>
@@ -9092,7 +9066,7 @@
           </a:bodyPr>
           <a:lstStyle/>
           <a:p>
-            <a:pPr marL="0" indent="0" algn="ctr">
+            <a:pPr marL="0" indent="0" algn="just">
               <a:buNone/>
             </a:pPr>
             <a:r>
@@ -9352,7 +9326,7 @@
           </a:bodyPr>
           <a:lstStyle/>
           <a:p>
-            <a:pPr marL="0" indent="0" algn="ctr">
+            <a:pPr marL="0" indent="0" algn="just">
               <a:buNone/>
             </a:pPr>
             <a:r>
@@ -9659,7 +9633,7 @@
                 <a16:creationId xmlns:a16="http://schemas.microsoft.com/office/drawing/2014/main" id="{E8A8EAB8-D2FF-444D-B34B-7D32F106AD0E}"/>
               </a:ext>
               <a:ext uri="{C183D7F6-B498-43B3-948B-1728B52AA6E4}">
-                <adec:decorative xmlns:adec="http://schemas.microsoft.com/office/drawing/2017/decorative" val="1"/>
+                <adec:decorative xmlns:adec="http://schemas.microsoft.com/office/drawing/2017/decorative" xmlns="" val="1"/>
               </a:ext>
             </a:extLst>
           </p:cNvPr>
@@ -9768,7 +9742,7 @@
                 <a16:creationId xmlns:a16="http://schemas.microsoft.com/office/drawing/2014/main" id="{067633D1-6EE6-4118-B9F0-B363477BEE7A}"/>
               </a:ext>
               <a:ext uri="{C183D7F6-B498-43B3-948B-1728B52AA6E4}">
-                <adec:decorative xmlns:adec="http://schemas.microsoft.com/office/drawing/2017/decorative" val="1"/>
+                <adec:decorative xmlns:adec="http://schemas.microsoft.com/office/drawing/2017/decorative" xmlns="" val="1"/>
               </a:ext>
             </a:extLst>
           </p:cNvPr>
@@ -9820,7 +9794,7 @@
                 <a16:creationId xmlns:a16="http://schemas.microsoft.com/office/drawing/2014/main" id="{4AD7FFC6-42A9-49CB-B5E9-B3F6B038331B}"/>
               </a:ext>
               <a:ext uri="{C183D7F6-B498-43B3-948B-1728B52AA6E4}">
-                <adec:decorative xmlns:adec="http://schemas.microsoft.com/office/drawing/2017/decorative" val="1"/>
+                <adec:decorative xmlns:adec="http://schemas.microsoft.com/office/drawing/2017/decorative" xmlns="" val="1"/>
               </a:ext>
             </a:extLst>
           </p:cNvPr>
@@ -10202,7 +10176,7 @@
                 <a16:creationId xmlns:a16="http://schemas.microsoft.com/office/drawing/2014/main" id="{9AA72BD9-2C5A-4EDC-931F-5AA08EACA0F3}"/>
               </a:ext>
               <a:ext uri="{C183D7F6-B498-43B3-948B-1728B52AA6E4}">
-                <adec:decorative xmlns:adec="http://schemas.microsoft.com/office/drawing/2017/decorative" val="1"/>
+                <adec:decorative xmlns:adec="http://schemas.microsoft.com/office/drawing/2017/decorative" xmlns="" val="1"/>
               </a:ext>
             </a:extLst>
           </p:cNvPr>
@@ -10291,7 +10265,7 @@
                 <a16:creationId xmlns:a16="http://schemas.microsoft.com/office/drawing/2014/main" id="{DD3981AC-7B61-4947-BCF3-F7AA7FA385B9}"/>
               </a:ext>
               <a:ext uri="{C183D7F6-B498-43B3-948B-1728B52AA6E4}">
-                <adec:decorative xmlns:adec="http://schemas.microsoft.com/office/drawing/2017/decorative" val="1"/>
+                <adec:decorative xmlns:adec="http://schemas.microsoft.com/office/drawing/2017/decorative" xmlns="" val="1"/>
               </a:ext>
             </a:extLst>
           </p:cNvPr>
@@ -10412,7 +10386,7 @@
                 <a16:creationId xmlns:a16="http://schemas.microsoft.com/office/drawing/2014/main" id="{55D4142C-5077-457F-A6AD-3FECFDB39685}"/>
               </a:ext>
               <a:ext uri="{C183D7F6-B498-43B3-948B-1728B52AA6E4}">
-                <adec:decorative xmlns:adec="http://schemas.microsoft.com/office/drawing/2017/decorative" val="1"/>
+                <adec:decorative xmlns:adec="http://schemas.microsoft.com/office/drawing/2017/decorative" xmlns="" val="1"/>
               </a:ext>
             </a:extLst>
           </p:cNvPr>
@@ -10480,7 +10454,7 @@
                 <a16:creationId xmlns:a16="http://schemas.microsoft.com/office/drawing/2014/main" id="{7A5F0580-5EE9-419F-96EE-B6529EF6E7D0}"/>
               </a:ext>
               <a:ext uri="{C183D7F6-B498-43B3-948B-1728B52AA6E4}">
-                <adec:decorative xmlns:adec="http://schemas.microsoft.com/office/drawing/2017/decorative" val="1"/>
+                <adec:decorative xmlns:adec="http://schemas.microsoft.com/office/drawing/2017/decorative" xmlns="" val="1"/>
               </a:ext>
             </a:extLst>
           </p:cNvPr>
@@ -10593,7 +10567,7 @@
           </a:bodyPr>
           <a:lstStyle/>
           <a:p>
-            <a:pPr marL="0" indent="0" algn="ctr">
+            <a:pPr marL="0" indent="0" algn="just">
               <a:buNone/>
             </a:pPr>
             <a:r>
@@ -10868,7 +10842,7 @@
                 <a16:creationId xmlns:a16="http://schemas.microsoft.com/office/drawing/2014/main" id="{7C432AFE-B3D2-4BFF-BF8F-96C27AFF1AC7}"/>
               </a:ext>
               <a:ext uri="{C183D7F6-B498-43B3-948B-1728B52AA6E4}">
-                <adec:decorative xmlns:adec="http://schemas.microsoft.com/office/drawing/2017/decorative" val="1"/>
+                <adec:decorative xmlns:adec="http://schemas.microsoft.com/office/drawing/2017/decorative" xmlns="" val="1"/>
               </a:ext>
             </a:extLst>
           </p:cNvPr>
@@ -10994,7 +10968,7 @@
                 <a16:creationId xmlns:a16="http://schemas.microsoft.com/office/drawing/2014/main" id="{AF2F604E-43BE-4DC3-B983-E071523364F8}"/>
               </a:ext>
               <a:ext uri="{C183D7F6-B498-43B3-948B-1728B52AA6E4}">
-                <adec:decorative xmlns:adec="http://schemas.microsoft.com/office/drawing/2017/decorative" val="1"/>
+                <adec:decorative xmlns:adec="http://schemas.microsoft.com/office/drawing/2017/decorative" xmlns="" val="1"/>
               </a:ext>
             </a:extLst>
           </p:cNvPr>
@@ -11062,7 +11036,7 @@
                 <a16:creationId xmlns:a16="http://schemas.microsoft.com/office/drawing/2014/main" id="{08C9B587-E65E-4B52-B37C-ABEBB6E87928}"/>
               </a:ext>
               <a:ext uri="{C183D7F6-B498-43B3-948B-1728B52AA6E4}">
-                <adec:decorative xmlns:adec="http://schemas.microsoft.com/office/drawing/2017/decorative" val="1"/>
+                <adec:decorative xmlns:adec="http://schemas.microsoft.com/office/drawing/2017/decorative" xmlns="" val="1"/>
               </a:ext>
             </a:extLst>
           </p:cNvPr>
@@ -11175,7 +11149,7 @@
           </a:bodyPr>
           <a:lstStyle/>
           <a:p>
-            <a:pPr marL="0" indent="0" algn="ctr">
+            <a:pPr marL="0" indent="0" algn="just">
               <a:buNone/>
             </a:pPr>
             <a:r>
@@ -11545,7 +11519,7 @@
                 <a16:creationId xmlns:a16="http://schemas.microsoft.com/office/drawing/2014/main" id="{FB5B0058-AF13-4859-B429-4EDDE2A26F7F}"/>
               </a:ext>
               <a:ext uri="{C183D7F6-B498-43B3-948B-1728B52AA6E4}">
-                <adec:decorative xmlns:adec="http://schemas.microsoft.com/office/drawing/2017/decorative" val="1"/>
+                <adec:decorative xmlns:adec="http://schemas.microsoft.com/office/drawing/2017/decorative" xmlns="" val="1"/>
               </a:ext>
             </a:extLst>
           </p:cNvPr>
@@ -11695,7 +11669,7 @@
                 <a16:creationId xmlns:a16="http://schemas.microsoft.com/office/drawing/2014/main" id="{1A89CBBC-7743-43D9-A324-25CB472E9B2E}"/>
               </a:ext>
               <a:ext uri="{C183D7F6-B498-43B3-948B-1728B52AA6E4}">
-                <adec:decorative xmlns:adec="http://schemas.microsoft.com/office/drawing/2017/decorative" val="1"/>
+                <adec:decorative xmlns:adec="http://schemas.microsoft.com/office/drawing/2017/decorative" xmlns="" val="1"/>
               </a:ext>
             </a:extLst>
           </p:cNvPr>
